--- a/Data-Analysis-Project1/Data analysis project 1.pptx
+++ b/Data-Analysis-Project1/Data analysis project 1.pptx
@@ -5,40 +5,41 @@
     <p:sldMasterId id="2147483660" r:id="rId1"/>
   </p:sldMasterIdLst>
   <p:notesMasterIdLst>
-    <p:notesMasterId r:id="rId25"/>
+    <p:notesMasterId r:id="rId26"/>
   </p:notesMasterIdLst>
   <p:handoutMasterIdLst>
-    <p:handoutMasterId r:id="rId26"/>
+    <p:handoutMasterId r:id="rId27"/>
   </p:handoutMasterIdLst>
   <p:sldIdLst>
     <p:sldId id="295" r:id="rId2"/>
     <p:sldId id="378" r:id="rId3"/>
     <p:sldId id="379" r:id="rId4"/>
-    <p:sldId id="312" r:id="rId5"/>
-    <p:sldId id="313" r:id="rId6"/>
-    <p:sldId id="314" r:id="rId7"/>
-    <p:sldId id="315" r:id="rId8"/>
-    <p:sldId id="317" r:id="rId9"/>
-    <p:sldId id="318" r:id="rId10"/>
-    <p:sldId id="319" r:id="rId11"/>
-    <p:sldId id="320" r:id="rId12"/>
-    <p:sldId id="321" r:id="rId13"/>
-    <p:sldId id="322" r:id="rId14"/>
-    <p:sldId id="323" r:id="rId15"/>
-    <p:sldId id="324" r:id="rId16"/>
-    <p:sldId id="325" r:id="rId17"/>
-    <p:sldId id="326" r:id="rId18"/>
-    <p:sldId id="327" r:id="rId19"/>
-    <p:sldId id="332" r:id="rId20"/>
-    <p:sldId id="335" r:id="rId21"/>
-    <p:sldId id="337" r:id="rId22"/>
-    <p:sldId id="377" r:id="rId23"/>
-    <p:sldId id="368" r:id="rId24"/>
+    <p:sldId id="380" r:id="rId5"/>
+    <p:sldId id="312" r:id="rId6"/>
+    <p:sldId id="313" r:id="rId7"/>
+    <p:sldId id="314" r:id="rId8"/>
+    <p:sldId id="315" r:id="rId9"/>
+    <p:sldId id="317" r:id="rId10"/>
+    <p:sldId id="318" r:id="rId11"/>
+    <p:sldId id="319" r:id="rId12"/>
+    <p:sldId id="320" r:id="rId13"/>
+    <p:sldId id="321" r:id="rId14"/>
+    <p:sldId id="322" r:id="rId15"/>
+    <p:sldId id="323" r:id="rId16"/>
+    <p:sldId id="324" r:id="rId17"/>
+    <p:sldId id="325" r:id="rId18"/>
+    <p:sldId id="326" r:id="rId19"/>
+    <p:sldId id="327" r:id="rId20"/>
+    <p:sldId id="332" r:id="rId21"/>
+    <p:sldId id="335" r:id="rId22"/>
+    <p:sldId id="337" r:id="rId23"/>
+    <p:sldId id="377" r:id="rId24"/>
+    <p:sldId id="368" r:id="rId25"/>
   </p:sldIdLst>
   <p:sldSz cx="9904413" cy="6859588"/>
   <p:notesSz cx="6797675" cy="9874250"/>
   <p:custDataLst>
-    <p:tags r:id="rId27"/>
+    <p:tags r:id="rId28"/>
   </p:custDataLst>
   <p:defaultTextStyle>
     <a:defPPr>
@@ -823,7 +824,7 @@
           <a:graphicData uri="http://schemas.openxmlformats.org/presentationml/2006/ole">
             <mc:AlternateContent xmlns:mc="http://schemas.openxmlformats.org/markup-compatibility/2006">
               <mc:Choice xmlns:v="urn:schemas-microsoft-com:vml" Requires="v">
-                <p:oleObj spid="_x0000_s2578" name="think-cell Slide" r:id="rId4" imgW="465" imgH="457" progId="TCLayout.ActiveDocument.1">
+                <p:oleObj spid="_x0000_s2834" name="think-cell Slide" r:id="rId4" imgW="465" imgH="457" progId="TCLayout.ActiveDocument.1">
                   <p:embed/>
                 </p:oleObj>
               </mc:Choice>
@@ -1389,7 +1390,7 @@
           <a:graphicData uri="http://schemas.openxmlformats.org/presentationml/2006/ole">
             <mc:AlternateContent xmlns:mc="http://schemas.openxmlformats.org/markup-compatibility/2006">
               <mc:Choice xmlns:v="urn:schemas-microsoft-com:vml" Requires="v">
-                <p:oleObj spid="_x0000_s3602" name="think-cell Slide" r:id="rId4" imgW="465" imgH="457" progId="TCLayout.ActiveDocument.1">
+                <p:oleObj spid="_x0000_s3858" name="think-cell Slide" r:id="rId4" imgW="465" imgH="457" progId="TCLayout.ActiveDocument.1">
                   <p:embed/>
                 </p:oleObj>
               </mc:Choice>
@@ -1579,7 +1580,7 @@
           <a:graphicData uri="http://schemas.openxmlformats.org/presentationml/2006/ole">
             <mc:AlternateContent xmlns:mc="http://schemas.openxmlformats.org/markup-compatibility/2006">
               <mc:Choice xmlns:v="urn:schemas-microsoft-com:vml" Requires="v">
-                <p:oleObj spid="_x0000_s4626" name="think-cell Slide" r:id="rId4" imgW="465" imgH="457" progId="TCLayout.ActiveDocument.1">
+                <p:oleObj spid="_x0000_s4882" name="think-cell Slide" r:id="rId4" imgW="465" imgH="457" progId="TCLayout.ActiveDocument.1">
                   <p:embed/>
                 </p:oleObj>
               </mc:Choice>
@@ -1917,7 +1918,7 @@
           <a:graphicData uri="http://schemas.openxmlformats.org/presentationml/2006/ole">
             <mc:AlternateContent xmlns:mc="http://schemas.openxmlformats.org/markup-compatibility/2006">
               <mc:Choice xmlns:v="urn:schemas-microsoft-com:vml" Requires="v">
-                <p:oleObj spid="_x0000_s5650" name="think-cell Slide" r:id="rId4" imgW="465" imgH="457" progId="TCLayout.ActiveDocument.1">
+                <p:oleObj spid="_x0000_s5906" name="think-cell Slide" r:id="rId4" imgW="465" imgH="457" progId="TCLayout.ActiveDocument.1">
                   <p:embed/>
                 </p:oleObj>
               </mc:Choice>
@@ -2455,7 +2456,7 @@
           <a:graphicData uri="http://schemas.openxmlformats.org/presentationml/2006/ole">
             <mc:AlternateContent xmlns:mc="http://schemas.openxmlformats.org/markup-compatibility/2006">
               <mc:Choice xmlns:v="urn:schemas-microsoft-com:vml" Requires="v">
-                <p:oleObj spid="_x0000_s6674" name="think-cell Slide" r:id="rId4" imgW="465" imgH="457" progId="TCLayout.ActiveDocument.1">
+                <p:oleObj spid="_x0000_s6930" name="think-cell Slide" r:id="rId4" imgW="465" imgH="457" progId="TCLayout.ActiveDocument.1">
                   <p:embed/>
                 </p:oleObj>
               </mc:Choice>
@@ -2649,7 +2650,7 @@
           <a:graphicData uri="http://schemas.openxmlformats.org/presentationml/2006/ole">
             <mc:AlternateContent xmlns:mc="http://schemas.openxmlformats.org/markup-compatibility/2006">
               <mc:Choice xmlns:v="urn:schemas-microsoft-com:vml" Requires="v">
-                <p:oleObj spid="_x0000_s1554" name="think-cell Slide" r:id="rId9" imgW="270" imgH="270" progId="TCLayout.ActiveDocument.1">
+                <p:oleObj spid="_x0000_s1810" name="think-cell Slide" r:id="rId9" imgW="270" imgH="270" progId="TCLayout.ActiveDocument.1">
                   <p:embed/>
                 </p:oleObj>
               </mc:Choice>
@@ -3457,7 +3458,7 @@
           <a:graphicData uri="http://schemas.openxmlformats.org/presentationml/2006/ole">
             <mc:AlternateContent xmlns:mc="http://schemas.openxmlformats.org/markup-compatibility/2006">
               <mc:Choice xmlns:v="urn:schemas-microsoft-com:vml" Requires="v">
-                <p:oleObj spid="_x0000_s7698" name="think-cell Slide" r:id="rId4" imgW="465" imgH="457" progId="TCLayout.ActiveDocument.1">
+                <p:oleObj spid="_x0000_s7954" name="think-cell Slide" r:id="rId4" imgW="465" imgH="457" progId="TCLayout.ActiveDocument.1">
                   <p:embed/>
                 </p:oleObj>
               </mc:Choice>
@@ -3895,6 +3896,1042 @@
 </file>
 
 <file path=ppt/slides/slide10.xml><?xml version="1.0" encoding="utf-8"?>
+<p:sld xmlns:a="http://schemas.openxmlformats.org/drawingml/2006/main" xmlns:r="http://schemas.openxmlformats.org/officeDocument/2006/relationships" xmlns:p="http://schemas.openxmlformats.org/presentationml/2006/main">
+  <p:cSld>
+    <p:spTree>
+      <p:nvGrpSpPr>
+        <p:cNvPr id="1" name=""/>
+        <p:cNvGrpSpPr/>
+        <p:nvPr/>
+      </p:nvGrpSpPr>
+      <p:grpSpPr>
+        <a:xfrm>
+          <a:off x="0" y="0"/>
+          <a:ext cx="0" cy="0"/>
+          <a:chOff x="0" y="0"/>
+          <a:chExt cx="0" cy="0"/>
+        </a:xfrm>
+      </p:grpSpPr>
+      <p:sp>
+        <p:nvSpPr>
+          <p:cNvPr id="2" name="标题 1"/>
+          <p:cNvSpPr>
+            <a:spLocks noGrp="1"/>
+          </p:cNvSpPr>
+          <p:nvPr>
+            <p:ph type="title"/>
+          </p:nvPr>
+        </p:nvSpPr>
+        <p:spPr/>
+        <p:txBody>
+          <a:bodyPr/>
+          <a:lstStyle/>
+          <a:p>
+            <a:r>
+              <a:rPr lang="en-US" dirty="0"/>
+              <a:t>Text boxes – three to a slide, with paragraph, bullet, and dash points</a:t>
+            </a:r>
+          </a:p>
+        </p:txBody>
+      </p:sp>
+      <p:sp>
+        <p:nvSpPr>
+          <p:cNvPr id="3" name="Text Placeholder 12"/>
+          <p:cNvSpPr>
+            <a:spLocks/>
+          </p:cNvSpPr>
+          <p:nvPr>
+            <p:custDataLst>
+              <p:tags r:id="rId1"/>
+            </p:custDataLst>
+          </p:nvPr>
+        </p:nvSpPr>
+        <p:spPr bwMode="auto">
+          <a:xfrm>
+            <a:off x="396875" y="1123950"/>
+            <a:ext cx="353751" cy="215444"/>
+          </a:xfrm>
+          <a:prstGeom prst="rect">
+            <a:avLst/>
+          </a:prstGeom>
+          <a:noFill/>
+          <a:ln w="9525">
+            <a:noFill/>
+            <a:miter lim="800000"/>
+            <a:headEnd/>
+            <a:tailEnd/>
+          </a:ln>
+        </p:spPr>
+        <p:txBody>
+          <a:bodyPr wrap="none" lIns="0" tIns="0" rIns="0" bIns="0">
+            <a:spAutoFit/>
+          </a:bodyPr>
+          <a:lstStyle/>
+          <a:p>
+            <a:pPr defTabSz="1019175">
+              <a:spcAft>
+                <a:spcPts val="0"/>
+              </a:spcAft>
+            </a:pPr>
+            <a:r>
+              <a:rPr lang="en-US" sz="1400" b="1" dirty="0">
+                <a:latin typeface="Palatino Linotype" panose="02040502050505030304" pitchFamily="18" charset="0"/>
+              </a:rPr>
+              <a:t>Text</a:t>
+            </a:r>
+          </a:p>
+        </p:txBody>
+      </p:sp>
+      <p:sp>
+        <p:nvSpPr>
+          <p:cNvPr id="5" name="Text Box 10"/>
+          <p:cNvSpPr txBox="1">
+            <a:spLocks noChangeArrowheads="1"/>
+          </p:cNvSpPr>
+          <p:nvPr>
+            <p:custDataLst>
+              <p:tags r:id="rId2"/>
+            </p:custDataLst>
+          </p:nvPr>
+        </p:nvSpPr>
+        <p:spPr bwMode="auto">
+          <a:xfrm>
+            <a:off x="450850" y="1376361"/>
+            <a:ext cx="2880000" cy="249678"/>
+          </a:xfrm>
+          <a:prstGeom prst="rect">
+            <a:avLst/>
+          </a:prstGeom>
+          <a:solidFill>
+            <a:schemeClr val="bg2"/>
+          </a:solidFill>
+          <a:ln w="12700" algn="ctr">
+            <a:solidFill>
+              <a:schemeClr val="bg2"/>
+            </a:solidFill>
+            <a:miter lim="800000"/>
+            <a:headEnd/>
+            <a:tailEnd type="none" w="sm" len="med"/>
+          </a:ln>
+        </p:spPr>
+        <p:txBody>
+          <a:bodyPr lIns="36000" tIns="36000" rIns="36000" bIns="36000" anchor="ctr" anchorCtr="1"/>
+          <a:lstStyle/>
+          <a:p>
+            <a:pPr algn="ctr" defTabSz="957263"/>
+            <a:r>
+              <a:rPr lang="en-US" sz="1400" b="1" dirty="0">
+                <a:solidFill>
+                  <a:schemeClr val="bg1"/>
+                </a:solidFill>
+                <a:latin typeface="Palatino Linotype" panose="02040502050505030304" pitchFamily="18" charset="0"/>
+              </a:rPr>
+              <a:t>Text</a:t>
+            </a:r>
+          </a:p>
+        </p:txBody>
+      </p:sp>
+      <p:sp>
+        <p:nvSpPr>
+          <p:cNvPr id="6" name="Text Placeholder 5"/>
+          <p:cNvSpPr txBox="1">
+            <a:spLocks/>
+          </p:cNvSpPr>
+          <p:nvPr/>
+        </p:nvSpPr>
+        <p:spPr>
+          <a:xfrm>
+            <a:off x="450849" y="1626041"/>
+            <a:ext cx="2880000" cy="4682684"/>
+          </a:xfrm>
+          <a:prstGeom prst="rect">
+            <a:avLst/>
+          </a:prstGeom>
+          <a:ln w="12700">
+            <a:solidFill>
+              <a:schemeClr val="bg2"/>
+            </a:solidFill>
+          </a:ln>
+        </p:spPr>
+        <p:txBody>
+          <a:bodyPr wrap="square" lIns="36000" tIns="36000" rIns="36000" bIns="36000"/>
+          <a:lstStyle>
+            <a:lvl1pPr marL="0" indent="0" algn="l" defTabSz="957263" rtl="0" eaLnBrk="1" fontAlgn="base" hangingPunct="1">
+              <a:lnSpc>
+                <a:spcPct val="100000"/>
+              </a:lnSpc>
+              <a:spcBef>
+                <a:spcPts val="400"/>
+              </a:spcBef>
+              <a:spcAft>
+                <a:spcPts val="0"/>
+              </a:spcAft>
+              <a:buFont typeface="Arial" charset="0"/>
+              <a:defRPr lang="en-US" sz="1400" kern="1200">
+                <a:solidFill>
+                  <a:schemeClr val="tx2"/>
+                </a:solidFill>
+                <a:latin typeface="+mn-lt"/>
+                <a:ea typeface="+mn-ea"/>
+                <a:cs typeface="+mn-cs"/>
+              </a:defRPr>
+            </a:lvl1pPr>
+            <a:lvl2pPr marL="180000" indent="-180000" algn="l" defTabSz="957263" rtl="0" eaLnBrk="1" fontAlgn="base" hangingPunct="1">
+              <a:lnSpc>
+                <a:spcPct val="100000"/>
+              </a:lnSpc>
+              <a:spcBef>
+                <a:spcPts val="400"/>
+              </a:spcBef>
+              <a:spcAft>
+                <a:spcPts val="0"/>
+              </a:spcAft>
+              <a:buFont typeface="Arial" charset="0"/>
+              <a:buChar char="•"/>
+              <a:defRPr lang="en-US" sz="1400" kern="1200">
+                <a:solidFill>
+                  <a:schemeClr val="tx2"/>
+                </a:solidFill>
+                <a:latin typeface="+mn-lt"/>
+                <a:ea typeface="+mj-ea"/>
+                <a:cs typeface="+mj-cs"/>
+              </a:defRPr>
+            </a:lvl2pPr>
+            <a:lvl3pPr marL="360000" indent="-180000" algn="l" defTabSz="957263" rtl="0" eaLnBrk="1" fontAlgn="base" hangingPunct="1">
+              <a:lnSpc>
+                <a:spcPct val="100000"/>
+              </a:lnSpc>
+              <a:spcBef>
+                <a:spcPts val="400"/>
+              </a:spcBef>
+              <a:spcAft>
+                <a:spcPts val="0"/>
+              </a:spcAft>
+              <a:buFont typeface="Arial" charset="0"/>
+              <a:buChar char="‒"/>
+              <a:defRPr lang="en-US" sz="1200" kern="1200">
+                <a:solidFill>
+                  <a:schemeClr val="tx2"/>
+                </a:solidFill>
+                <a:latin typeface="+mn-lt"/>
+                <a:ea typeface="+mj-ea"/>
+                <a:cs typeface="+mj-cs"/>
+              </a:defRPr>
+            </a:lvl3pPr>
+            <a:lvl4pPr marL="540000" indent="-180000" algn="l" defTabSz="957263" rtl="0" eaLnBrk="1" fontAlgn="base" hangingPunct="1">
+              <a:lnSpc>
+                <a:spcPct val="100000"/>
+              </a:lnSpc>
+              <a:spcBef>
+                <a:spcPts val="400"/>
+              </a:spcBef>
+              <a:spcAft>
+                <a:spcPts val="0"/>
+              </a:spcAft>
+              <a:buFont typeface="Arial" charset="0"/>
+              <a:buChar char="•"/>
+              <a:defRPr lang="en-US" sz="1200" kern="1200">
+                <a:solidFill>
+                  <a:schemeClr val="tx2"/>
+                </a:solidFill>
+                <a:latin typeface="+mn-lt"/>
+                <a:ea typeface="+mj-ea"/>
+                <a:cs typeface="+mj-cs"/>
+              </a:defRPr>
+            </a:lvl4pPr>
+            <a:lvl5pPr marL="720000" indent="-179388" algn="l" defTabSz="957263" rtl="0" eaLnBrk="1" fontAlgn="base" hangingPunct="1">
+              <a:lnSpc>
+                <a:spcPct val="100000"/>
+              </a:lnSpc>
+              <a:spcBef>
+                <a:spcPts val="400"/>
+              </a:spcBef>
+              <a:spcAft>
+                <a:spcPts val="0"/>
+              </a:spcAft>
+              <a:buFont typeface="Arial" charset="0"/>
+              <a:buChar char="‒"/>
+              <a:defRPr lang="en-GB" sz="1200" kern="1200">
+                <a:solidFill>
+                  <a:schemeClr val="tx2"/>
+                </a:solidFill>
+                <a:latin typeface="+mn-lt"/>
+                <a:ea typeface="+mj-ea"/>
+                <a:cs typeface="+mj-cs"/>
+              </a:defRPr>
+            </a:lvl5pPr>
+            <a:lvl6pPr marL="900000" indent="-180000" algn="l" defTabSz="859512" rtl="0" eaLnBrk="1" latinLnBrk="0" hangingPunct="1">
+              <a:lnSpc>
+                <a:spcPct val="100000"/>
+              </a:lnSpc>
+              <a:spcBef>
+                <a:spcPts val="400"/>
+              </a:spcBef>
+              <a:spcAft>
+                <a:spcPts val="0"/>
+              </a:spcAft>
+              <a:buFont typeface="Arial" pitchFamily="34" charset="0"/>
+              <a:buChar char="•"/>
+              <a:defRPr sz="1200" kern="1200" baseline="0">
+                <a:solidFill>
+                  <a:schemeClr val="accent1"/>
+                </a:solidFill>
+                <a:latin typeface="+mn-lt"/>
+                <a:ea typeface="+mn-ea"/>
+                <a:cs typeface="+mn-cs"/>
+              </a:defRPr>
+            </a:lvl6pPr>
+            <a:lvl7pPr marL="1080000" indent="-180000" algn="l" defTabSz="859512" rtl="0" eaLnBrk="1" latinLnBrk="0" hangingPunct="1">
+              <a:lnSpc>
+                <a:spcPct val="100000"/>
+              </a:lnSpc>
+              <a:spcBef>
+                <a:spcPts val="400"/>
+              </a:spcBef>
+              <a:spcAft>
+                <a:spcPts val="0"/>
+              </a:spcAft>
+              <a:buFont typeface="Arial" pitchFamily="34" charset="0"/>
+              <a:buChar char="‒"/>
+              <a:defRPr sz="1200" kern="1200">
+                <a:solidFill>
+                  <a:schemeClr val="accent1"/>
+                </a:solidFill>
+                <a:latin typeface="+mn-lt"/>
+                <a:ea typeface="+mn-ea"/>
+                <a:cs typeface="+mn-cs"/>
+              </a:defRPr>
+            </a:lvl7pPr>
+            <a:lvl8pPr marL="1260000" indent="-180000" algn="l" defTabSz="859512" rtl="0" eaLnBrk="1" latinLnBrk="0" hangingPunct="1">
+              <a:lnSpc>
+                <a:spcPct val="100000"/>
+              </a:lnSpc>
+              <a:spcBef>
+                <a:spcPts val="400"/>
+              </a:spcBef>
+              <a:spcAft>
+                <a:spcPts val="0"/>
+              </a:spcAft>
+              <a:buFont typeface="Arial" pitchFamily="34" charset="0"/>
+              <a:buChar char="•"/>
+              <a:defRPr sz="1200" kern="1200">
+                <a:solidFill>
+                  <a:schemeClr val="accent1"/>
+                </a:solidFill>
+                <a:latin typeface="+mn-lt"/>
+                <a:ea typeface="+mn-ea"/>
+                <a:cs typeface="+mn-cs"/>
+              </a:defRPr>
+            </a:lvl8pPr>
+            <a:lvl9pPr marL="1440000" indent="-180000" algn="l" defTabSz="859512" rtl="0" eaLnBrk="1" latinLnBrk="0" hangingPunct="1">
+              <a:lnSpc>
+                <a:spcPct val="100000"/>
+              </a:lnSpc>
+              <a:spcBef>
+                <a:spcPts val="400"/>
+              </a:spcBef>
+              <a:spcAft>
+                <a:spcPts val="0"/>
+              </a:spcAft>
+              <a:buFont typeface="Arial" pitchFamily="34" charset="0"/>
+              <a:buChar char="‒"/>
+              <a:defRPr sz="1200" kern="1200">
+                <a:solidFill>
+                  <a:schemeClr val="accent1"/>
+                </a:solidFill>
+                <a:latin typeface="+mn-lt"/>
+                <a:ea typeface="+mn-ea"/>
+                <a:cs typeface="+mn-cs"/>
+              </a:defRPr>
+            </a:lvl9pPr>
+          </a:lstStyle>
+          <a:p>
+            <a:r>
+              <a:rPr lang="en-US" dirty="0">
+                <a:solidFill>
+                  <a:schemeClr val="tx1"/>
+                </a:solidFill>
+                <a:latin typeface="Palatino Linotype" panose="02040502050505030304" pitchFamily="18" charset="0"/>
+              </a:rPr>
+              <a:t>Paragraph (if not needed, delete)</a:t>
+            </a:r>
+          </a:p>
+          <a:p>
+            <a:pPr lvl="1"/>
+            <a:r>
+              <a:rPr lang="en-US" dirty="0">
+                <a:solidFill>
+                  <a:schemeClr val="tx1"/>
+                </a:solidFill>
+                <a:latin typeface="Palatino Linotype" panose="02040502050505030304" pitchFamily="18" charset="0"/>
+              </a:rPr>
+              <a:t>Bullet</a:t>
+            </a:r>
+          </a:p>
+          <a:p>
+            <a:pPr lvl="2"/>
+            <a:r>
+              <a:rPr lang="en-US" dirty="0">
+                <a:solidFill>
+                  <a:schemeClr val="tx1"/>
+                </a:solidFill>
+                <a:latin typeface="Palatino Linotype" panose="02040502050505030304" pitchFamily="18" charset="0"/>
+              </a:rPr>
+              <a:t>Dash</a:t>
+            </a:r>
+          </a:p>
+          <a:p>
+            <a:pPr lvl="3"/>
+            <a:r>
+              <a:rPr lang="en-US" dirty="0">
+                <a:solidFill>
+                  <a:schemeClr val="tx1"/>
+                </a:solidFill>
+                <a:latin typeface="Palatino Linotype" panose="02040502050505030304" pitchFamily="18" charset="0"/>
+              </a:rPr>
+              <a:t>Sub bullet</a:t>
+            </a:r>
+          </a:p>
+        </p:txBody>
+      </p:sp>
+      <p:sp>
+        <p:nvSpPr>
+          <p:cNvPr id="8" name="Text Box 10"/>
+          <p:cNvSpPr txBox="1">
+            <a:spLocks noChangeArrowheads="1"/>
+          </p:cNvSpPr>
+          <p:nvPr>
+            <p:custDataLst>
+              <p:tags r:id="rId3"/>
+            </p:custDataLst>
+          </p:nvPr>
+        </p:nvSpPr>
+        <p:spPr bwMode="auto">
+          <a:xfrm>
+            <a:off x="3511778" y="1376361"/>
+            <a:ext cx="2880000" cy="249678"/>
+          </a:xfrm>
+          <a:prstGeom prst="rect">
+            <a:avLst/>
+          </a:prstGeom>
+          <a:solidFill>
+            <a:schemeClr val="bg2"/>
+          </a:solidFill>
+          <a:ln w="12700" algn="ctr">
+            <a:solidFill>
+              <a:schemeClr val="bg2"/>
+            </a:solidFill>
+            <a:miter lim="800000"/>
+            <a:headEnd/>
+            <a:tailEnd type="none" w="sm" len="med"/>
+          </a:ln>
+        </p:spPr>
+        <p:txBody>
+          <a:bodyPr lIns="36000" tIns="36000" rIns="36000" bIns="36000" anchor="ctr" anchorCtr="1"/>
+          <a:lstStyle/>
+          <a:p>
+            <a:pPr algn="ctr" defTabSz="957263"/>
+            <a:r>
+              <a:rPr lang="en-US" sz="1400" b="1">
+                <a:solidFill>
+                  <a:schemeClr val="bg1"/>
+                </a:solidFill>
+                <a:latin typeface="Palatino Linotype" panose="02040502050505030304" pitchFamily="18" charset="0"/>
+              </a:rPr>
+              <a:t>Text</a:t>
+            </a:r>
+          </a:p>
+        </p:txBody>
+      </p:sp>
+      <p:sp>
+        <p:nvSpPr>
+          <p:cNvPr id="9" name="Text Placeholder 5"/>
+          <p:cNvSpPr txBox="1">
+            <a:spLocks/>
+          </p:cNvSpPr>
+          <p:nvPr/>
+        </p:nvSpPr>
+        <p:spPr>
+          <a:xfrm>
+            <a:off x="3511777" y="1626041"/>
+            <a:ext cx="2880000" cy="4682684"/>
+          </a:xfrm>
+          <a:prstGeom prst="rect">
+            <a:avLst/>
+          </a:prstGeom>
+          <a:ln w="12700">
+            <a:solidFill>
+              <a:schemeClr val="bg2"/>
+            </a:solidFill>
+          </a:ln>
+        </p:spPr>
+        <p:txBody>
+          <a:bodyPr wrap="square" lIns="36000" tIns="36000" rIns="36000" bIns="36000"/>
+          <a:lstStyle>
+            <a:lvl1pPr marL="0" indent="0" algn="l" defTabSz="957263" rtl="0" eaLnBrk="1" fontAlgn="base" hangingPunct="1">
+              <a:lnSpc>
+                <a:spcPct val="100000"/>
+              </a:lnSpc>
+              <a:spcBef>
+                <a:spcPts val="400"/>
+              </a:spcBef>
+              <a:spcAft>
+                <a:spcPts val="0"/>
+              </a:spcAft>
+              <a:buFont typeface="Arial" charset="0"/>
+              <a:defRPr lang="en-US" sz="1400" kern="1200">
+                <a:solidFill>
+                  <a:schemeClr val="tx2"/>
+                </a:solidFill>
+                <a:latin typeface="+mn-lt"/>
+                <a:ea typeface="+mn-ea"/>
+                <a:cs typeface="+mn-cs"/>
+              </a:defRPr>
+            </a:lvl1pPr>
+            <a:lvl2pPr marL="180000" indent="-180000" algn="l" defTabSz="957263" rtl="0" eaLnBrk="1" fontAlgn="base" hangingPunct="1">
+              <a:lnSpc>
+                <a:spcPct val="100000"/>
+              </a:lnSpc>
+              <a:spcBef>
+                <a:spcPts val="400"/>
+              </a:spcBef>
+              <a:spcAft>
+                <a:spcPts val="0"/>
+              </a:spcAft>
+              <a:buFont typeface="Arial" charset="0"/>
+              <a:buChar char="•"/>
+              <a:defRPr lang="en-US" sz="1400" kern="1200">
+                <a:solidFill>
+                  <a:schemeClr val="tx2"/>
+                </a:solidFill>
+                <a:latin typeface="+mn-lt"/>
+                <a:ea typeface="+mj-ea"/>
+                <a:cs typeface="+mj-cs"/>
+              </a:defRPr>
+            </a:lvl2pPr>
+            <a:lvl3pPr marL="360000" indent="-180000" algn="l" defTabSz="957263" rtl="0" eaLnBrk="1" fontAlgn="base" hangingPunct="1">
+              <a:lnSpc>
+                <a:spcPct val="100000"/>
+              </a:lnSpc>
+              <a:spcBef>
+                <a:spcPts val="400"/>
+              </a:spcBef>
+              <a:spcAft>
+                <a:spcPts val="0"/>
+              </a:spcAft>
+              <a:buFont typeface="Arial" charset="0"/>
+              <a:buChar char="‒"/>
+              <a:defRPr lang="en-US" sz="1200" kern="1200">
+                <a:solidFill>
+                  <a:schemeClr val="tx2"/>
+                </a:solidFill>
+                <a:latin typeface="+mn-lt"/>
+                <a:ea typeface="+mj-ea"/>
+                <a:cs typeface="+mj-cs"/>
+              </a:defRPr>
+            </a:lvl3pPr>
+            <a:lvl4pPr marL="540000" indent="-180000" algn="l" defTabSz="957263" rtl="0" eaLnBrk="1" fontAlgn="base" hangingPunct="1">
+              <a:lnSpc>
+                <a:spcPct val="100000"/>
+              </a:lnSpc>
+              <a:spcBef>
+                <a:spcPts val="400"/>
+              </a:spcBef>
+              <a:spcAft>
+                <a:spcPts val="0"/>
+              </a:spcAft>
+              <a:buFont typeface="Arial" charset="0"/>
+              <a:buChar char="•"/>
+              <a:defRPr lang="en-US" sz="1200" kern="1200">
+                <a:solidFill>
+                  <a:schemeClr val="tx2"/>
+                </a:solidFill>
+                <a:latin typeface="+mn-lt"/>
+                <a:ea typeface="+mj-ea"/>
+                <a:cs typeface="+mj-cs"/>
+              </a:defRPr>
+            </a:lvl4pPr>
+            <a:lvl5pPr marL="720000" indent="-179388" algn="l" defTabSz="957263" rtl="0" eaLnBrk="1" fontAlgn="base" hangingPunct="1">
+              <a:lnSpc>
+                <a:spcPct val="100000"/>
+              </a:lnSpc>
+              <a:spcBef>
+                <a:spcPts val="400"/>
+              </a:spcBef>
+              <a:spcAft>
+                <a:spcPts val="0"/>
+              </a:spcAft>
+              <a:buFont typeface="Arial" charset="0"/>
+              <a:buChar char="‒"/>
+              <a:defRPr lang="en-GB" sz="1200" kern="1200">
+                <a:solidFill>
+                  <a:schemeClr val="tx2"/>
+                </a:solidFill>
+                <a:latin typeface="+mn-lt"/>
+                <a:ea typeface="+mj-ea"/>
+                <a:cs typeface="+mj-cs"/>
+              </a:defRPr>
+            </a:lvl5pPr>
+            <a:lvl6pPr marL="900000" indent="-180000" algn="l" defTabSz="859512" rtl="0" eaLnBrk="1" latinLnBrk="0" hangingPunct="1">
+              <a:lnSpc>
+                <a:spcPct val="100000"/>
+              </a:lnSpc>
+              <a:spcBef>
+                <a:spcPts val="400"/>
+              </a:spcBef>
+              <a:spcAft>
+                <a:spcPts val="0"/>
+              </a:spcAft>
+              <a:buFont typeface="Arial" pitchFamily="34" charset="0"/>
+              <a:buChar char="•"/>
+              <a:defRPr sz="1200" kern="1200" baseline="0">
+                <a:solidFill>
+                  <a:schemeClr val="accent1"/>
+                </a:solidFill>
+                <a:latin typeface="+mn-lt"/>
+                <a:ea typeface="+mn-ea"/>
+                <a:cs typeface="+mn-cs"/>
+              </a:defRPr>
+            </a:lvl6pPr>
+            <a:lvl7pPr marL="1080000" indent="-180000" algn="l" defTabSz="859512" rtl="0" eaLnBrk="1" latinLnBrk="0" hangingPunct="1">
+              <a:lnSpc>
+                <a:spcPct val="100000"/>
+              </a:lnSpc>
+              <a:spcBef>
+                <a:spcPts val="400"/>
+              </a:spcBef>
+              <a:spcAft>
+                <a:spcPts val="0"/>
+              </a:spcAft>
+              <a:buFont typeface="Arial" pitchFamily="34" charset="0"/>
+              <a:buChar char="‒"/>
+              <a:defRPr sz="1200" kern="1200">
+                <a:solidFill>
+                  <a:schemeClr val="accent1"/>
+                </a:solidFill>
+                <a:latin typeface="+mn-lt"/>
+                <a:ea typeface="+mn-ea"/>
+                <a:cs typeface="+mn-cs"/>
+              </a:defRPr>
+            </a:lvl7pPr>
+            <a:lvl8pPr marL="1260000" indent="-180000" algn="l" defTabSz="859512" rtl="0" eaLnBrk="1" latinLnBrk="0" hangingPunct="1">
+              <a:lnSpc>
+                <a:spcPct val="100000"/>
+              </a:lnSpc>
+              <a:spcBef>
+                <a:spcPts val="400"/>
+              </a:spcBef>
+              <a:spcAft>
+                <a:spcPts val="0"/>
+              </a:spcAft>
+              <a:buFont typeface="Arial" pitchFamily="34" charset="0"/>
+              <a:buChar char="•"/>
+              <a:defRPr sz="1200" kern="1200">
+                <a:solidFill>
+                  <a:schemeClr val="accent1"/>
+                </a:solidFill>
+                <a:latin typeface="+mn-lt"/>
+                <a:ea typeface="+mn-ea"/>
+                <a:cs typeface="+mn-cs"/>
+              </a:defRPr>
+            </a:lvl8pPr>
+            <a:lvl9pPr marL="1440000" indent="-180000" algn="l" defTabSz="859512" rtl="0" eaLnBrk="1" latinLnBrk="0" hangingPunct="1">
+              <a:lnSpc>
+                <a:spcPct val="100000"/>
+              </a:lnSpc>
+              <a:spcBef>
+                <a:spcPts val="400"/>
+              </a:spcBef>
+              <a:spcAft>
+                <a:spcPts val="0"/>
+              </a:spcAft>
+              <a:buFont typeface="Arial" pitchFamily="34" charset="0"/>
+              <a:buChar char="‒"/>
+              <a:defRPr sz="1200" kern="1200">
+                <a:solidFill>
+                  <a:schemeClr val="accent1"/>
+                </a:solidFill>
+                <a:latin typeface="+mn-lt"/>
+                <a:ea typeface="+mn-ea"/>
+                <a:cs typeface="+mn-cs"/>
+              </a:defRPr>
+            </a:lvl9pPr>
+          </a:lstStyle>
+          <a:p>
+            <a:r>
+              <a:rPr lang="en-US" dirty="0">
+                <a:solidFill>
+                  <a:schemeClr val="tx1"/>
+                </a:solidFill>
+                <a:latin typeface="Palatino Linotype" panose="02040502050505030304" pitchFamily="18" charset="0"/>
+              </a:rPr>
+              <a:t>Paragraph (if not needed, delete)</a:t>
+            </a:r>
+          </a:p>
+          <a:p>
+            <a:pPr lvl="1"/>
+            <a:r>
+              <a:rPr lang="en-US" dirty="0">
+                <a:solidFill>
+                  <a:schemeClr val="tx1"/>
+                </a:solidFill>
+                <a:latin typeface="Palatino Linotype" panose="02040502050505030304" pitchFamily="18" charset="0"/>
+              </a:rPr>
+              <a:t>Bullet</a:t>
+            </a:r>
+          </a:p>
+          <a:p>
+            <a:pPr lvl="2"/>
+            <a:r>
+              <a:rPr lang="en-US" dirty="0">
+                <a:solidFill>
+                  <a:schemeClr val="tx1"/>
+                </a:solidFill>
+                <a:latin typeface="Palatino Linotype" panose="02040502050505030304" pitchFamily="18" charset="0"/>
+              </a:rPr>
+              <a:t>Dash</a:t>
+            </a:r>
+          </a:p>
+          <a:p>
+            <a:pPr lvl="3"/>
+            <a:r>
+              <a:rPr lang="en-US" dirty="0">
+                <a:solidFill>
+                  <a:schemeClr val="tx1"/>
+                </a:solidFill>
+                <a:latin typeface="Palatino Linotype" panose="02040502050505030304" pitchFamily="18" charset="0"/>
+              </a:rPr>
+              <a:t>Sub bullet</a:t>
+            </a:r>
+          </a:p>
+        </p:txBody>
+      </p:sp>
+      <p:sp>
+        <p:nvSpPr>
+          <p:cNvPr id="11" name="Text Box 10"/>
+          <p:cNvSpPr txBox="1">
+            <a:spLocks noChangeArrowheads="1"/>
+          </p:cNvSpPr>
+          <p:nvPr>
+            <p:custDataLst>
+              <p:tags r:id="rId4"/>
+            </p:custDataLst>
+          </p:nvPr>
+        </p:nvSpPr>
+        <p:spPr bwMode="auto">
+          <a:xfrm>
+            <a:off x="6572706" y="1376361"/>
+            <a:ext cx="2880000" cy="249678"/>
+          </a:xfrm>
+          <a:prstGeom prst="rect">
+            <a:avLst/>
+          </a:prstGeom>
+          <a:solidFill>
+            <a:schemeClr val="bg2"/>
+          </a:solidFill>
+          <a:ln w="12700" algn="ctr">
+            <a:solidFill>
+              <a:schemeClr val="bg2"/>
+            </a:solidFill>
+            <a:miter lim="800000"/>
+            <a:headEnd/>
+            <a:tailEnd type="none" w="sm" len="med"/>
+          </a:ln>
+        </p:spPr>
+        <p:txBody>
+          <a:bodyPr lIns="36000" tIns="36000" rIns="36000" bIns="36000" anchor="ctr" anchorCtr="1"/>
+          <a:lstStyle/>
+          <a:p>
+            <a:pPr algn="ctr" defTabSz="957263"/>
+            <a:r>
+              <a:rPr lang="en-US" sz="1400" b="1">
+                <a:solidFill>
+                  <a:schemeClr val="bg1"/>
+                </a:solidFill>
+                <a:latin typeface="Palatino Linotype" panose="02040502050505030304" pitchFamily="18" charset="0"/>
+              </a:rPr>
+              <a:t>Text</a:t>
+            </a:r>
+          </a:p>
+        </p:txBody>
+      </p:sp>
+      <p:sp>
+        <p:nvSpPr>
+          <p:cNvPr id="12" name="Text Placeholder 5"/>
+          <p:cNvSpPr txBox="1">
+            <a:spLocks/>
+          </p:cNvSpPr>
+          <p:nvPr/>
+        </p:nvSpPr>
+        <p:spPr>
+          <a:xfrm>
+            <a:off x="6572705" y="1626041"/>
+            <a:ext cx="2880000" cy="4682684"/>
+          </a:xfrm>
+          <a:prstGeom prst="rect">
+            <a:avLst/>
+          </a:prstGeom>
+          <a:ln w="12700">
+            <a:solidFill>
+              <a:schemeClr val="bg2"/>
+            </a:solidFill>
+          </a:ln>
+        </p:spPr>
+        <p:txBody>
+          <a:bodyPr wrap="square" lIns="36000" tIns="36000" rIns="36000" bIns="36000"/>
+          <a:lstStyle>
+            <a:lvl1pPr marL="0" indent="0" algn="l" defTabSz="957263" rtl="0" eaLnBrk="1" fontAlgn="base" hangingPunct="1">
+              <a:lnSpc>
+                <a:spcPct val="100000"/>
+              </a:lnSpc>
+              <a:spcBef>
+                <a:spcPts val="400"/>
+              </a:spcBef>
+              <a:spcAft>
+                <a:spcPts val="0"/>
+              </a:spcAft>
+              <a:buFont typeface="Arial" charset="0"/>
+              <a:defRPr lang="en-US" sz="1400" kern="1200">
+                <a:solidFill>
+                  <a:schemeClr val="tx2"/>
+                </a:solidFill>
+                <a:latin typeface="+mn-lt"/>
+                <a:ea typeface="+mn-ea"/>
+                <a:cs typeface="+mn-cs"/>
+              </a:defRPr>
+            </a:lvl1pPr>
+            <a:lvl2pPr marL="180000" indent="-180000" algn="l" defTabSz="957263" rtl="0" eaLnBrk="1" fontAlgn="base" hangingPunct="1">
+              <a:lnSpc>
+                <a:spcPct val="100000"/>
+              </a:lnSpc>
+              <a:spcBef>
+                <a:spcPts val="400"/>
+              </a:spcBef>
+              <a:spcAft>
+                <a:spcPts val="0"/>
+              </a:spcAft>
+              <a:buFont typeface="Arial" charset="0"/>
+              <a:buChar char="•"/>
+              <a:defRPr lang="en-US" sz="1400" kern="1200">
+                <a:solidFill>
+                  <a:schemeClr val="tx2"/>
+                </a:solidFill>
+                <a:latin typeface="+mn-lt"/>
+                <a:ea typeface="+mj-ea"/>
+                <a:cs typeface="+mj-cs"/>
+              </a:defRPr>
+            </a:lvl2pPr>
+            <a:lvl3pPr marL="360000" indent="-180000" algn="l" defTabSz="957263" rtl="0" eaLnBrk="1" fontAlgn="base" hangingPunct="1">
+              <a:lnSpc>
+                <a:spcPct val="100000"/>
+              </a:lnSpc>
+              <a:spcBef>
+                <a:spcPts val="400"/>
+              </a:spcBef>
+              <a:spcAft>
+                <a:spcPts val="0"/>
+              </a:spcAft>
+              <a:buFont typeface="Arial" charset="0"/>
+              <a:buChar char="‒"/>
+              <a:defRPr lang="en-US" sz="1200" kern="1200">
+                <a:solidFill>
+                  <a:schemeClr val="tx2"/>
+                </a:solidFill>
+                <a:latin typeface="+mn-lt"/>
+                <a:ea typeface="+mj-ea"/>
+                <a:cs typeface="+mj-cs"/>
+              </a:defRPr>
+            </a:lvl3pPr>
+            <a:lvl4pPr marL="540000" indent="-180000" algn="l" defTabSz="957263" rtl="0" eaLnBrk="1" fontAlgn="base" hangingPunct="1">
+              <a:lnSpc>
+                <a:spcPct val="100000"/>
+              </a:lnSpc>
+              <a:spcBef>
+                <a:spcPts val="400"/>
+              </a:spcBef>
+              <a:spcAft>
+                <a:spcPts val="0"/>
+              </a:spcAft>
+              <a:buFont typeface="Arial" charset="0"/>
+              <a:buChar char="•"/>
+              <a:defRPr lang="en-US" sz="1200" kern="1200">
+                <a:solidFill>
+                  <a:schemeClr val="tx2"/>
+                </a:solidFill>
+                <a:latin typeface="+mn-lt"/>
+                <a:ea typeface="+mj-ea"/>
+                <a:cs typeface="+mj-cs"/>
+              </a:defRPr>
+            </a:lvl4pPr>
+            <a:lvl5pPr marL="720000" indent="-179388" algn="l" defTabSz="957263" rtl="0" eaLnBrk="1" fontAlgn="base" hangingPunct="1">
+              <a:lnSpc>
+                <a:spcPct val="100000"/>
+              </a:lnSpc>
+              <a:spcBef>
+                <a:spcPts val="400"/>
+              </a:spcBef>
+              <a:spcAft>
+                <a:spcPts val="0"/>
+              </a:spcAft>
+              <a:buFont typeface="Arial" charset="0"/>
+              <a:buChar char="‒"/>
+              <a:defRPr lang="en-GB" sz="1200" kern="1200">
+                <a:solidFill>
+                  <a:schemeClr val="tx2"/>
+                </a:solidFill>
+                <a:latin typeface="+mn-lt"/>
+                <a:ea typeface="+mj-ea"/>
+                <a:cs typeface="+mj-cs"/>
+              </a:defRPr>
+            </a:lvl5pPr>
+            <a:lvl6pPr marL="900000" indent="-180000" algn="l" defTabSz="859512" rtl="0" eaLnBrk="1" latinLnBrk="0" hangingPunct="1">
+              <a:lnSpc>
+                <a:spcPct val="100000"/>
+              </a:lnSpc>
+              <a:spcBef>
+                <a:spcPts val="400"/>
+              </a:spcBef>
+              <a:spcAft>
+                <a:spcPts val="0"/>
+              </a:spcAft>
+              <a:buFont typeface="Arial" pitchFamily="34" charset="0"/>
+              <a:buChar char="•"/>
+              <a:defRPr sz="1200" kern="1200" baseline="0">
+                <a:solidFill>
+                  <a:schemeClr val="accent1"/>
+                </a:solidFill>
+                <a:latin typeface="+mn-lt"/>
+                <a:ea typeface="+mn-ea"/>
+                <a:cs typeface="+mn-cs"/>
+              </a:defRPr>
+            </a:lvl6pPr>
+            <a:lvl7pPr marL="1080000" indent="-180000" algn="l" defTabSz="859512" rtl="0" eaLnBrk="1" latinLnBrk="0" hangingPunct="1">
+              <a:lnSpc>
+                <a:spcPct val="100000"/>
+              </a:lnSpc>
+              <a:spcBef>
+                <a:spcPts val="400"/>
+              </a:spcBef>
+              <a:spcAft>
+                <a:spcPts val="0"/>
+              </a:spcAft>
+              <a:buFont typeface="Arial" pitchFamily="34" charset="0"/>
+              <a:buChar char="‒"/>
+              <a:defRPr sz="1200" kern="1200">
+                <a:solidFill>
+                  <a:schemeClr val="accent1"/>
+                </a:solidFill>
+                <a:latin typeface="+mn-lt"/>
+                <a:ea typeface="+mn-ea"/>
+                <a:cs typeface="+mn-cs"/>
+              </a:defRPr>
+            </a:lvl7pPr>
+            <a:lvl8pPr marL="1260000" indent="-180000" algn="l" defTabSz="859512" rtl="0" eaLnBrk="1" latinLnBrk="0" hangingPunct="1">
+              <a:lnSpc>
+                <a:spcPct val="100000"/>
+              </a:lnSpc>
+              <a:spcBef>
+                <a:spcPts val="400"/>
+              </a:spcBef>
+              <a:spcAft>
+                <a:spcPts val="0"/>
+              </a:spcAft>
+              <a:buFont typeface="Arial" pitchFamily="34" charset="0"/>
+              <a:buChar char="•"/>
+              <a:defRPr sz="1200" kern="1200">
+                <a:solidFill>
+                  <a:schemeClr val="accent1"/>
+                </a:solidFill>
+                <a:latin typeface="+mn-lt"/>
+                <a:ea typeface="+mn-ea"/>
+                <a:cs typeface="+mn-cs"/>
+              </a:defRPr>
+            </a:lvl8pPr>
+            <a:lvl9pPr marL="1440000" indent="-180000" algn="l" defTabSz="859512" rtl="0" eaLnBrk="1" latinLnBrk="0" hangingPunct="1">
+              <a:lnSpc>
+                <a:spcPct val="100000"/>
+              </a:lnSpc>
+              <a:spcBef>
+                <a:spcPts val="400"/>
+              </a:spcBef>
+              <a:spcAft>
+                <a:spcPts val="0"/>
+              </a:spcAft>
+              <a:buFont typeface="Arial" pitchFamily="34" charset="0"/>
+              <a:buChar char="‒"/>
+              <a:defRPr sz="1200" kern="1200">
+                <a:solidFill>
+                  <a:schemeClr val="accent1"/>
+                </a:solidFill>
+                <a:latin typeface="+mn-lt"/>
+                <a:ea typeface="+mn-ea"/>
+                <a:cs typeface="+mn-cs"/>
+              </a:defRPr>
+            </a:lvl9pPr>
+          </a:lstStyle>
+          <a:p>
+            <a:r>
+              <a:rPr lang="en-US" dirty="0">
+                <a:solidFill>
+                  <a:schemeClr val="tx1"/>
+                </a:solidFill>
+                <a:latin typeface="Palatino Linotype" panose="02040502050505030304" pitchFamily="18" charset="0"/>
+              </a:rPr>
+              <a:t>Paragraph (if not needed, delete)</a:t>
+            </a:r>
+          </a:p>
+          <a:p>
+            <a:pPr lvl="1"/>
+            <a:r>
+              <a:rPr lang="en-US" dirty="0">
+                <a:solidFill>
+                  <a:schemeClr val="tx1"/>
+                </a:solidFill>
+                <a:latin typeface="Palatino Linotype" panose="02040502050505030304" pitchFamily="18" charset="0"/>
+              </a:rPr>
+              <a:t>Bullet</a:t>
+            </a:r>
+          </a:p>
+          <a:p>
+            <a:pPr lvl="2"/>
+            <a:r>
+              <a:rPr lang="en-US" dirty="0">
+                <a:solidFill>
+                  <a:schemeClr val="tx1"/>
+                </a:solidFill>
+                <a:latin typeface="Palatino Linotype" panose="02040502050505030304" pitchFamily="18" charset="0"/>
+              </a:rPr>
+              <a:t>Dash</a:t>
+            </a:r>
+          </a:p>
+          <a:p>
+            <a:pPr lvl="3"/>
+            <a:r>
+              <a:rPr lang="en-US" dirty="0">
+                <a:solidFill>
+                  <a:schemeClr val="tx1"/>
+                </a:solidFill>
+                <a:latin typeface="Palatino Linotype" panose="02040502050505030304" pitchFamily="18" charset="0"/>
+              </a:rPr>
+              <a:t>Sub bullet</a:t>
+            </a:r>
+          </a:p>
+        </p:txBody>
+      </p:sp>
+    </p:spTree>
+    <p:extLst>
+      <p:ext uri="{BB962C8B-B14F-4D97-AF65-F5344CB8AC3E}">
+        <p14:creationId xmlns:p14="http://schemas.microsoft.com/office/powerpoint/2010/main" val="2874297807"/>
+      </p:ext>
+    </p:extLst>
+  </p:cSld>
+  <p:clrMapOvr>
+    <a:masterClrMapping/>
+  </p:clrMapOvr>
+</p:sld>
+</file>
+
+<file path=ppt/slides/slide11.xml><?xml version="1.0" encoding="utf-8"?>
 <p:sld xmlns:a="http://schemas.openxmlformats.org/drawingml/2006/main" xmlns:r="http://schemas.openxmlformats.org/officeDocument/2006/relationships" xmlns:p="http://schemas.openxmlformats.org/presentationml/2006/main">
   <p:cSld>
     <p:spTree>
@@ -5302,7 +6339,7 @@
 </p:sld>
 </file>
 
-<file path=ppt/slides/slide11.xml><?xml version="1.0" encoding="utf-8"?>
+<file path=ppt/slides/slide12.xml><?xml version="1.0" encoding="utf-8"?>
 <p:sld xmlns:a="http://schemas.openxmlformats.org/drawingml/2006/main" xmlns:r="http://schemas.openxmlformats.org/officeDocument/2006/relationships" xmlns:p="http://schemas.openxmlformats.org/presentationml/2006/main">
   <p:cSld>
     <p:spTree>
@@ -6650,7 +7687,7 @@
 </p:sld>
 </file>
 
-<file path=ppt/slides/slide12.xml><?xml version="1.0" encoding="utf-8"?>
+<file path=ppt/slides/slide13.xml><?xml version="1.0" encoding="utf-8"?>
 <p:sld xmlns:a="http://schemas.openxmlformats.org/drawingml/2006/main" xmlns:r="http://schemas.openxmlformats.org/officeDocument/2006/relationships" xmlns:p="http://schemas.openxmlformats.org/presentationml/2006/main">
   <p:cSld>
     <p:spTree>
@@ -8712,7 +9749,7 @@
 </p:sld>
 </file>
 
-<file path=ppt/slides/slide13.xml><?xml version="1.0" encoding="utf-8"?>
+<file path=ppt/slides/slide14.xml><?xml version="1.0" encoding="utf-8"?>
 <p:sld xmlns:a="http://schemas.openxmlformats.org/drawingml/2006/main" xmlns:r="http://schemas.openxmlformats.org/officeDocument/2006/relationships" xmlns:p="http://schemas.openxmlformats.org/presentationml/2006/main">
   <p:cSld>
     <p:spTree>
@@ -11509,7 +12546,7 @@
 </p:sld>
 </file>
 
-<file path=ppt/slides/slide14.xml><?xml version="1.0" encoding="utf-8"?>
+<file path=ppt/slides/slide15.xml><?xml version="1.0" encoding="utf-8"?>
 <p:sld xmlns:a="http://schemas.openxmlformats.org/drawingml/2006/main" xmlns:r="http://schemas.openxmlformats.org/officeDocument/2006/relationships" xmlns:p="http://schemas.openxmlformats.org/presentationml/2006/main">
   <p:cSld>
     <p:spTree>
@@ -14561,7 +15598,7 @@
 </p:sld>
 </file>
 
-<file path=ppt/slides/slide15.xml><?xml version="1.0" encoding="utf-8"?>
+<file path=ppt/slides/slide16.xml><?xml version="1.0" encoding="utf-8"?>
 <p:sld xmlns:a="http://schemas.openxmlformats.org/drawingml/2006/main" xmlns:r="http://schemas.openxmlformats.org/officeDocument/2006/relationships" xmlns:p="http://schemas.openxmlformats.org/presentationml/2006/main">
   <p:cSld>
     <p:spTree>
@@ -16975,7 +18012,7 @@
 </p:sld>
 </file>
 
-<file path=ppt/slides/slide16.xml><?xml version="1.0" encoding="utf-8"?>
+<file path=ppt/slides/slide17.xml><?xml version="1.0" encoding="utf-8"?>
 <p:sld xmlns:a="http://schemas.openxmlformats.org/drawingml/2006/main" xmlns:r="http://schemas.openxmlformats.org/officeDocument/2006/relationships" xmlns:p="http://schemas.openxmlformats.org/presentationml/2006/main">
   <p:cSld>
     <p:spTree>
@@ -19353,7 +20390,7 @@
 </p:sld>
 </file>
 
-<file path=ppt/slides/slide17.xml><?xml version="1.0" encoding="utf-8"?>
+<file path=ppt/slides/slide18.xml><?xml version="1.0" encoding="utf-8"?>
 <p:sld xmlns:a="http://schemas.openxmlformats.org/drawingml/2006/main" xmlns:r="http://schemas.openxmlformats.org/officeDocument/2006/relationships" xmlns:p="http://schemas.openxmlformats.org/presentationml/2006/main">
   <p:cSld>
     <p:spTree>
@@ -20721,7 +21758,7 @@
 </p:sld>
 </file>
 
-<file path=ppt/slides/slide18.xml><?xml version="1.0" encoding="utf-8"?>
+<file path=ppt/slides/slide19.xml><?xml version="1.0" encoding="utf-8"?>
 <p:sld xmlns:a="http://schemas.openxmlformats.org/drawingml/2006/main" xmlns:r="http://schemas.openxmlformats.org/officeDocument/2006/relationships" xmlns:p="http://schemas.openxmlformats.org/presentationml/2006/main">
   <p:cSld>
     <p:spTree>
@@ -21982,780 +23019,6 @@
               </a:rPr>
               <a:t>Sub bullet</a:t>
             </a:r>
-          </a:p>
-        </p:txBody>
-      </p:sp>
-    </p:spTree>
-    <p:extLst>
-      <p:ext uri="{BB962C8B-B14F-4D97-AF65-F5344CB8AC3E}">
-        <p14:creationId xmlns:p14="http://schemas.microsoft.com/office/powerpoint/2010/main" val="2874297807"/>
-      </p:ext>
-    </p:extLst>
-  </p:cSld>
-  <p:clrMapOvr>
-    <a:masterClrMapping/>
-  </p:clrMapOvr>
-</p:sld>
-</file>
-
-<file path=ppt/slides/slide19.xml><?xml version="1.0" encoding="utf-8"?>
-<p:sld xmlns:a="http://schemas.openxmlformats.org/drawingml/2006/main" xmlns:r="http://schemas.openxmlformats.org/officeDocument/2006/relationships" xmlns:p="http://schemas.openxmlformats.org/presentationml/2006/main">
-  <p:cSld>
-    <p:spTree>
-      <p:nvGrpSpPr>
-        <p:cNvPr id="1" name=""/>
-        <p:cNvGrpSpPr/>
-        <p:nvPr/>
-      </p:nvGrpSpPr>
-      <p:grpSpPr>
-        <a:xfrm>
-          <a:off x="0" y="0"/>
-          <a:ext cx="0" cy="0"/>
-          <a:chOff x="0" y="0"/>
-          <a:chExt cx="0" cy="0"/>
-        </a:xfrm>
-      </p:grpSpPr>
-      <p:sp>
-        <p:nvSpPr>
-          <p:cNvPr id="2" name="标题 1"/>
-          <p:cNvSpPr>
-            <a:spLocks noGrp="1"/>
-          </p:cNvSpPr>
-          <p:nvPr>
-            <p:ph type="title"/>
-          </p:nvPr>
-        </p:nvSpPr>
-        <p:spPr/>
-        <p:txBody>
-          <a:bodyPr/>
-          <a:lstStyle/>
-          <a:p>
-            <a:r>
-              <a:rPr lang="en-US" altLang="ja-JP" dirty="0"/>
-              <a:t>Text b</a:t>
-            </a:r>
-            <a:r>
-              <a:rPr lang="en-US" dirty="0"/>
-              <a:t>locks – two squares</a:t>
-            </a:r>
-          </a:p>
-        </p:txBody>
-      </p:sp>
-      <p:sp>
-        <p:nvSpPr>
-          <p:cNvPr id="3" name="Slide Number Placeholder 11"/>
-          <p:cNvSpPr txBox="1">
-            <a:spLocks/>
-          </p:cNvSpPr>
-          <p:nvPr/>
-        </p:nvSpPr>
-        <p:spPr>
-          <a:xfrm>
-            <a:off x="415925" y="6554788"/>
-            <a:ext cx="346075" cy="142875"/>
-          </a:xfrm>
-          <a:prstGeom prst="rect">
-            <a:avLst/>
-          </a:prstGeom>
-        </p:spPr>
-        <p:txBody>
-          <a:bodyPr/>
-          <a:lstStyle>
-            <a:defPPr>
-              <a:defRPr lang="de-DE"/>
-            </a:defPPr>
-            <a:lvl1pPr marL="0" algn="l" defTabSz="957925" rtl="0" eaLnBrk="1" latinLnBrk="0" hangingPunct="1">
-              <a:defRPr sz="1900" kern="1200">
-                <a:solidFill>
-                  <a:schemeClr val="tx1"/>
-                </a:solidFill>
-                <a:latin typeface="+mn-lt"/>
-                <a:ea typeface="+mn-ea"/>
-                <a:cs typeface="+mn-cs"/>
-              </a:defRPr>
-            </a:lvl1pPr>
-            <a:lvl2pPr marL="478963" algn="l" defTabSz="957925" rtl="0" eaLnBrk="1" latinLnBrk="0" hangingPunct="1">
-              <a:defRPr sz="1900" kern="1200">
-                <a:solidFill>
-                  <a:schemeClr val="tx1"/>
-                </a:solidFill>
-                <a:latin typeface="+mn-lt"/>
-                <a:ea typeface="+mn-ea"/>
-                <a:cs typeface="+mn-cs"/>
-              </a:defRPr>
-            </a:lvl2pPr>
-            <a:lvl3pPr marL="957925" algn="l" defTabSz="957925" rtl="0" eaLnBrk="1" latinLnBrk="0" hangingPunct="1">
-              <a:defRPr sz="1900" kern="1200">
-                <a:solidFill>
-                  <a:schemeClr val="tx1"/>
-                </a:solidFill>
-                <a:latin typeface="+mn-lt"/>
-                <a:ea typeface="+mn-ea"/>
-                <a:cs typeface="+mn-cs"/>
-              </a:defRPr>
-            </a:lvl3pPr>
-            <a:lvl4pPr marL="1436888" algn="l" defTabSz="957925" rtl="0" eaLnBrk="1" latinLnBrk="0" hangingPunct="1">
-              <a:defRPr sz="1900" kern="1200">
-                <a:solidFill>
-                  <a:schemeClr val="tx1"/>
-                </a:solidFill>
-                <a:latin typeface="+mn-lt"/>
-                <a:ea typeface="+mn-ea"/>
-                <a:cs typeface="+mn-cs"/>
-              </a:defRPr>
-            </a:lvl4pPr>
-            <a:lvl5pPr marL="1915851" algn="l" defTabSz="957925" rtl="0" eaLnBrk="1" latinLnBrk="0" hangingPunct="1">
-              <a:defRPr sz="1900" kern="1200">
-                <a:solidFill>
-                  <a:schemeClr val="tx1"/>
-                </a:solidFill>
-                <a:latin typeface="+mn-lt"/>
-                <a:ea typeface="+mn-ea"/>
-                <a:cs typeface="+mn-cs"/>
-              </a:defRPr>
-            </a:lvl5pPr>
-            <a:lvl6pPr marL="2394814" algn="l" defTabSz="957925" rtl="0" eaLnBrk="1" latinLnBrk="0" hangingPunct="1">
-              <a:defRPr sz="1900" kern="1200">
-                <a:solidFill>
-                  <a:schemeClr val="tx1"/>
-                </a:solidFill>
-                <a:latin typeface="+mn-lt"/>
-                <a:ea typeface="+mn-ea"/>
-                <a:cs typeface="+mn-cs"/>
-              </a:defRPr>
-            </a:lvl6pPr>
-            <a:lvl7pPr marL="2873776" algn="l" defTabSz="957925" rtl="0" eaLnBrk="1" latinLnBrk="0" hangingPunct="1">
-              <a:defRPr sz="1900" kern="1200">
-                <a:solidFill>
-                  <a:schemeClr val="tx1"/>
-                </a:solidFill>
-                <a:latin typeface="+mn-lt"/>
-                <a:ea typeface="+mn-ea"/>
-                <a:cs typeface="+mn-cs"/>
-              </a:defRPr>
-            </a:lvl7pPr>
-            <a:lvl8pPr marL="3352739" algn="l" defTabSz="957925" rtl="0" eaLnBrk="1" latinLnBrk="0" hangingPunct="1">
-              <a:defRPr sz="1900" kern="1200">
-                <a:solidFill>
-                  <a:schemeClr val="tx1"/>
-                </a:solidFill>
-                <a:latin typeface="+mn-lt"/>
-                <a:ea typeface="+mn-ea"/>
-                <a:cs typeface="+mn-cs"/>
-              </a:defRPr>
-            </a:lvl8pPr>
-            <a:lvl9pPr marL="3831702" algn="l" defTabSz="957925" rtl="0" eaLnBrk="1" latinLnBrk="0" hangingPunct="1">
-              <a:defRPr sz="1900" kern="1200">
-                <a:solidFill>
-                  <a:schemeClr val="tx1"/>
-                </a:solidFill>
-                <a:latin typeface="+mn-lt"/>
-                <a:ea typeface="+mn-ea"/>
-                <a:cs typeface="+mn-cs"/>
-              </a:defRPr>
-            </a:lvl9pPr>
-          </a:lstStyle>
-          <a:p>
-            <a:fld id="{A96B2407-E3DE-42EE-BB9A-9ADA55DC3674}" type="slidenum">
-              <a:rPr lang="en-US" smtClean="0">
-                <a:latin typeface="Palatino Linotype" panose="02040502050505030304" pitchFamily="18" charset="0"/>
-              </a:rPr>
-              <a:pPr/>
-              <a:t>19</a:t>
-            </a:fld>
-            <a:endParaRPr lang="en-US">
-              <a:latin typeface="Palatino Linotype" panose="02040502050505030304" pitchFamily="18" charset="0"/>
-            </a:endParaRPr>
-          </a:p>
-        </p:txBody>
-      </p:sp>
-      <p:sp>
-        <p:nvSpPr>
-          <p:cNvPr id="6" name="Text Placeholder 5"/>
-          <p:cNvSpPr txBox="1">
-            <a:spLocks/>
-          </p:cNvSpPr>
-          <p:nvPr/>
-        </p:nvSpPr>
-        <p:spPr>
-          <a:xfrm>
-            <a:off x="780301" y="2335769"/>
-            <a:ext cx="3240000" cy="2880000"/>
-          </a:xfrm>
-          <a:prstGeom prst="rect">
-            <a:avLst/>
-          </a:prstGeom>
-          <a:solidFill>
-            <a:schemeClr val="bg1"/>
-          </a:solidFill>
-          <a:ln w="12700">
-            <a:solidFill>
-              <a:schemeClr val="bg2"/>
-            </a:solidFill>
-          </a:ln>
-        </p:spPr>
-        <p:txBody>
-          <a:bodyPr wrap="square" lIns="36000" tIns="36000" rIns="36000" bIns="36000"/>
-          <a:lstStyle>
-            <a:lvl1pPr marL="0" indent="0" algn="l" defTabSz="957263" rtl="0" eaLnBrk="1" fontAlgn="base" hangingPunct="1">
-              <a:lnSpc>
-                <a:spcPct val="100000"/>
-              </a:lnSpc>
-              <a:spcBef>
-                <a:spcPts val="400"/>
-              </a:spcBef>
-              <a:spcAft>
-                <a:spcPts val="0"/>
-              </a:spcAft>
-              <a:buFont typeface="Arial" charset="0"/>
-              <a:defRPr lang="en-US" sz="1400" kern="1200">
-                <a:solidFill>
-                  <a:schemeClr val="tx2"/>
-                </a:solidFill>
-                <a:latin typeface="+mn-lt"/>
-                <a:ea typeface="+mn-ea"/>
-                <a:cs typeface="+mn-cs"/>
-              </a:defRPr>
-            </a:lvl1pPr>
-            <a:lvl2pPr marL="180000" indent="-180000" algn="l" defTabSz="957263" rtl="0" eaLnBrk="1" fontAlgn="base" hangingPunct="1">
-              <a:lnSpc>
-                <a:spcPct val="100000"/>
-              </a:lnSpc>
-              <a:spcBef>
-                <a:spcPts val="400"/>
-              </a:spcBef>
-              <a:spcAft>
-                <a:spcPts val="0"/>
-              </a:spcAft>
-              <a:buFont typeface="Arial" charset="0"/>
-              <a:buChar char="•"/>
-              <a:defRPr lang="en-US" sz="1400" kern="1200">
-                <a:solidFill>
-                  <a:schemeClr val="tx2"/>
-                </a:solidFill>
-                <a:latin typeface="+mn-lt"/>
-                <a:ea typeface="+mj-ea"/>
-                <a:cs typeface="+mj-cs"/>
-              </a:defRPr>
-            </a:lvl2pPr>
-            <a:lvl3pPr marL="360000" indent="-180000" algn="l" defTabSz="957263" rtl="0" eaLnBrk="1" fontAlgn="base" hangingPunct="1">
-              <a:lnSpc>
-                <a:spcPct val="100000"/>
-              </a:lnSpc>
-              <a:spcBef>
-                <a:spcPts val="400"/>
-              </a:spcBef>
-              <a:spcAft>
-                <a:spcPts val="0"/>
-              </a:spcAft>
-              <a:buFont typeface="Arial" charset="0"/>
-              <a:buChar char="‒"/>
-              <a:defRPr lang="en-US" sz="1200" kern="1200">
-                <a:solidFill>
-                  <a:schemeClr val="tx2"/>
-                </a:solidFill>
-                <a:latin typeface="+mn-lt"/>
-                <a:ea typeface="+mj-ea"/>
-                <a:cs typeface="+mj-cs"/>
-              </a:defRPr>
-            </a:lvl3pPr>
-            <a:lvl4pPr marL="540000" indent="-180000" algn="l" defTabSz="957263" rtl="0" eaLnBrk="1" fontAlgn="base" hangingPunct="1">
-              <a:lnSpc>
-                <a:spcPct val="100000"/>
-              </a:lnSpc>
-              <a:spcBef>
-                <a:spcPts val="400"/>
-              </a:spcBef>
-              <a:spcAft>
-                <a:spcPts val="0"/>
-              </a:spcAft>
-              <a:buFont typeface="Arial" charset="0"/>
-              <a:buChar char="•"/>
-              <a:defRPr lang="en-US" sz="1200" kern="1200">
-                <a:solidFill>
-                  <a:schemeClr val="tx2"/>
-                </a:solidFill>
-                <a:latin typeface="+mn-lt"/>
-                <a:ea typeface="+mj-ea"/>
-                <a:cs typeface="+mj-cs"/>
-              </a:defRPr>
-            </a:lvl4pPr>
-            <a:lvl5pPr marL="720000" indent="-179388" algn="l" defTabSz="957263" rtl="0" eaLnBrk="1" fontAlgn="base" hangingPunct="1">
-              <a:lnSpc>
-                <a:spcPct val="100000"/>
-              </a:lnSpc>
-              <a:spcBef>
-                <a:spcPts val="400"/>
-              </a:spcBef>
-              <a:spcAft>
-                <a:spcPts val="0"/>
-              </a:spcAft>
-              <a:buFont typeface="Arial" charset="0"/>
-              <a:buChar char="‒"/>
-              <a:defRPr lang="en-GB" sz="1200" kern="1200">
-                <a:solidFill>
-                  <a:schemeClr val="tx2"/>
-                </a:solidFill>
-                <a:latin typeface="+mn-lt"/>
-                <a:ea typeface="+mj-ea"/>
-                <a:cs typeface="+mj-cs"/>
-              </a:defRPr>
-            </a:lvl5pPr>
-            <a:lvl6pPr marL="900000" indent="-180000" algn="l" defTabSz="859512" rtl="0" eaLnBrk="1" latinLnBrk="0" hangingPunct="1">
-              <a:lnSpc>
-                <a:spcPct val="100000"/>
-              </a:lnSpc>
-              <a:spcBef>
-                <a:spcPts val="400"/>
-              </a:spcBef>
-              <a:spcAft>
-                <a:spcPts val="0"/>
-              </a:spcAft>
-              <a:buFont typeface="Arial" pitchFamily="34" charset="0"/>
-              <a:buChar char="•"/>
-              <a:defRPr sz="1200" kern="1200" baseline="0">
-                <a:solidFill>
-                  <a:schemeClr val="accent1"/>
-                </a:solidFill>
-                <a:latin typeface="+mn-lt"/>
-                <a:ea typeface="+mn-ea"/>
-                <a:cs typeface="+mn-cs"/>
-              </a:defRPr>
-            </a:lvl6pPr>
-            <a:lvl7pPr marL="1080000" indent="-180000" algn="l" defTabSz="859512" rtl="0" eaLnBrk="1" latinLnBrk="0" hangingPunct="1">
-              <a:lnSpc>
-                <a:spcPct val="100000"/>
-              </a:lnSpc>
-              <a:spcBef>
-                <a:spcPts val="400"/>
-              </a:spcBef>
-              <a:spcAft>
-                <a:spcPts val="0"/>
-              </a:spcAft>
-              <a:buFont typeface="Arial" pitchFamily="34" charset="0"/>
-              <a:buChar char="‒"/>
-              <a:defRPr sz="1200" kern="1200">
-                <a:solidFill>
-                  <a:schemeClr val="accent1"/>
-                </a:solidFill>
-                <a:latin typeface="+mn-lt"/>
-                <a:ea typeface="+mn-ea"/>
-                <a:cs typeface="+mn-cs"/>
-              </a:defRPr>
-            </a:lvl7pPr>
-            <a:lvl8pPr marL="1260000" indent="-180000" algn="l" defTabSz="859512" rtl="0" eaLnBrk="1" latinLnBrk="0" hangingPunct="1">
-              <a:lnSpc>
-                <a:spcPct val="100000"/>
-              </a:lnSpc>
-              <a:spcBef>
-                <a:spcPts val="400"/>
-              </a:spcBef>
-              <a:spcAft>
-                <a:spcPts val="0"/>
-              </a:spcAft>
-              <a:buFont typeface="Arial" pitchFamily="34" charset="0"/>
-              <a:buChar char="•"/>
-              <a:defRPr sz="1200" kern="1200">
-                <a:solidFill>
-                  <a:schemeClr val="accent1"/>
-                </a:solidFill>
-                <a:latin typeface="+mn-lt"/>
-                <a:ea typeface="+mn-ea"/>
-                <a:cs typeface="+mn-cs"/>
-              </a:defRPr>
-            </a:lvl8pPr>
-            <a:lvl9pPr marL="1440000" indent="-180000" algn="l" defTabSz="859512" rtl="0" eaLnBrk="1" latinLnBrk="0" hangingPunct="1">
-              <a:lnSpc>
-                <a:spcPct val="100000"/>
-              </a:lnSpc>
-              <a:spcBef>
-                <a:spcPts val="400"/>
-              </a:spcBef>
-              <a:spcAft>
-                <a:spcPts val="0"/>
-              </a:spcAft>
-              <a:buFont typeface="Arial" pitchFamily="34" charset="0"/>
-              <a:buChar char="‒"/>
-              <a:defRPr sz="1200" kern="1200">
-                <a:solidFill>
-                  <a:schemeClr val="accent1"/>
-                </a:solidFill>
-                <a:latin typeface="+mn-lt"/>
-                <a:ea typeface="+mn-ea"/>
-                <a:cs typeface="+mn-cs"/>
-              </a:defRPr>
-            </a:lvl9pPr>
-          </a:lstStyle>
-          <a:p>
-            <a:r>
-              <a:rPr lang="en-US" dirty="0">
-                <a:solidFill>
-                  <a:schemeClr val="tx1"/>
-                </a:solidFill>
-                <a:latin typeface="Palatino Linotype" panose="02040502050505030304" pitchFamily="18" charset="0"/>
-              </a:rPr>
-              <a:t>Paragraph (if not needed, delete)</a:t>
-            </a:r>
-          </a:p>
-          <a:p>
-            <a:pPr lvl="1"/>
-            <a:r>
-              <a:rPr lang="en-US" dirty="0">
-                <a:solidFill>
-                  <a:schemeClr val="tx1"/>
-                </a:solidFill>
-                <a:latin typeface="Palatino Linotype" panose="02040502050505030304" pitchFamily="18" charset="0"/>
-              </a:rPr>
-              <a:t>Bullet</a:t>
-            </a:r>
-          </a:p>
-          <a:p>
-            <a:pPr lvl="2"/>
-            <a:r>
-              <a:rPr lang="en-US" dirty="0">
-                <a:solidFill>
-                  <a:schemeClr val="tx1"/>
-                </a:solidFill>
-                <a:latin typeface="Palatino Linotype" panose="02040502050505030304" pitchFamily="18" charset="0"/>
-              </a:rPr>
-              <a:t>Dash</a:t>
-            </a:r>
-          </a:p>
-          <a:p>
-            <a:pPr lvl="3"/>
-            <a:r>
-              <a:rPr lang="en-US" dirty="0">
-                <a:solidFill>
-                  <a:schemeClr val="tx1"/>
-                </a:solidFill>
-                <a:latin typeface="Palatino Linotype" panose="02040502050505030304" pitchFamily="18" charset="0"/>
-              </a:rPr>
-              <a:t>Sub bullet</a:t>
-            </a:r>
-          </a:p>
-        </p:txBody>
-      </p:sp>
-      <p:sp>
-        <p:nvSpPr>
-          <p:cNvPr id="7" name="Text Placeholder 5"/>
-          <p:cNvSpPr txBox="1">
-            <a:spLocks/>
-          </p:cNvSpPr>
-          <p:nvPr/>
-        </p:nvSpPr>
-        <p:spPr>
-          <a:xfrm>
-            <a:off x="4651375" y="1705769"/>
-            <a:ext cx="3600000" cy="4140000"/>
-          </a:xfrm>
-          <a:prstGeom prst="rect">
-            <a:avLst/>
-          </a:prstGeom>
-          <a:solidFill>
-            <a:schemeClr val="bg1"/>
-          </a:solidFill>
-          <a:ln w="12700">
-            <a:solidFill>
-              <a:schemeClr val="bg2"/>
-            </a:solidFill>
-          </a:ln>
-        </p:spPr>
-        <p:txBody>
-          <a:bodyPr wrap="square" lIns="36000" tIns="36000" rIns="36000" bIns="36000"/>
-          <a:lstStyle>
-            <a:lvl1pPr marL="0" indent="0" algn="l" defTabSz="957263" rtl="0" eaLnBrk="1" fontAlgn="base" hangingPunct="1">
-              <a:lnSpc>
-                <a:spcPct val="100000"/>
-              </a:lnSpc>
-              <a:spcBef>
-                <a:spcPts val="400"/>
-              </a:spcBef>
-              <a:spcAft>
-                <a:spcPts val="0"/>
-              </a:spcAft>
-              <a:buFont typeface="Arial" charset="0"/>
-              <a:defRPr lang="en-US" sz="1400" kern="1200">
-                <a:solidFill>
-                  <a:schemeClr val="tx2"/>
-                </a:solidFill>
-                <a:latin typeface="+mn-lt"/>
-                <a:ea typeface="+mn-ea"/>
-                <a:cs typeface="+mn-cs"/>
-              </a:defRPr>
-            </a:lvl1pPr>
-            <a:lvl2pPr marL="180000" indent="-180000" algn="l" defTabSz="957263" rtl="0" eaLnBrk="1" fontAlgn="base" hangingPunct="1">
-              <a:lnSpc>
-                <a:spcPct val="100000"/>
-              </a:lnSpc>
-              <a:spcBef>
-                <a:spcPts val="400"/>
-              </a:spcBef>
-              <a:spcAft>
-                <a:spcPts val="0"/>
-              </a:spcAft>
-              <a:buFont typeface="Arial" charset="0"/>
-              <a:buChar char="•"/>
-              <a:defRPr lang="en-US" sz="1400" kern="1200">
-                <a:solidFill>
-                  <a:schemeClr val="tx2"/>
-                </a:solidFill>
-                <a:latin typeface="+mn-lt"/>
-                <a:ea typeface="+mj-ea"/>
-                <a:cs typeface="+mj-cs"/>
-              </a:defRPr>
-            </a:lvl2pPr>
-            <a:lvl3pPr marL="360000" indent="-180000" algn="l" defTabSz="957263" rtl="0" eaLnBrk="1" fontAlgn="base" hangingPunct="1">
-              <a:lnSpc>
-                <a:spcPct val="100000"/>
-              </a:lnSpc>
-              <a:spcBef>
-                <a:spcPts val="400"/>
-              </a:spcBef>
-              <a:spcAft>
-                <a:spcPts val="0"/>
-              </a:spcAft>
-              <a:buFont typeface="Arial" charset="0"/>
-              <a:buChar char="‒"/>
-              <a:defRPr lang="en-US" sz="1200" kern="1200">
-                <a:solidFill>
-                  <a:schemeClr val="tx2"/>
-                </a:solidFill>
-                <a:latin typeface="+mn-lt"/>
-                <a:ea typeface="+mj-ea"/>
-                <a:cs typeface="+mj-cs"/>
-              </a:defRPr>
-            </a:lvl3pPr>
-            <a:lvl4pPr marL="540000" indent="-180000" algn="l" defTabSz="957263" rtl="0" eaLnBrk="1" fontAlgn="base" hangingPunct="1">
-              <a:lnSpc>
-                <a:spcPct val="100000"/>
-              </a:lnSpc>
-              <a:spcBef>
-                <a:spcPts val="400"/>
-              </a:spcBef>
-              <a:spcAft>
-                <a:spcPts val="0"/>
-              </a:spcAft>
-              <a:buFont typeface="Arial" charset="0"/>
-              <a:buChar char="•"/>
-              <a:defRPr lang="en-US" sz="1200" kern="1200">
-                <a:solidFill>
-                  <a:schemeClr val="tx2"/>
-                </a:solidFill>
-                <a:latin typeface="+mn-lt"/>
-                <a:ea typeface="+mj-ea"/>
-                <a:cs typeface="+mj-cs"/>
-              </a:defRPr>
-            </a:lvl4pPr>
-            <a:lvl5pPr marL="720000" indent="-179388" algn="l" defTabSz="957263" rtl="0" eaLnBrk="1" fontAlgn="base" hangingPunct="1">
-              <a:lnSpc>
-                <a:spcPct val="100000"/>
-              </a:lnSpc>
-              <a:spcBef>
-                <a:spcPts val="400"/>
-              </a:spcBef>
-              <a:spcAft>
-                <a:spcPts val="0"/>
-              </a:spcAft>
-              <a:buFont typeface="Arial" charset="0"/>
-              <a:buChar char="‒"/>
-              <a:defRPr lang="en-GB" sz="1200" kern="1200">
-                <a:solidFill>
-                  <a:schemeClr val="tx2"/>
-                </a:solidFill>
-                <a:latin typeface="+mn-lt"/>
-                <a:ea typeface="+mj-ea"/>
-                <a:cs typeface="+mj-cs"/>
-              </a:defRPr>
-            </a:lvl5pPr>
-            <a:lvl6pPr marL="900000" indent="-180000" algn="l" defTabSz="859512" rtl="0" eaLnBrk="1" latinLnBrk="0" hangingPunct="1">
-              <a:lnSpc>
-                <a:spcPct val="100000"/>
-              </a:lnSpc>
-              <a:spcBef>
-                <a:spcPts val="400"/>
-              </a:spcBef>
-              <a:spcAft>
-                <a:spcPts val="0"/>
-              </a:spcAft>
-              <a:buFont typeface="Arial" pitchFamily="34" charset="0"/>
-              <a:buChar char="•"/>
-              <a:defRPr sz="1200" kern="1200" baseline="0">
-                <a:solidFill>
-                  <a:schemeClr val="accent1"/>
-                </a:solidFill>
-                <a:latin typeface="+mn-lt"/>
-                <a:ea typeface="+mn-ea"/>
-                <a:cs typeface="+mn-cs"/>
-              </a:defRPr>
-            </a:lvl6pPr>
-            <a:lvl7pPr marL="1080000" indent="-180000" algn="l" defTabSz="859512" rtl="0" eaLnBrk="1" latinLnBrk="0" hangingPunct="1">
-              <a:lnSpc>
-                <a:spcPct val="100000"/>
-              </a:lnSpc>
-              <a:spcBef>
-                <a:spcPts val="400"/>
-              </a:spcBef>
-              <a:spcAft>
-                <a:spcPts val="0"/>
-              </a:spcAft>
-              <a:buFont typeface="Arial" pitchFamily="34" charset="0"/>
-              <a:buChar char="‒"/>
-              <a:defRPr sz="1200" kern="1200">
-                <a:solidFill>
-                  <a:schemeClr val="accent1"/>
-                </a:solidFill>
-                <a:latin typeface="+mn-lt"/>
-                <a:ea typeface="+mn-ea"/>
-                <a:cs typeface="+mn-cs"/>
-              </a:defRPr>
-            </a:lvl7pPr>
-            <a:lvl8pPr marL="1260000" indent="-180000" algn="l" defTabSz="859512" rtl="0" eaLnBrk="1" latinLnBrk="0" hangingPunct="1">
-              <a:lnSpc>
-                <a:spcPct val="100000"/>
-              </a:lnSpc>
-              <a:spcBef>
-                <a:spcPts val="400"/>
-              </a:spcBef>
-              <a:spcAft>
-                <a:spcPts val="0"/>
-              </a:spcAft>
-              <a:buFont typeface="Arial" pitchFamily="34" charset="0"/>
-              <a:buChar char="•"/>
-              <a:defRPr sz="1200" kern="1200">
-                <a:solidFill>
-                  <a:schemeClr val="accent1"/>
-                </a:solidFill>
-                <a:latin typeface="+mn-lt"/>
-                <a:ea typeface="+mn-ea"/>
-                <a:cs typeface="+mn-cs"/>
-              </a:defRPr>
-            </a:lvl8pPr>
-            <a:lvl9pPr marL="1440000" indent="-180000" algn="l" defTabSz="859512" rtl="0" eaLnBrk="1" latinLnBrk="0" hangingPunct="1">
-              <a:lnSpc>
-                <a:spcPct val="100000"/>
-              </a:lnSpc>
-              <a:spcBef>
-                <a:spcPts val="400"/>
-              </a:spcBef>
-              <a:spcAft>
-                <a:spcPts val="0"/>
-              </a:spcAft>
-              <a:buFont typeface="Arial" pitchFamily="34" charset="0"/>
-              <a:buChar char="‒"/>
-              <a:defRPr sz="1200" kern="1200">
-                <a:solidFill>
-                  <a:schemeClr val="accent1"/>
-                </a:solidFill>
-                <a:latin typeface="+mn-lt"/>
-                <a:ea typeface="+mn-ea"/>
-                <a:cs typeface="+mn-cs"/>
-              </a:defRPr>
-            </a:lvl9pPr>
-          </a:lstStyle>
-          <a:p>
-            <a:r>
-              <a:rPr lang="en-US" dirty="0">
-                <a:solidFill>
-                  <a:schemeClr val="tx1"/>
-                </a:solidFill>
-                <a:latin typeface="Palatino Linotype" panose="02040502050505030304" pitchFamily="18" charset="0"/>
-              </a:rPr>
-              <a:t>Paragraph (if not needed, delete)</a:t>
-            </a:r>
-          </a:p>
-          <a:p>
-            <a:pPr lvl="1"/>
-            <a:r>
-              <a:rPr lang="en-US" dirty="0">
-                <a:solidFill>
-                  <a:schemeClr val="tx1"/>
-                </a:solidFill>
-                <a:latin typeface="Palatino Linotype" panose="02040502050505030304" pitchFamily="18" charset="0"/>
-              </a:rPr>
-              <a:t>Bullet</a:t>
-            </a:r>
-          </a:p>
-          <a:p>
-            <a:pPr lvl="2"/>
-            <a:r>
-              <a:rPr lang="en-US" dirty="0">
-                <a:solidFill>
-                  <a:schemeClr val="tx1"/>
-                </a:solidFill>
-                <a:latin typeface="Palatino Linotype" panose="02040502050505030304" pitchFamily="18" charset="0"/>
-              </a:rPr>
-              <a:t>Dash</a:t>
-            </a:r>
-          </a:p>
-          <a:p>
-            <a:pPr lvl="3"/>
-            <a:r>
-              <a:rPr lang="en-US" dirty="0">
-                <a:solidFill>
-                  <a:schemeClr val="tx1"/>
-                </a:solidFill>
-                <a:latin typeface="Palatino Linotype" panose="02040502050505030304" pitchFamily="18" charset="0"/>
-              </a:rPr>
-              <a:t>Sub bullet</a:t>
-            </a:r>
-          </a:p>
-        </p:txBody>
-      </p:sp>
-      <p:sp>
-        <p:nvSpPr>
-          <p:cNvPr id="8" name="Trapezoid 12"/>
-          <p:cNvSpPr/>
-          <p:nvPr/>
-        </p:nvSpPr>
-        <p:spPr>
-          <a:xfrm rot="16200000">
-            <a:off x="2264911" y="3460769"/>
-            <a:ext cx="4140000" cy="630000"/>
-          </a:xfrm>
-          <a:prstGeom prst="trapezoid">
-            <a:avLst>
-              <a:gd name="adj" fmla="val 98866"/>
-            </a:avLst>
-          </a:prstGeom>
-          <a:gradFill>
-            <a:gsLst>
-              <a:gs pos="0">
-                <a:schemeClr val="bg2"/>
-              </a:gs>
-              <a:gs pos="100000">
-                <a:schemeClr val="bg1"/>
-              </a:gs>
-            </a:gsLst>
-            <a:lin ang="5400000" scaled="0"/>
-          </a:gradFill>
-          <a:ln w="12700">
-            <a:noFill/>
-          </a:ln>
-        </p:spPr>
-        <p:style>
-          <a:lnRef idx="2">
-            <a:schemeClr val="accent1">
-              <a:shade val="50000"/>
-            </a:schemeClr>
-          </a:lnRef>
-          <a:fillRef idx="1">
-            <a:schemeClr val="accent1"/>
-          </a:fillRef>
-          <a:effectRef idx="0">
-            <a:schemeClr val="accent1"/>
-          </a:effectRef>
-          <a:fontRef idx="minor">
-            <a:schemeClr val="lt1"/>
-          </a:fontRef>
-        </p:style>
-        <p:txBody>
-          <a:bodyPr lIns="36000" tIns="36000" rIns="36000" bIns="36000" rtlCol="0" anchor="ctr"/>
-          <a:lstStyle/>
-          <a:p>
-            <a:pPr algn="ctr"/>
-            <a:endParaRPr lang="en-GB" sz="1400">
-              <a:latin typeface="Palatino Linotype" panose="02040502050505030304" pitchFamily="18" charset="0"/>
-            </a:endParaRPr>
           </a:p>
         </p:txBody>
       </p:sp>
@@ -26481,6 +26744,780 @@
           <a:lstStyle/>
           <a:p>
             <a:r>
+              <a:rPr lang="en-US" altLang="ja-JP" dirty="0"/>
+              <a:t>Text b</a:t>
+            </a:r>
+            <a:r>
+              <a:rPr lang="en-US" dirty="0"/>
+              <a:t>locks – two squares</a:t>
+            </a:r>
+          </a:p>
+        </p:txBody>
+      </p:sp>
+      <p:sp>
+        <p:nvSpPr>
+          <p:cNvPr id="3" name="Slide Number Placeholder 11"/>
+          <p:cNvSpPr txBox="1">
+            <a:spLocks/>
+          </p:cNvSpPr>
+          <p:nvPr/>
+        </p:nvSpPr>
+        <p:spPr>
+          <a:xfrm>
+            <a:off x="415925" y="6554788"/>
+            <a:ext cx="346075" cy="142875"/>
+          </a:xfrm>
+          <a:prstGeom prst="rect">
+            <a:avLst/>
+          </a:prstGeom>
+        </p:spPr>
+        <p:txBody>
+          <a:bodyPr/>
+          <a:lstStyle>
+            <a:defPPr>
+              <a:defRPr lang="de-DE"/>
+            </a:defPPr>
+            <a:lvl1pPr marL="0" algn="l" defTabSz="957925" rtl="0" eaLnBrk="1" latinLnBrk="0" hangingPunct="1">
+              <a:defRPr sz="1900" kern="1200">
+                <a:solidFill>
+                  <a:schemeClr val="tx1"/>
+                </a:solidFill>
+                <a:latin typeface="+mn-lt"/>
+                <a:ea typeface="+mn-ea"/>
+                <a:cs typeface="+mn-cs"/>
+              </a:defRPr>
+            </a:lvl1pPr>
+            <a:lvl2pPr marL="478963" algn="l" defTabSz="957925" rtl="0" eaLnBrk="1" latinLnBrk="0" hangingPunct="1">
+              <a:defRPr sz="1900" kern="1200">
+                <a:solidFill>
+                  <a:schemeClr val="tx1"/>
+                </a:solidFill>
+                <a:latin typeface="+mn-lt"/>
+                <a:ea typeface="+mn-ea"/>
+                <a:cs typeface="+mn-cs"/>
+              </a:defRPr>
+            </a:lvl2pPr>
+            <a:lvl3pPr marL="957925" algn="l" defTabSz="957925" rtl="0" eaLnBrk="1" latinLnBrk="0" hangingPunct="1">
+              <a:defRPr sz="1900" kern="1200">
+                <a:solidFill>
+                  <a:schemeClr val="tx1"/>
+                </a:solidFill>
+                <a:latin typeface="+mn-lt"/>
+                <a:ea typeface="+mn-ea"/>
+                <a:cs typeface="+mn-cs"/>
+              </a:defRPr>
+            </a:lvl3pPr>
+            <a:lvl4pPr marL="1436888" algn="l" defTabSz="957925" rtl="0" eaLnBrk="1" latinLnBrk="0" hangingPunct="1">
+              <a:defRPr sz="1900" kern="1200">
+                <a:solidFill>
+                  <a:schemeClr val="tx1"/>
+                </a:solidFill>
+                <a:latin typeface="+mn-lt"/>
+                <a:ea typeface="+mn-ea"/>
+                <a:cs typeface="+mn-cs"/>
+              </a:defRPr>
+            </a:lvl4pPr>
+            <a:lvl5pPr marL="1915851" algn="l" defTabSz="957925" rtl="0" eaLnBrk="1" latinLnBrk="0" hangingPunct="1">
+              <a:defRPr sz="1900" kern="1200">
+                <a:solidFill>
+                  <a:schemeClr val="tx1"/>
+                </a:solidFill>
+                <a:latin typeface="+mn-lt"/>
+                <a:ea typeface="+mn-ea"/>
+                <a:cs typeface="+mn-cs"/>
+              </a:defRPr>
+            </a:lvl5pPr>
+            <a:lvl6pPr marL="2394814" algn="l" defTabSz="957925" rtl="0" eaLnBrk="1" latinLnBrk="0" hangingPunct="1">
+              <a:defRPr sz="1900" kern="1200">
+                <a:solidFill>
+                  <a:schemeClr val="tx1"/>
+                </a:solidFill>
+                <a:latin typeface="+mn-lt"/>
+                <a:ea typeface="+mn-ea"/>
+                <a:cs typeface="+mn-cs"/>
+              </a:defRPr>
+            </a:lvl6pPr>
+            <a:lvl7pPr marL="2873776" algn="l" defTabSz="957925" rtl="0" eaLnBrk="1" latinLnBrk="0" hangingPunct="1">
+              <a:defRPr sz="1900" kern="1200">
+                <a:solidFill>
+                  <a:schemeClr val="tx1"/>
+                </a:solidFill>
+                <a:latin typeface="+mn-lt"/>
+                <a:ea typeface="+mn-ea"/>
+                <a:cs typeface="+mn-cs"/>
+              </a:defRPr>
+            </a:lvl7pPr>
+            <a:lvl8pPr marL="3352739" algn="l" defTabSz="957925" rtl="0" eaLnBrk="1" latinLnBrk="0" hangingPunct="1">
+              <a:defRPr sz="1900" kern="1200">
+                <a:solidFill>
+                  <a:schemeClr val="tx1"/>
+                </a:solidFill>
+                <a:latin typeface="+mn-lt"/>
+                <a:ea typeface="+mn-ea"/>
+                <a:cs typeface="+mn-cs"/>
+              </a:defRPr>
+            </a:lvl8pPr>
+            <a:lvl9pPr marL="3831702" algn="l" defTabSz="957925" rtl="0" eaLnBrk="1" latinLnBrk="0" hangingPunct="1">
+              <a:defRPr sz="1900" kern="1200">
+                <a:solidFill>
+                  <a:schemeClr val="tx1"/>
+                </a:solidFill>
+                <a:latin typeface="+mn-lt"/>
+                <a:ea typeface="+mn-ea"/>
+                <a:cs typeface="+mn-cs"/>
+              </a:defRPr>
+            </a:lvl9pPr>
+          </a:lstStyle>
+          <a:p>
+            <a:fld id="{A96B2407-E3DE-42EE-BB9A-9ADA55DC3674}" type="slidenum">
+              <a:rPr lang="en-US" smtClean="0">
+                <a:latin typeface="Palatino Linotype" panose="02040502050505030304" pitchFamily="18" charset="0"/>
+              </a:rPr>
+              <a:pPr/>
+              <a:t>20</a:t>
+            </a:fld>
+            <a:endParaRPr lang="en-US">
+              <a:latin typeface="Palatino Linotype" panose="02040502050505030304" pitchFamily="18" charset="0"/>
+            </a:endParaRPr>
+          </a:p>
+        </p:txBody>
+      </p:sp>
+      <p:sp>
+        <p:nvSpPr>
+          <p:cNvPr id="6" name="Text Placeholder 5"/>
+          <p:cNvSpPr txBox="1">
+            <a:spLocks/>
+          </p:cNvSpPr>
+          <p:nvPr/>
+        </p:nvSpPr>
+        <p:spPr>
+          <a:xfrm>
+            <a:off x="780301" y="2335769"/>
+            <a:ext cx="3240000" cy="2880000"/>
+          </a:xfrm>
+          <a:prstGeom prst="rect">
+            <a:avLst/>
+          </a:prstGeom>
+          <a:solidFill>
+            <a:schemeClr val="bg1"/>
+          </a:solidFill>
+          <a:ln w="12700">
+            <a:solidFill>
+              <a:schemeClr val="bg2"/>
+            </a:solidFill>
+          </a:ln>
+        </p:spPr>
+        <p:txBody>
+          <a:bodyPr wrap="square" lIns="36000" tIns="36000" rIns="36000" bIns="36000"/>
+          <a:lstStyle>
+            <a:lvl1pPr marL="0" indent="0" algn="l" defTabSz="957263" rtl="0" eaLnBrk="1" fontAlgn="base" hangingPunct="1">
+              <a:lnSpc>
+                <a:spcPct val="100000"/>
+              </a:lnSpc>
+              <a:spcBef>
+                <a:spcPts val="400"/>
+              </a:spcBef>
+              <a:spcAft>
+                <a:spcPts val="0"/>
+              </a:spcAft>
+              <a:buFont typeface="Arial" charset="0"/>
+              <a:defRPr lang="en-US" sz="1400" kern="1200">
+                <a:solidFill>
+                  <a:schemeClr val="tx2"/>
+                </a:solidFill>
+                <a:latin typeface="+mn-lt"/>
+                <a:ea typeface="+mn-ea"/>
+                <a:cs typeface="+mn-cs"/>
+              </a:defRPr>
+            </a:lvl1pPr>
+            <a:lvl2pPr marL="180000" indent="-180000" algn="l" defTabSz="957263" rtl="0" eaLnBrk="1" fontAlgn="base" hangingPunct="1">
+              <a:lnSpc>
+                <a:spcPct val="100000"/>
+              </a:lnSpc>
+              <a:spcBef>
+                <a:spcPts val="400"/>
+              </a:spcBef>
+              <a:spcAft>
+                <a:spcPts val="0"/>
+              </a:spcAft>
+              <a:buFont typeface="Arial" charset="0"/>
+              <a:buChar char="•"/>
+              <a:defRPr lang="en-US" sz="1400" kern="1200">
+                <a:solidFill>
+                  <a:schemeClr val="tx2"/>
+                </a:solidFill>
+                <a:latin typeface="+mn-lt"/>
+                <a:ea typeface="+mj-ea"/>
+                <a:cs typeface="+mj-cs"/>
+              </a:defRPr>
+            </a:lvl2pPr>
+            <a:lvl3pPr marL="360000" indent="-180000" algn="l" defTabSz="957263" rtl="0" eaLnBrk="1" fontAlgn="base" hangingPunct="1">
+              <a:lnSpc>
+                <a:spcPct val="100000"/>
+              </a:lnSpc>
+              <a:spcBef>
+                <a:spcPts val="400"/>
+              </a:spcBef>
+              <a:spcAft>
+                <a:spcPts val="0"/>
+              </a:spcAft>
+              <a:buFont typeface="Arial" charset="0"/>
+              <a:buChar char="‒"/>
+              <a:defRPr lang="en-US" sz="1200" kern="1200">
+                <a:solidFill>
+                  <a:schemeClr val="tx2"/>
+                </a:solidFill>
+                <a:latin typeface="+mn-lt"/>
+                <a:ea typeface="+mj-ea"/>
+                <a:cs typeface="+mj-cs"/>
+              </a:defRPr>
+            </a:lvl3pPr>
+            <a:lvl4pPr marL="540000" indent="-180000" algn="l" defTabSz="957263" rtl="0" eaLnBrk="1" fontAlgn="base" hangingPunct="1">
+              <a:lnSpc>
+                <a:spcPct val="100000"/>
+              </a:lnSpc>
+              <a:spcBef>
+                <a:spcPts val="400"/>
+              </a:spcBef>
+              <a:spcAft>
+                <a:spcPts val="0"/>
+              </a:spcAft>
+              <a:buFont typeface="Arial" charset="0"/>
+              <a:buChar char="•"/>
+              <a:defRPr lang="en-US" sz="1200" kern="1200">
+                <a:solidFill>
+                  <a:schemeClr val="tx2"/>
+                </a:solidFill>
+                <a:latin typeface="+mn-lt"/>
+                <a:ea typeface="+mj-ea"/>
+                <a:cs typeface="+mj-cs"/>
+              </a:defRPr>
+            </a:lvl4pPr>
+            <a:lvl5pPr marL="720000" indent="-179388" algn="l" defTabSz="957263" rtl="0" eaLnBrk="1" fontAlgn="base" hangingPunct="1">
+              <a:lnSpc>
+                <a:spcPct val="100000"/>
+              </a:lnSpc>
+              <a:spcBef>
+                <a:spcPts val="400"/>
+              </a:spcBef>
+              <a:spcAft>
+                <a:spcPts val="0"/>
+              </a:spcAft>
+              <a:buFont typeface="Arial" charset="0"/>
+              <a:buChar char="‒"/>
+              <a:defRPr lang="en-GB" sz="1200" kern="1200">
+                <a:solidFill>
+                  <a:schemeClr val="tx2"/>
+                </a:solidFill>
+                <a:latin typeface="+mn-lt"/>
+                <a:ea typeface="+mj-ea"/>
+                <a:cs typeface="+mj-cs"/>
+              </a:defRPr>
+            </a:lvl5pPr>
+            <a:lvl6pPr marL="900000" indent="-180000" algn="l" defTabSz="859512" rtl="0" eaLnBrk="1" latinLnBrk="0" hangingPunct="1">
+              <a:lnSpc>
+                <a:spcPct val="100000"/>
+              </a:lnSpc>
+              <a:spcBef>
+                <a:spcPts val="400"/>
+              </a:spcBef>
+              <a:spcAft>
+                <a:spcPts val="0"/>
+              </a:spcAft>
+              <a:buFont typeface="Arial" pitchFamily="34" charset="0"/>
+              <a:buChar char="•"/>
+              <a:defRPr sz="1200" kern="1200" baseline="0">
+                <a:solidFill>
+                  <a:schemeClr val="accent1"/>
+                </a:solidFill>
+                <a:latin typeface="+mn-lt"/>
+                <a:ea typeface="+mn-ea"/>
+                <a:cs typeface="+mn-cs"/>
+              </a:defRPr>
+            </a:lvl6pPr>
+            <a:lvl7pPr marL="1080000" indent="-180000" algn="l" defTabSz="859512" rtl="0" eaLnBrk="1" latinLnBrk="0" hangingPunct="1">
+              <a:lnSpc>
+                <a:spcPct val="100000"/>
+              </a:lnSpc>
+              <a:spcBef>
+                <a:spcPts val="400"/>
+              </a:spcBef>
+              <a:spcAft>
+                <a:spcPts val="0"/>
+              </a:spcAft>
+              <a:buFont typeface="Arial" pitchFamily="34" charset="0"/>
+              <a:buChar char="‒"/>
+              <a:defRPr sz="1200" kern="1200">
+                <a:solidFill>
+                  <a:schemeClr val="accent1"/>
+                </a:solidFill>
+                <a:latin typeface="+mn-lt"/>
+                <a:ea typeface="+mn-ea"/>
+                <a:cs typeface="+mn-cs"/>
+              </a:defRPr>
+            </a:lvl7pPr>
+            <a:lvl8pPr marL="1260000" indent="-180000" algn="l" defTabSz="859512" rtl="0" eaLnBrk="1" latinLnBrk="0" hangingPunct="1">
+              <a:lnSpc>
+                <a:spcPct val="100000"/>
+              </a:lnSpc>
+              <a:spcBef>
+                <a:spcPts val="400"/>
+              </a:spcBef>
+              <a:spcAft>
+                <a:spcPts val="0"/>
+              </a:spcAft>
+              <a:buFont typeface="Arial" pitchFamily="34" charset="0"/>
+              <a:buChar char="•"/>
+              <a:defRPr sz="1200" kern="1200">
+                <a:solidFill>
+                  <a:schemeClr val="accent1"/>
+                </a:solidFill>
+                <a:latin typeface="+mn-lt"/>
+                <a:ea typeface="+mn-ea"/>
+                <a:cs typeface="+mn-cs"/>
+              </a:defRPr>
+            </a:lvl8pPr>
+            <a:lvl9pPr marL="1440000" indent="-180000" algn="l" defTabSz="859512" rtl="0" eaLnBrk="1" latinLnBrk="0" hangingPunct="1">
+              <a:lnSpc>
+                <a:spcPct val="100000"/>
+              </a:lnSpc>
+              <a:spcBef>
+                <a:spcPts val="400"/>
+              </a:spcBef>
+              <a:spcAft>
+                <a:spcPts val="0"/>
+              </a:spcAft>
+              <a:buFont typeface="Arial" pitchFamily="34" charset="0"/>
+              <a:buChar char="‒"/>
+              <a:defRPr sz="1200" kern="1200">
+                <a:solidFill>
+                  <a:schemeClr val="accent1"/>
+                </a:solidFill>
+                <a:latin typeface="+mn-lt"/>
+                <a:ea typeface="+mn-ea"/>
+                <a:cs typeface="+mn-cs"/>
+              </a:defRPr>
+            </a:lvl9pPr>
+          </a:lstStyle>
+          <a:p>
+            <a:r>
+              <a:rPr lang="en-US" dirty="0">
+                <a:solidFill>
+                  <a:schemeClr val="tx1"/>
+                </a:solidFill>
+                <a:latin typeface="Palatino Linotype" panose="02040502050505030304" pitchFamily="18" charset="0"/>
+              </a:rPr>
+              <a:t>Paragraph (if not needed, delete)</a:t>
+            </a:r>
+          </a:p>
+          <a:p>
+            <a:pPr lvl="1"/>
+            <a:r>
+              <a:rPr lang="en-US" dirty="0">
+                <a:solidFill>
+                  <a:schemeClr val="tx1"/>
+                </a:solidFill>
+                <a:latin typeface="Palatino Linotype" panose="02040502050505030304" pitchFamily="18" charset="0"/>
+              </a:rPr>
+              <a:t>Bullet</a:t>
+            </a:r>
+          </a:p>
+          <a:p>
+            <a:pPr lvl="2"/>
+            <a:r>
+              <a:rPr lang="en-US" dirty="0">
+                <a:solidFill>
+                  <a:schemeClr val="tx1"/>
+                </a:solidFill>
+                <a:latin typeface="Palatino Linotype" panose="02040502050505030304" pitchFamily="18" charset="0"/>
+              </a:rPr>
+              <a:t>Dash</a:t>
+            </a:r>
+          </a:p>
+          <a:p>
+            <a:pPr lvl="3"/>
+            <a:r>
+              <a:rPr lang="en-US" dirty="0">
+                <a:solidFill>
+                  <a:schemeClr val="tx1"/>
+                </a:solidFill>
+                <a:latin typeface="Palatino Linotype" panose="02040502050505030304" pitchFamily="18" charset="0"/>
+              </a:rPr>
+              <a:t>Sub bullet</a:t>
+            </a:r>
+          </a:p>
+        </p:txBody>
+      </p:sp>
+      <p:sp>
+        <p:nvSpPr>
+          <p:cNvPr id="7" name="Text Placeholder 5"/>
+          <p:cNvSpPr txBox="1">
+            <a:spLocks/>
+          </p:cNvSpPr>
+          <p:nvPr/>
+        </p:nvSpPr>
+        <p:spPr>
+          <a:xfrm>
+            <a:off x="4651375" y="1705769"/>
+            <a:ext cx="3600000" cy="4140000"/>
+          </a:xfrm>
+          <a:prstGeom prst="rect">
+            <a:avLst/>
+          </a:prstGeom>
+          <a:solidFill>
+            <a:schemeClr val="bg1"/>
+          </a:solidFill>
+          <a:ln w="12700">
+            <a:solidFill>
+              <a:schemeClr val="bg2"/>
+            </a:solidFill>
+          </a:ln>
+        </p:spPr>
+        <p:txBody>
+          <a:bodyPr wrap="square" lIns="36000" tIns="36000" rIns="36000" bIns="36000"/>
+          <a:lstStyle>
+            <a:lvl1pPr marL="0" indent="0" algn="l" defTabSz="957263" rtl="0" eaLnBrk="1" fontAlgn="base" hangingPunct="1">
+              <a:lnSpc>
+                <a:spcPct val="100000"/>
+              </a:lnSpc>
+              <a:spcBef>
+                <a:spcPts val="400"/>
+              </a:spcBef>
+              <a:spcAft>
+                <a:spcPts val="0"/>
+              </a:spcAft>
+              <a:buFont typeface="Arial" charset="0"/>
+              <a:defRPr lang="en-US" sz="1400" kern="1200">
+                <a:solidFill>
+                  <a:schemeClr val="tx2"/>
+                </a:solidFill>
+                <a:latin typeface="+mn-lt"/>
+                <a:ea typeface="+mn-ea"/>
+                <a:cs typeface="+mn-cs"/>
+              </a:defRPr>
+            </a:lvl1pPr>
+            <a:lvl2pPr marL="180000" indent="-180000" algn="l" defTabSz="957263" rtl="0" eaLnBrk="1" fontAlgn="base" hangingPunct="1">
+              <a:lnSpc>
+                <a:spcPct val="100000"/>
+              </a:lnSpc>
+              <a:spcBef>
+                <a:spcPts val="400"/>
+              </a:spcBef>
+              <a:spcAft>
+                <a:spcPts val="0"/>
+              </a:spcAft>
+              <a:buFont typeface="Arial" charset="0"/>
+              <a:buChar char="•"/>
+              <a:defRPr lang="en-US" sz="1400" kern="1200">
+                <a:solidFill>
+                  <a:schemeClr val="tx2"/>
+                </a:solidFill>
+                <a:latin typeface="+mn-lt"/>
+                <a:ea typeface="+mj-ea"/>
+                <a:cs typeface="+mj-cs"/>
+              </a:defRPr>
+            </a:lvl2pPr>
+            <a:lvl3pPr marL="360000" indent="-180000" algn="l" defTabSz="957263" rtl="0" eaLnBrk="1" fontAlgn="base" hangingPunct="1">
+              <a:lnSpc>
+                <a:spcPct val="100000"/>
+              </a:lnSpc>
+              <a:spcBef>
+                <a:spcPts val="400"/>
+              </a:spcBef>
+              <a:spcAft>
+                <a:spcPts val="0"/>
+              </a:spcAft>
+              <a:buFont typeface="Arial" charset="0"/>
+              <a:buChar char="‒"/>
+              <a:defRPr lang="en-US" sz="1200" kern="1200">
+                <a:solidFill>
+                  <a:schemeClr val="tx2"/>
+                </a:solidFill>
+                <a:latin typeface="+mn-lt"/>
+                <a:ea typeface="+mj-ea"/>
+                <a:cs typeface="+mj-cs"/>
+              </a:defRPr>
+            </a:lvl3pPr>
+            <a:lvl4pPr marL="540000" indent="-180000" algn="l" defTabSz="957263" rtl="0" eaLnBrk="1" fontAlgn="base" hangingPunct="1">
+              <a:lnSpc>
+                <a:spcPct val="100000"/>
+              </a:lnSpc>
+              <a:spcBef>
+                <a:spcPts val="400"/>
+              </a:spcBef>
+              <a:spcAft>
+                <a:spcPts val="0"/>
+              </a:spcAft>
+              <a:buFont typeface="Arial" charset="0"/>
+              <a:buChar char="•"/>
+              <a:defRPr lang="en-US" sz="1200" kern="1200">
+                <a:solidFill>
+                  <a:schemeClr val="tx2"/>
+                </a:solidFill>
+                <a:latin typeface="+mn-lt"/>
+                <a:ea typeface="+mj-ea"/>
+                <a:cs typeface="+mj-cs"/>
+              </a:defRPr>
+            </a:lvl4pPr>
+            <a:lvl5pPr marL="720000" indent="-179388" algn="l" defTabSz="957263" rtl="0" eaLnBrk="1" fontAlgn="base" hangingPunct="1">
+              <a:lnSpc>
+                <a:spcPct val="100000"/>
+              </a:lnSpc>
+              <a:spcBef>
+                <a:spcPts val="400"/>
+              </a:spcBef>
+              <a:spcAft>
+                <a:spcPts val="0"/>
+              </a:spcAft>
+              <a:buFont typeface="Arial" charset="0"/>
+              <a:buChar char="‒"/>
+              <a:defRPr lang="en-GB" sz="1200" kern="1200">
+                <a:solidFill>
+                  <a:schemeClr val="tx2"/>
+                </a:solidFill>
+                <a:latin typeface="+mn-lt"/>
+                <a:ea typeface="+mj-ea"/>
+                <a:cs typeface="+mj-cs"/>
+              </a:defRPr>
+            </a:lvl5pPr>
+            <a:lvl6pPr marL="900000" indent="-180000" algn="l" defTabSz="859512" rtl="0" eaLnBrk="1" latinLnBrk="0" hangingPunct="1">
+              <a:lnSpc>
+                <a:spcPct val="100000"/>
+              </a:lnSpc>
+              <a:spcBef>
+                <a:spcPts val="400"/>
+              </a:spcBef>
+              <a:spcAft>
+                <a:spcPts val="0"/>
+              </a:spcAft>
+              <a:buFont typeface="Arial" pitchFamily="34" charset="0"/>
+              <a:buChar char="•"/>
+              <a:defRPr sz="1200" kern="1200" baseline="0">
+                <a:solidFill>
+                  <a:schemeClr val="accent1"/>
+                </a:solidFill>
+                <a:latin typeface="+mn-lt"/>
+                <a:ea typeface="+mn-ea"/>
+                <a:cs typeface="+mn-cs"/>
+              </a:defRPr>
+            </a:lvl6pPr>
+            <a:lvl7pPr marL="1080000" indent="-180000" algn="l" defTabSz="859512" rtl="0" eaLnBrk="1" latinLnBrk="0" hangingPunct="1">
+              <a:lnSpc>
+                <a:spcPct val="100000"/>
+              </a:lnSpc>
+              <a:spcBef>
+                <a:spcPts val="400"/>
+              </a:spcBef>
+              <a:spcAft>
+                <a:spcPts val="0"/>
+              </a:spcAft>
+              <a:buFont typeface="Arial" pitchFamily="34" charset="0"/>
+              <a:buChar char="‒"/>
+              <a:defRPr sz="1200" kern="1200">
+                <a:solidFill>
+                  <a:schemeClr val="accent1"/>
+                </a:solidFill>
+                <a:latin typeface="+mn-lt"/>
+                <a:ea typeface="+mn-ea"/>
+                <a:cs typeface="+mn-cs"/>
+              </a:defRPr>
+            </a:lvl7pPr>
+            <a:lvl8pPr marL="1260000" indent="-180000" algn="l" defTabSz="859512" rtl="0" eaLnBrk="1" latinLnBrk="0" hangingPunct="1">
+              <a:lnSpc>
+                <a:spcPct val="100000"/>
+              </a:lnSpc>
+              <a:spcBef>
+                <a:spcPts val="400"/>
+              </a:spcBef>
+              <a:spcAft>
+                <a:spcPts val="0"/>
+              </a:spcAft>
+              <a:buFont typeface="Arial" pitchFamily="34" charset="0"/>
+              <a:buChar char="•"/>
+              <a:defRPr sz="1200" kern="1200">
+                <a:solidFill>
+                  <a:schemeClr val="accent1"/>
+                </a:solidFill>
+                <a:latin typeface="+mn-lt"/>
+                <a:ea typeface="+mn-ea"/>
+                <a:cs typeface="+mn-cs"/>
+              </a:defRPr>
+            </a:lvl8pPr>
+            <a:lvl9pPr marL="1440000" indent="-180000" algn="l" defTabSz="859512" rtl="0" eaLnBrk="1" latinLnBrk="0" hangingPunct="1">
+              <a:lnSpc>
+                <a:spcPct val="100000"/>
+              </a:lnSpc>
+              <a:spcBef>
+                <a:spcPts val="400"/>
+              </a:spcBef>
+              <a:spcAft>
+                <a:spcPts val="0"/>
+              </a:spcAft>
+              <a:buFont typeface="Arial" pitchFamily="34" charset="0"/>
+              <a:buChar char="‒"/>
+              <a:defRPr sz="1200" kern="1200">
+                <a:solidFill>
+                  <a:schemeClr val="accent1"/>
+                </a:solidFill>
+                <a:latin typeface="+mn-lt"/>
+                <a:ea typeface="+mn-ea"/>
+                <a:cs typeface="+mn-cs"/>
+              </a:defRPr>
+            </a:lvl9pPr>
+          </a:lstStyle>
+          <a:p>
+            <a:r>
+              <a:rPr lang="en-US" dirty="0">
+                <a:solidFill>
+                  <a:schemeClr val="tx1"/>
+                </a:solidFill>
+                <a:latin typeface="Palatino Linotype" panose="02040502050505030304" pitchFamily="18" charset="0"/>
+              </a:rPr>
+              <a:t>Paragraph (if not needed, delete)</a:t>
+            </a:r>
+          </a:p>
+          <a:p>
+            <a:pPr lvl="1"/>
+            <a:r>
+              <a:rPr lang="en-US" dirty="0">
+                <a:solidFill>
+                  <a:schemeClr val="tx1"/>
+                </a:solidFill>
+                <a:latin typeface="Palatino Linotype" panose="02040502050505030304" pitchFamily="18" charset="0"/>
+              </a:rPr>
+              <a:t>Bullet</a:t>
+            </a:r>
+          </a:p>
+          <a:p>
+            <a:pPr lvl="2"/>
+            <a:r>
+              <a:rPr lang="en-US" dirty="0">
+                <a:solidFill>
+                  <a:schemeClr val="tx1"/>
+                </a:solidFill>
+                <a:latin typeface="Palatino Linotype" panose="02040502050505030304" pitchFamily="18" charset="0"/>
+              </a:rPr>
+              <a:t>Dash</a:t>
+            </a:r>
+          </a:p>
+          <a:p>
+            <a:pPr lvl="3"/>
+            <a:r>
+              <a:rPr lang="en-US" dirty="0">
+                <a:solidFill>
+                  <a:schemeClr val="tx1"/>
+                </a:solidFill>
+                <a:latin typeface="Palatino Linotype" panose="02040502050505030304" pitchFamily="18" charset="0"/>
+              </a:rPr>
+              <a:t>Sub bullet</a:t>
+            </a:r>
+          </a:p>
+        </p:txBody>
+      </p:sp>
+      <p:sp>
+        <p:nvSpPr>
+          <p:cNvPr id="8" name="Trapezoid 12"/>
+          <p:cNvSpPr/>
+          <p:nvPr/>
+        </p:nvSpPr>
+        <p:spPr>
+          <a:xfrm rot="16200000">
+            <a:off x="2264911" y="3460769"/>
+            <a:ext cx="4140000" cy="630000"/>
+          </a:xfrm>
+          <a:prstGeom prst="trapezoid">
+            <a:avLst>
+              <a:gd name="adj" fmla="val 98866"/>
+            </a:avLst>
+          </a:prstGeom>
+          <a:gradFill>
+            <a:gsLst>
+              <a:gs pos="0">
+                <a:schemeClr val="bg2"/>
+              </a:gs>
+              <a:gs pos="100000">
+                <a:schemeClr val="bg1"/>
+              </a:gs>
+            </a:gsLst>
+            <a:lin ang="5400000" scaled="0"/>
+          </a:gradFill>
+          <a:ln w="12700">
+            <a:noFill/>
+          </a:ln>
+        </p:spPr>
+        <p:style>
+          <a:lnRef idx="2">
+            <a:schemeClr val="accent1">
+              <a:shade val="50000"/>
+            </a:schemeClr>
+          </a:lnRef>
+          <a:fillRef idx="1">
+            <a:schemeClr val="accent1"/>
+          </a:fillRef>
+          <a:effectRef idx="0">
+            <a:schemeClr val="accent1"/>
+          </a:effectRef>
+          <a:fontRef idx="minor">
+            <a:schemeClr val="lt1"/>
+          </a:fontRef>
+        </p:style>
+        <p:txBody>
+          <a:bodyPr lIns="36000" tIns="36000" rIns="36000" bIns="36000" rtlCol="0" anchor="ctr"/>
+          <a:lstStyle/>
+          <a:p>
+            <a:pPr algn="ctr"/>
+            <a:endParaRPr lang="en-GB" sz="1400">
+              <a:latin typeface="Palatino Linotype" panose="02040502050505030304" pitchFamily="18" charset="0"/>
+            </a:endParaRPr>
+          </a:p>
+        </p:txBody>
+      </p:sp>
+    </p:spTree>
+    <p:extLst>
+      <p:ext uri="{BB962C8B-B14F-4D97-AF65-F5344CB8AC3E}">
+        <p14:creationId xmlns:p14="http://schemas.microsoft.com/office/powerpoint/2010/main" val="2874297807"/>
+      </p:ext>
+    </p:extLst>
+  </p:cSld>
+  <p:clrMapOvr>
+    <a:masterClrMapping/>
+  </p:clrMapOvr>
+</p:sld>
+</file>
+
+<file path=ppt/slides/slide21.xml><?xml version="1.0" encoding="utf-8"?>
+<p:sld xmlns:a="http://schemas.openxmlformats.org/drawingml/2006/main" xmlns:r="http://schemas.openxmlformats.org/officeDocument/2006/relationships" xmlns:p="http://schemas.openxmlformats.org/presentationml/2006/main">
+  <p:cSld>
+    <p:spTree>
+      <p:nvGrpSpPr>
+        <p:cNvPr id="1" name=""/>
+        <p:cNvGrpSpPr/>
+        <p:nvPr/>
+      </p:nvGrpSpPr>
+      <p:grpSpPr>
+        <a:xfrm>
+          <a:off x="0" y="0"/>
+          <a:ext cx="0" cy="0"/>
+          <a:chOff x="0" y="0"/>
+          <a:chExt cx="0" cy="0"/>
+        </a:xfrm>
+      </p:grpSpPr>
+      <p:sp>
+        <p:nvSpPr>
+          <p:cNvPr id="2" name="标题 1"/>
+          <p:cNvSpPr>
+            <a:spLocks noGrp="1"/>
+          </p:cNvSpPr>
+          <p:nvPr>
+            <p:ph type="title"/>
+          </p:nvPr>
+        </p:nvSpPr>
+        <p:spPr/>
+        <p:txBody>
+          <a:bodyPr/>
+          <a:lstStyle/>
+          <a:p>
+            <a:r>
               <a:rPr lang="en-US" dirty="0"/>
               <a:t>Text blocks – sources leading to</a:t>
             </a:r>
@@ -27195,7 +28232,7 @@
 </p:sld>
 </file>
 
-<file path=ppt/slides/slide21.xml><?xml version="1.0" encoding="utf-8"?>
+<file path=ppt/slides/slide22.xml><?xml version="1.0" encoding="utf-8"?>
 <p:sld xmlns:a="http://schemas.openxmlformats.org/drawingml/2006/main" xmlns:r="http://schemas.openxmlformats.org/officeDocument/2006/relationships" xmlns:p="http://schemas.openxmlformats.org/presentationml/2006/main">
   <p:cSld>
     <p:spTree>
@@ -28165,7 +29202,7 @@
 </p:sld>
 </file>
 
-<file path=ppt/slides/slide22.xml><?xml version="1.0" encoding="utf-8"?>
+<file path=ppt/slides/slide23.xml><?xml version="1.0" encoding="utf-8"?>
 <p:sld xmlns:a="http://schemas.openxmlformats.org/drawingml/2006/main" xmlns:r="http://schemas.openxmlformats.org/officeDocument/2006/relationships" xmlns:p="http://schemas.openxmlformats.org/presentationml/2006/main">
   <p:cSld>
     <p:spTree>
@@ -29824,7 +30861,7 @@
 </p:sld>
 </file>
 
-<file path=ppt/slides/slide23.xml><?xml version="1.0" encoding="utf-8"?>
+<file path=ppt/slides/slide24.xml><?xml version="1.0" encoding="utf-8"?>
 <p:sld xmlns:a="http://schemas.openxmlformats.org/drawingml/2006/main" xmlns:r="http://schemas.openxmlformats.org/officeDocument/2006/relationships" xmlns:p="http://schemas.openxmlformats.org/presentationml/2006/main">
   <p:cSld>
     <p:spTree>
@@ -32104,138 +33141,6 @@
       </p:grpSpPr>
       <p:sp>
         <p:nvSpPr>
-          <p:cNvPr id="72" name="TextBox 71">
-            <a:extLst>
-              <a:ext uri="{FF2B5EF4-FFF2-40B4-BE49-F238E27FC236}">
-                <a16:creationId xmlns:a16="http://schemas.microsoft.com/office/drawing/2014/main" id="{A8731D42-40EA-5F4F-9996-438BF867601E}"/>
-              </a:ext>
-            </a:extLst>
-          </p:cNvPr>
-          <p:cNvSpPr txBox="1"/>
-          <p:nvPr/>
-        </p:nvSpPr>
-        <p:spPr>
-          <a:xfrm>
-            <a:off x="2193816" y="2055133"/>
-            <a:ext cx="1241939" cy="400110"/>
-          </a:xfrm>
-          <a:prstGeom prst="rect">
-            <a:avLst/>
-          </a:prstGeom>
-          <a:noFill/>
-          <a:ln w="6350" cap="flat">
-            <a:noFill/>
-            <a:miter lim="800000"/>
-          </a:ln>
-        </p:spPr>
-        <p:txBody>
-          <a:bodyPr wrap="square">
-            <a:spAutoFit/>
-          </a:bodyPr>
-          <a:lstStyle/>
-          <a:p>
-            <a:pPr algn="ctr"/>
-            <a:r>
-              <a:rPr lang="en-CN" sz="1000" i="1" dirty="0">
-                <a:solidFill>
-                  <a:srgbClr val="C00000"/>
-                </a:solidFill>
-                <a:latin typeface="Times New Roman" panose="02020603050405020304" pitchFamily="18" charset="0"/>
-                <a:cs typeface="Times New Roman" panose="02020603050405020304" pitchFamily="18" charset="0"/>
-              </a:rPr>
-              <a:t>Samples have too many NaN</a:t>
-            </a:r>
-            <a:r>
-              <a:rPr lang="zh-CN" altLang="en-US" sz="1000" i="1" dirty="0">
-                <a:solidFill>
-                  <a:srgbClr val="C00000"/>
-                </a:solidFill>
-                <a:latin typeface="Times New Roman" panose="02020603050405020304" pitchFamily="18" charset="0"/>
-                <a:cs typeface="Times New Roman" panose="02020603050405020304" pitchFamily="18" charset="0"/>
-              </a:rPr>
-              <a:t> </a:t>
-            </a:r>
-            <a:r>
-              <a:rPr lang="en-US" altLang="zh-CN" sz="1000" i="1" dirty="0">
-                <a:solidFill>
-                  <a:srgbClr val="C00000"/>
-                </a:solidFill>
-                <a:latin typeface="Times New Roman" panose="02020603050405020304" pitchFamily="18" charset="0"/>
-                <a:cs typeface="Times New Roman" panose="02020603050405020304" pitchFamily="18" charset="0"/>
-              </a:rPr>
-              <a:t>Factors</a:t>
-            </a:r>
-            <a:endParaRPr lang="en-CN" sz="1000" i="1" dirty="0">
-              <a:solidFill>
-                <a:srgbClr val="C00000"/>
-              </a:solidFill>
-              <a:latin typeface="Times New Roman" panose="02020603050405020304" pitchFamily="18" charset="0"/>
-              <a:cs typeface="Times New Roman" panose="02020603050405020304" pitchFamily="18" charset="0"/>
-            </a:endParaRPr>
-          </a:p>
-        </p:txBody>
-      </p:sp>
-      <p:sp>
-        <p:nvSpPr>
-          <p:cNvPr id="71" name="TextBox 70">
-            <a:extLst>
-              <a:ext uri="{FF2B5EF4-FFF2-40B4-BE49-F238E27FC236}">
-                <a16:creationId xmlns:a16="http://schemas.microsoft.com/office/drawing/2014/main" id="{51EC90E3-414F-D441-9786-7A984D0B58E5}"/>
-              </a:ext>
-            </a:extLst>
-          </p:cNvPr>
-          <p:cNvSpPr txBox="1"/>
-          <p:nvPr/>
-        </p:nvSpPr>
-        <p:spPr>
-          <a:xfrm>
-            <a:off x="415701" y="2055133"/>
-            <a:ext cx="1241931" cy="400110"/>
-          </a:xfrm>
-          <a:prstGeom prst="rect">
-            <a:avLst/>
-          </a:prstGeom>
-          <a:noFill/>
-          <a:ln w="6350" cap="flat">
-            <a:noFill/>
-            <a:miter lim="800000"/>
-          </a:ln>
-        </p:spPr>
-        <p:txBody>
-          <a:bodyPr wrap="square">
-            <a:spAutoFit/>
-          </a:bodyPr>
-          <a:lstStyle/>
-          <a:p>
-            <a:pPr algn="ctr"/>
-            <a:r>
-              <a:rPr lang="en-CN" sz="1000" i="1" dirty="0">
-                <a:solidFill>
-                  <a:srgbClr val="C00000"/>
-                </a:solidFill>
-                <a:latin typeface="Times New Roman" panose="02020603050405020304" pitchFamily="18" charset="0"/>
-                <a:cs typeface="Times New Roman" panose="02020603050405020304" pitchFamily="18" charset="0"/>
-              </a:rPr>
-              <a:t>Samples have </a:t>
-            </a:r>
-          </a:p>
-          <a:p>
-            <a:pPr algn="ctr"/>
-            <a:r>
-              <a:rPr lang="en-CN" sz="1000" i="1" dirty="0">
-                <a:solidFill>
-                  <a:srgbClr val="C00000"/>
-                </a:solidFill>
-                <a:latin typeface="Times New Roman" panose="02020603050405020304" pitchFamily="18" charset="0"/>
-                <a:cs typeface="Times New Roman" panose="02020603050405020304" pitchFamily="18" charset="0"/>
-              </a:rPr>
-              <a:t>NaN Label</a:t>
-            </a:r>
-          </a:p>
-        </p:txBody>
-      </p:sp>
-      <p:sp>
-        <p:nvSpPr>
           <p:cNvPr id="2" name="标题 1"/>
           <p:cNvSpPr>
             <a:spLocks noGrp="1"/>
@@ -32280,7 +33185,7 @@
         </p:nvGrpSpPr>
         <p:grpSpPr>
           <a:xfrm>
-            <a:off x="4695842" y="1449574"/>
+            <a:off x="392251" y="1870502"/>
             <a:ext cx="4815296" cy="4344003"/>
             <a:chOff x="4781426" y="1665598"/>
             <a:chExt cx="4815296" cy="4344003"/>
@@ -32670,588 +33575,967 @@
           </p:txBody>
         </p:sp>
       </p:grpSp>
-      <p:cxnSp>
-        <p:nvCxnSpPr>
-          <p:cNvPr id="55" name="Straight Arrow Connector 54">
+      <p:grpSp>
+        <p:nvGrpSpPr>
+          <p:cNvPr id="93" name="Group 92">
             <a:extLst>
               <a:ext uri="{FF2B5EF4-FFF2-40B4-BE49-F238E27FC236}">
-                <a16:creationId xmlns:a16="http://schemas.microsoft.com/office/drawing/2014/main" id="{80B64105-E260-CB43-885E-92FA1E61141A}"/>
+                <a16:creationId xmlns:a16="http://schemas.microsoft.com/office/drawing/2014/main" id="{2790CA8A-D719-7C45-B94B-D34D4DDA6AF3}"/>
               </a:ext>
             </a:extLst>
           </p:cNvPr>
-          <p:cNvCxnSpPr>
-            <a:cxnSpLocks/>
-          </p:cNvCxnSpPr>
+          <p:cNvGrpSpPr/>
           <p:nvPr/>
-        </p:nvCxnSpPr>
-        <p:spPr>
+        </p:nvGrpSpPr>
+        <p:grpSpPr>
           <a:xfrm>
-            <a:off x="1675789" y="1989634"/>
-            <a:ext cx="0" cy="535669"/>
+            <a:off x="5911145" y="1354031"/>
+            <a:ext cx="3623852" cy="5182188"/>
+            <a:chOff x="6022085" y="1233550"/>
+            <a:chExt cx="3623852" cy="5182188"/>
           </a:xfrm>
-          <a:prstGeom prst="straightConnector1">
-            <a:avLst/>
-          </a:prstGeom>
-          <a:ln w="19050" cap="flat">
-            <a:solidFill>
-              <a:srgbClr val="C00000"/>
-            </a:solidFill>
-            <a:prstDash val="dash"/>
-            <a:miter lim="800000"/>
-            <a:headEnd type="none" w="med" len="med"/>
-            <a:tailEnd type="stealth" w="lg" len="lg"/>
-          </a:ln>
-        </p:spPr>
-        <p:style>
-          <a:lnRef idx="1">
-            <a:schemeClr val="accent1"/>
-          </a:lnRef>
-          <a:fillRef idx="0">
-            <a:schemeClr val="accent1"/>
-          </a:fillRef>
-          <a:effectRef idx="0">
-            <a:schemeClr val="accent1"/>
-          </a:effectRef>
-          <a:fontRef idx="minor">
-            <a:schemeClr val="tx1"/>
-          </a:fontRef>
-        </p:style>
-      </p:cxnSp>
-      <p:cxnSp>
-        <p:nvCxnSpPr>
-          <p:cNvPr id="69" name="Straight Arrow Connector 68">
-            <a:extLst>
-              <a:ext uri="{FF2B5EF4-FFF2-40B4-BE49-F238E27FC236}">
-                <a16:creationId xmlns:a16="http://schemas.microsoft.com/office/drawing/2014/main" id="{4C0FC22C-8F8F-C94D-9BAB-E934C58EA544}"/>
-              </a:ext>
-            </a:extLst>
-          </p:cNvPr>
-          <p:cNvCxnSpPr>
-            <a:cxnSpLocks/>
-          </p:cNvCxnSpPr>
-          <p:nvPr/>
-        </p:nvCxnSpPr>
-        <p:spPr>
-          <a:xfrm>
-            <a:off x="2215902" y="1989634"/>
-            <a:ext cx="0" cy="535669"/>
-          </a:xfrm>
-          <a:prstGeom prst="straightConnector1">
-            <a:avLst/>
-          </a:prstGeom>
-          <a:ln w="19050" cap="flat">
-            <a:solidFill>
-              <a:srgbClr val="C00000"/>
-            </a:solidFill>
-            <a:prstDash val="dash"/>
-            <a:miter lim="800000"/>
-            <a:headEnd type="none" w="med" len="med"/>
-            <a:tailEnd type="stealth" w="lg" len="lg"/>
-          </a:ln>
-        </p:spPr>
-        <p:style>
-          <a:lnRef idx="1">
-            <a:schemeClr val="accent1"/>
-          </a:lnRef>
-          <a:fillRef idx="0">
-            <a:schemeClr val="accent1"/>
-          </a:fillRef>
-          <a:effectRef idx="0">
-            <a:schemeClr val="accent1"/>
-          </a:effectRef>
-          <a:fontRef idx="minor">
-            <a:schemeClr val="tx1"/>
-          </a:fontRef>
-        </p:style>
-      </p:cxnSp>
-      <p:sp>
-        <p:nvSpPr>
-          <p:cNvPr id="65" name="Rounded Rectangle 64">
-            <a:extLst>
-              <a:ext uri="{FF2B5EF4-FFF2-40B4-BE49-F238E27FC236}">
-                <a16:creationId xmlns:a16="http://schemas.microsoft.com/office/drawing/2014/main" id="{FADF36C3-1E66-4E42-AD72-A34CB0C31B97}"/>
-              </a:ext>
-            </a:extLst>
-          </p:cNvPr>
-          <p:cNvSpPr/>
-          <p:nvPr/>
-        </p:nvSpPr>
-        <p:spPr>
-          <a:xfrm>
-            <a:off x="415702" y="1449574"/>
-            <a:ext cx="3020053" cy="540060"/>
-          </a:xfrm>
-          <a:prstGeom prst="roundRect">
-            <a:avLst/>
-          </a:prstGeom>
-          <a:solidFill>
-            <a:schemeClr val="accent6">
-              <a:lumMod val="20000"/>
-              <a:lumOff val="80000"/>
-            </a:schemeClr>
-          </a:solidFill>
-          <a:ln w="19050" cap="flat">
-            <a:solidFill>
-              <a:schemeClr val="tx1"/>
-            </a:solidFill>
-            <a:prstDash val="dash"/>
-            <a:miter lim="800000"/>
-          </a:ln>
-          <a:effectLst>
-            <a:outerShdw blurRad="50800" dist="38100" dir="2700000" algn="tl" rotWithShape="0">
-              <a:prstClr val="black">
-                <a:alpha val="40000"/>
-              </a:prstClr>
-            </a:outerShdw>
-          </a:effectLst>
-        </p:spPr>
-        <p:style>
-          <a:lnRef idx="2">
-            <a:schemeClr val="accent1">
-              <a:shade val="50000"/>
-            </a:schemeClr>
-          </a:lnRef>
-          <a:fillRef idx="1">
-            <a:schemeClr val="accent1"/>
-          </a:fillRef>
-          <a:effectRef idx="0">
-            <a:schemeClr val="accent1"/>
-          </a:effectRef>
-          <a:fontRef idx="minor">
-            <a:schemeClr val="lt1"/>
-          </a:fontRef>
-        </p:style>
-        <p:txBody>
-          <a:bodyPr rot="0" spcFirstLastPara="0" vertOverflow="overflow" horzOverflow="overflow" vert="horz" wrap="square" lIns="73152" tIns="73152" rIns="73152" bIns="73152" numCol="1" spcCol="0" rtlCol="0" fromWordArt="0" anchor="ctr" anchorCtr="0" forceAA="0" compatLnSpc="1">
-            <a:prstTxWarp prst="textNoShape">
+        </p:grpSpPr>
+        <p:sp>
+          <p:nvSpPr>
+            <p:cNvPr id="82" name="TextBox 81">
+              <a:extLst>
+                <a:ext uri="{FF2B5EF4-FFF2-40B4-BE49-F238E27FC236}">
+                  <a16:creationId xmlns:a16="http://schemas.microsoft.com/office/drawing/2014/main" id="{AAE0490B-CA7A-0840-8BC1-063458407343}"/>
+                </a:ext>
+              </a:extLst>
+            </p:cNvPr>
+            <p:cNvSpPr txBox="1"/>
+            <p:nvPr/>
+          </p:nvSpPr>
+          <p:spPr>
+            <a:xfrm>
+              <a:off x="8030180" y="1839109"/>
+              <a:ext cx="1241939" cy="400110"/>
+            </a:xfrm>
+            <a:prstGeom prst="rect">
               <a:avLst/>
-            </a:prstTxWarp>
-            <a:noAutofit/>
-          </a:bodyPr>
-          <a:lstStyle/>
-          <a:p>
-            <a:pPr algn="ctr"/>
-            <a:r>
-              <a:rPr lang="en-CN" sz="1400" dirty="0">
-                <a:solidFill>
-                  <a:schemeClr val="tx1"/>
+            </a:prstGeom>
+            <a:noFill/>
+            <a:ln w="6350" cap="flat">
+              <a:noFill/>
+              <a:miter lim="800000"/>
+            </a:ln>
+          </p:spPr>
+          <p:txBody>
+            <a:bodyPr wrap="square">
+              <a:spAutoFit/>
+            </a:bodyPr>
+            <a:lstStyle/>
+            <a:p>
+              <a:pPr algn="ctr"/>
+              <a:r>
+                <a:rPr lang="en-CN" sz="1000" i="1" dirty="0">
+                  <a:solidFill>
+                    <a:srgbClr val="C00000"/>
+                  </a:solidFill>
+                  <a:latin typeface="Times New Roman" panose="02020603050405020304" pitchFamily="18" charset="0"/>
+                  <a:cs typeface="Times New Roman" panose="02020603050405020304" pitchFamily="18" charset="0"/>
+                </a:rPr>
+                <a:t>Samples have too many NaN</a:t>
+              </a:r>
+              <a:r>
+                <a:rPr lang="zh-CN" altLang="en-US" sz="1000" i="1" dirty="0">
+                  <a:solidFill>
+                    <a:srgbClr val="C00000"/>
+                  </a:solidFill>
+                  <a:latin typeface="Times New Roman" panose="02020603050405020304" pitchFamily="18" charset="0"/>
+                  <a:cs typeface="Times New Roman" panose="02020603050405020304" pitchFamily="18" charset="0"/>
+                </a:rPr>
+                <a:t> </a:t>
+              </a:r>
+              <a:r>
+                <a:rPr lang="en-US" altLang="zh-CN" sz="1000" i="1" dirty="0">
+                  <a:solidFill>
+                    <a:srgbClr val="C00000"/>
+                  </a:solidFill>
+                  <a:latin typeface="Times New Roman" panose="02020603050405020304" pitchFamily="18" charset="0"/>
+                  <a:cs typeface="Times New Roman" panose="02020603050405020304" pitchFamily="18" charset="0"/>
+                </a:rPr>
+                <a:t>Factors</a:t>
+              </a:r>
+              <a:endParaRPr lang="en-CN" sz="1000" i="1" dirty="0">
+                <a:solidFill>
+                  <a:srgbClr val="C00000"/>
                 </a:solidFill>
                 <a:latin typeface="Times New Roman" panose="02020603050405020304" pitchFamily="18" charset="0"/>
                 <a:cs typeface="Times New Roman" panose="02020603050405020304" pitchFamily="18" charset="0"/>
-              </a:rPr>
-              <a:t>Raw Samples </a:t>
-            </a:r>
-          </a:p>
-          <a:p>
-            <a:pPr algn="ctr"/>
-            <a:r>
-              <a:rPr lang="en-CN" sz="1400" dirty="0">
-                <a:solidFill>
-                  <a:schemeClr val="tx1"/>
-                </a:solidFill>
-                <a:latin typeface="Times New Roman" panose="02020603050405020304" pitchFamily="18" charset="0"/>
-                <a:cs typeface="Times New Roman" panose="02020603050405020304" pitchFamily="18" charset="0"/>
-              </a:rPr>
-              <a:t>(500 stocks, 606475 samples)</a:t>
-            </a:r>
-          </a:p>
-        </p:txBody>
-      </p:sp>
-      <p:sp>
-        <p:nvSpPr>
-          <p:cNvPr id="68" name="Rounded Rectangle 67">
-            <a:extLst>
-              <a:ext uri="{FF2B5EF4-FFF2-40B4-BE49-F238E27FC236}">
-                <a16:creationId xmlns:a16="http://schemas.microsoft.com/office/drawing/2014/main" id="{A7E3FA97-1A23-E948-90EF-6583899255BE}"/>
-              </a:ext>
-            </a:extLst>
-          </p:cNvPr>
-          <p:cNvSpPr/>
-          <p:nvPr/>
-        </p:nvSpPr>
-        <p:spPr>
-          <a:xfrm>
-            <a:off x="415702" y="2525303"/>
-            <a:ext cx="3020053" cy="540060"/>
-          </a:xfrm>
-          <a:prstGeom prst="roundRect">
-            <a:avLst/>
-          </a:prstGeom>
-          <a:solidFill>
-            <a:schemeClr val="accent6">
-              <a:lumMod val="20000"/>
-              <a:lumOff val="80000"/>
-            </a:schemeClr>
-          </a:solidFill>
-          <a:ln w="19050" cap="flat">
-            <a:solidFill>
-              <a:schemeClr val="tx1"/>
-            </a:solidFill>
-            <a:prstDash val="dash"/>
-            <a:miter lim="800000"/>
-          </a:ln>
-          <a:effectLst>
-            <a:outerShdw blurRad="50800" dist="38100" dir="2700000" algn="tl" rotWithShape="0">
-              <a:prstClr val="black">
-                <a:alpha val="40000"/>
-              </a:prstClr>
-            </a:outerShdw>
-          </a:effectLst>
-        </p:spPr>
-        <p:style>
-          <a:lnRef idx="2">
-            <a:schemeClr val="accent1">
-              <a:shade val="50000"/>
-            </a:schemeClr>
-          </a:lnRef>
-          <a:fillRef idx="1">
-            <a:schemeClr val="accent1"/>
-          </a:fillRef>
-          <a:effectRef idx="0">
-            <a:schemeClr val="accent1"/>
-          </a:effectRef>
-          <a:fontRef idx="minor">
-            <a:schemeClr val="lt1"/>
-          </a:fontRef>
-        </p:style>
-        <p:txBody>
-          <a:bodyPr rot="0" spcFirstLastPara="0" vertOverflow="overflow" horzOverflow="overflow" vert="horz" wrap="square" lIns="73152" tIns="73152" rIns="73152" bIns="73152" numCol="1" spcCol="0" rtlCol="0" fromWordArt="0" anchor="ctr" anchorCtr="0" forceAA="0" compatLnSpc="1">
-            <a:prstTxWarp prst="textNoShape">
+              </a:endParaRPr>
+            </a:p>
+          </p:txBody>
+        </p:sp>
+        <p:sp>
+          <p:nvSpPr>
+            <p:cNvPr id="83" name="TextBox 82">
+              <a:extLst>
+                <a:ext uri="{FF2B5EF4-FFF2-40B4-BE49-F238E27FC236}">
+                  <a16:creationId xmlns:a16="http://schemas.microsoft.com/office/drawing/2014/main" id="{3F068FE2-BCA0-1242-B0D3-A86D146E4A76}"/>
+                </a:ext>
+              </a:extLst>
+            </p:cNvPr>
+            <p:cNvSpPr txBox="1"/>
+            <p:nvPr/>
+          </p:nvSpPr>
+          <p:spPr>
+            <a:xfrm>
+              <a:off x="6252065" y="1839109"/>
+              <a:ext cx="1241931" cy="400110"/>
+            </a:xfrm>
+            <a:prstGeom prst="rect">
               <a:avLst/>
-            </a:prstTxWarp>
-            <a:noAutofit/>
-          </a:bodyPr>
-          <a:lstStyle/>
-          <a:p>
-            <a:pPr algn="ctr"/>
-            <a:r>
-              <a:rPr lang="en-CN" sz="1400" dirty="0">
-                <a:solidFill>
-                  <a:schemeClr val="tx1"/>
-                </a:solidFill>
-                <a:latin typeface="Times New Roman" panose="02020603050405020304" pitchFamily="18" charset="0"/>
-                <a:cs typeface="Times New Roman" panose="02020603050405020304" pitchFamily="18" charset="0"/>
-              </a:rPr>
-              <a:t>Slected Samples </a:t>
-            </a:r>
-            <a:r>
-              <a:rPr lang="en-US" altLang="zh-CN" sz="1400" dirty="0">
-                <a:solidFill>
-                  <a:srgbClr val="C00000"/>
-                </a:solidFill>
-                <a:latin typeface="Times New Roman" panose="02020603050405020304" pitchFamily="18" charset="0"/>
-                <a:cs typeface="Times New Roman" panose="02020603050405020304" pitchFamily="18" charset="0"/>
-              </a:rPr>
-              <a:t>(</a:t>
-            </a:r>
-            <a:r>
-              <a:rPr lang="en-US" altLang="zh-CN" sz="1400" i="1" dirty="0">
-                <a:solidFill>
-                  <a:srgbClr val="C00000"/>
-                </a:solidFill>
-                <a:latin typeface="Times New Roman" panose="02020603050405020304" pitchFamily="18" charset="0"/>
-                <a:cs typeface="Times New Roman" panose="02020603050405020304" pitchFamily="18" charset="0"/>
-              </a:rPr>
-              <a:t>Fill </a:t>
-            </a:r>
-            <a:r>
-              <a:rPr lang="en-US" altLang="zh-CN" sz="1400" i="1" dirty="0" err="1">
-                <a:solidFill>
-                  <a:srgbClr val="C00000"/>
-                </a:solidFill>
-                <a:latin typeface="Times New Roman" panose="02020603050405020304" pitchFamily="18" charset="0"/>
-                <a:cs typeface="Times New Roman" panose="02020603050405020304" pitchFamily="18" charset="0"/>
-              </a:rPr>
-              <a:t>NaN</a:t>
-            </a:r>
-            <a:r>
-              <a:rPr lang="en-US" altLang="zh-CN" sz="1400" i="1" dirty="0">
-                <a:solidFill>
-                  <a:srgbClr val="C00000"/>
-                </a:solidFill>
-                <a:latin typeface="Times New Roman" panose="02020603050405020304" pitchFamily="18" charset="0"/>
-                <a:cs typeface="Times New Roman" panose="02020603050405020304" pitchFamily="18" charset="0"/>
-              </a:rPr>
-              <a:t> by 0</a:t>
-            </a:r>
-            <a:r>
-              <a:rPr lang="en-US" altLang="zh-CN" sz="1400" dirty="0">
-                <a:solidFill>
-                  <a:srgbClr val="C00000"/>
-                </a:solidFill>
-                <a:latin typeface="Times New Roman" panose="02020603050405020304" pitchFamily="18" charset="0"/>
-                <a:cs typeface="Times New Roman" panose="02020603050405020304" pitchFamily="18" charset="0"/>
-              </a:rPr>
-              <a:t>)</a:t>
-            </a:r>
-            <a:endParaRPr lang="en-CN" sz="1400" dirty="0">
+            </a:prstGeom>
+            <a:noFill/>
+            <a:ln w="6350" cap="flat">
+              <a:noFill/>
+              <a:miter lim="800000"/>
+            </a:ln>
+          </p:spPr>
+          <p:txBody>
+            <a:bodyPr wrap="square">
+              <a:spAutoFit/>
+            </a:bodyPr>
+            <a:lstStyle/>
+            <a:p>
+              <a:pPr algn="ctr"/>
+              <a:r>
+                <a:rPr lang="en-CN" sz="1000" i="1" dirty="0">
+                  <a:solidFill>
+                    <a:srgbClr val="C00000"/>
+                  </a:solidFill>
+                  <a:latin typeface="Times New Roman" panose="02020603050405020304" pitchFamily="18" charset="0"/>
+                  <a:cs typeface="Times New Roman" panose="02020603050405020304" pitchFamily="18" charset="0"/>
+                </a:rPr>
+                <a:t>Samples have </a:t>
+              </a:r>
+            </a:p>
+            <a:p>
+              <a:pPr algn="ctr"/>
+              <a:r>
+                <a:rPr lang="en-CN" sz="1000" i="1" dirty="0">
+                  <a:solidFill>
+                    <a:srgbClr val="C00000"/>
+                  </a:solidFill>
+                  <a:latin typeface="Times New Roman" panose="02020603050405020304" pitchFamily="18" charset="0"/>
+                  <a:cs typeface="Times New Roman" panose="02020603050405020304" pitchFamily="18" charset="0"/>
+                </a:rPr>
+                <a:t>NaN Label</a:t>
+              </a:r>
+            </a:p>
+          </p:txBody>
+        </p:sp>
+        <p:cxnSp>
+          <p:nvCxnSpPr>
+            <p:cNvPr id="84" name="Straight Arrow Connector 83">
+              <a:extLst>
+                <a:ext uri="{FF2B5EF4-FFF2-40B4-BE49-F238E27FC236}">
+                  <a16:creationId xmlns:a16="http://schemas.microsoft.com/office/drawing/2014/main" id="{C5705312-4B14-534D-90B6-DD334B62EFA0}"/>
+                </a:ext>
+              </a:extLst>
+            </p:cNvPr>
+            <p:cNvCxnSpPr>
+              <a:cxnSpLocks/>
+            </p:cNvCxnSpPr>
+            <p:nvPr/>
+          </p:nvCxnSpPr>
+          <p:spPr>
+            <a:xfrm>
+              <a:off x="7512153" y="1773610"/>
+              <a:ext cx="0" cy="535669"/>
+            </a:xfrm>
+            <a:prstGeom prst="straightConnector1">
+              <a:avLst/>
+            </a:prstGeom>
+            <a:ln w="19050" cap="flat">
               <a:solidFill>
                 <a:srgbClr val="C00000"/>
               </a:solidFill>
-              <a:latin typeface="Times New Roman" panose="02020603050405020304" pitchFamily="18" charset="0"/>
-              <a:cs typeface="Times New Roman" panose="02020603050405020304" pitchFamily="18" charset="0"/>
-            </a:endParaRPr>
-          </a:p>
-          <a:p>
-            <a:pPr algn="ctr"/>
-            <a:r>
-              <a:rPr lang="en-CN" sz="1400" dirty="0">
-                <a:solidFill>
-                  <a:schemeClr val="tx1"/>
-                </a:solidFill>
-                <a:latin typeface="Times New Roman" panose="02020603050405020304" pitchFamily="18" charset="0"/>
-                <a:cs typeface="Times New Roman" panose="02020603050405020304" pitchFamily="18" charset="0"/>
-              </a:rPr>
-              <a:t>(3</a:t>
-            </a:r>
-            <a:r>
-              <a:rPr lang="en-US" altLang="zh-CN" sz="1400" dirty="0">
-                <a:solidFill>
-                  <a:schemeClr val="tx1"/>
-                </a:solidFill>
-                <a:latin typeface="Times New Roman" panose="02020603050405020304" pitchFamily="18" charset="0"/>
-                <a:cs typeface="Times New Roman" panose="02020603050405020304" pitchFamily="18" charset="0"/>
-              </a:rPr>
-              <a:t>6</a:t>
-            </a:r>
-            <a:r>
-              <a:rPr lang="en-CN" sz="1400" dirty="0">
-                <a:solidFill>
-                  <a:schemeClr val="tx1"/>
-                </a:solidFill>
-                <a:latin typeface="Times New Roman" panose="02020603050405020304" pitchFamily="18" charset="0"/>
-                <a:cs typeface="Times New Roman" panose="02020603050405020304" pitchFamily="18" charset="0"/>
-              </a:rPr>
-              <a:t>0 stocks, 449765 samples)</a:t>
-            </a:r>
-          </a:p>
-        </p:txBody>
-      </p:sp>
-      <p:sp>
-        <p:nvSpPr>
-          <p:cNvPr id="73" name="Rounded Rectangle 72">
-            <a:extLst>
-              <a:ext uri="{FF2B5EF4-FFF2-40B4-BE49-F238E27FC236}">
-                <a16:creationId xmlns:a16="http://schemas.microsoft.com/office/drawing/2014/main" id="{4AD6287D-6B59-AF42-8038-912AD987C9FD}"/>
-              </a:ext>
-            </a:extLst>
-          </p:cNvPr>
-          <p:cNvSpPr/>
-          <p:nvPr/>
-        </p:nvSpPr>
-        <p:spPr>
-          <a:xfrm>
-            <a:off x="415702" y="3600862"/>
-            <a:ext cx="3020053" cy="540060"/>
-          </a:xfrm>
-          <a:prstGeom prst="roundRect">
-            <a:avLst/>
-          </a:prstGeom>
-          <a:solidFill>
-            <a:schemeClr val="accent5">
-              <a:lumMod val="20000"/>
-              <a:lumOff val="80000"/>
-            </a:schemeClr>
-          </a:solidFill>
-          <a:ln w="19050" cap="flat">
+              <a:prstDash val="dash"/>
+              <a:miter lim="800000"/>
+              <a:headEnd type="none" w="med" len="med"/>
+              <a:tailEnd type="stealth" w="lg" len="lg"/>
+            </a:ln>
+          </p:spPr>
+          <p:style>
+            <a:lnRef idx="1">
+              <a:schemeClr val="accent1"/>
+            </a:lnRef>
+            <a:fillRef idx="0">
+              <a:schemeClr val="accent1"/>
+            </a:fillRef>
+            <a:effectRef idx="0">
+              <a:schemeClr val="accent1"/>
+            </a:effectRef>
+            <a:fontRef idx="minor">
+              <a:schemeClr val="tx1"/>
+            </a:fontRef>
+          </p:style>
+        </p:cxnSp>
+        <p:cxnSp>
+          <p:nvCxnSpPr>
+            <p:cNvPr id="85" name="Straight Arrow Connector 84">
+              <a:extLst>
+                <a:ext uri="{FF2B5EF4-FFF2-40B4-BE49-F238E27FC236}">
+                  <a16:creationId xmlns:a16="http://schemas.microsoft.com/office/drawing/2014/main" id="{D898968F-A92E-DC40-9230-52A4E4015D3C}"/>
+                </a:ext>
+              </a:extLst>
+            </p:cNvPr>
+            <p:cNvCxnSpPr>
+              <a:cxnSpLocks/>
+            </p:cNvCxnSpPr>
+            <p:nvPr/>
+          </p:nvCxnSpPr>
+          <p:spPr>
+            <a:xfrm>
+              <a:off x="8052266" y="1773610"/>
+              <a:ext cx="0" cy="535669"/>
+            </a:xfrm>
+            <a:prstGeom prst="straightConnector1">
+              <a:avLst/>
+            </a:prstGeom>
+            <a:ln w="19050" cap="flat">
+              <a:solidFill>
+                <a:srgbClr val="C00000"/>
+              </a:solidFill>
+              <a:prstDash val="dash"/>
+              <a:miter lim="800000"/>
+              <a:headEnd type="none" w="med" len="med"/>
+              <a:tailEnd type="stealth" w="lg" len="lg"/>
+            </a:ln>
+          </p:spPr>
+          <p:style>
+            <a:lnRef idx="1">
+              <a:schemeClr val="accent1"/>
+            </a:lnRef>
+            <a:fillRef idx="0">
+              <a:schemeClr val="accent1"/>
+            </a:fillRef>
+            <a:effectRef idx="0">
+              <a:schemeClr val="accent1"/>
+            </a:effectRef>
+            <a:fontRef idx="minor">
+              <a:schemeClr val="tx1"/>
+            </a:fontRef>
+          </p:style>
+        </p:cxnSp>
+        <p:sp>
+          <p:nvSpPr>
+            <p:cNvPr id="86" name="Rounded Rectangle 85">
+              <a:extLst>
+                <a:ext uri="{FF2B5EF4-FFF2-40B4-BE49-F238E27FC236}">
+                  <a16:creationId xmlns:a16="http://schemas.microsoft.com/office/drawing/2014/main" id="{9371F0E5-379B-824A-9398-8F3B331F7CFC}"/>
+                </a:ext>
+              </a:extLst>
+            </p:cNvPr>
+            <p:cNvSpPr/>
+            <p:nvPr/>
+          </p:nvSpPr>
+          <p:spPr>
+            <a:xfrm>
+              <a:off x="6252066" y="1233550"/>
+              <a:ext cx="3020053" cy="540060"/>
+            </a:xfrm>
+            <a:prstGeom prst="roundRect">
+              <a:avLst/>
+            </a:prstGeom>
             <a:solidFill>
-              <a:schemeClr val="tx1"/>
+              <a:schemeClr val="accent6">
+                <a:lumMod val="20000"/>
+                <a:lumOff val="80000"/>
+              </a:schemeClr>
             </a:solidFill>
-            <a:prstDash val="dash"/>
-            <a:miter lim="800000"/>
-          </a:ln>
-          <a:effectLst>
-            <a:outerShdw blurRad="50800" dist="38100" dir="2700000" algn="tl" rotWithShape="0">
-              <a:prstClr val="black">
-                <a:alpha val="40000"/>
-              </a:prstClr>
-            </a:outerShdw>
-          </a:effectLst>
-        </p:spPr>
-        <p:style>
-          <a:lnRef idx="2">
-            <a:schemeClr val="accent1">
-              <a:shade val="50000"/>
-            </a:schemeClr>
-          </a:lnRef>
-          <a:fillRef idx="1">
-            <a:schemeClr val="accent1"/>
-          </a:fillRef>
-          <a:effectRef idx="0">
-            <a:schemeClr val="accent1"/>
-          </a:effectRef>
-          <a:fontRef idx="minor">
-            <a:schemeClr val="lt1"/>
-          </a:fontRef>
-        </p:style>
-        <p:txBody>
-          <a:bodyPr rot="0" spcFirstLastPara="0" vertOverflow="overflow" horzOverflow="overflow" vert="horz" wrap="square" lIns="73152" tIns="73152" rIns="73152" bIns="73152" numCol="1" spcCol="0" rtlCol="0" fromWordArt="0" anchor="ctr" anchorCtr="0" forceAA="0" compatLnSpc="1">
-            <a:prstTxWarp prst="textNoShape">
-              <a:avLst/>
-            </a:prstTxWarp>
-            <a:noAutofit/>
-          </a:bodyPr>
-          <a:lstStyle/>
-          <a:p>
-            <a:pPr algn="ctr"/>
-            <a:r>
-              <a:rPr lang="en-US" sz="1400" dirty="0">
-                <a:solidFill>
-                  <a:schemeClr val="tx1"/>
-                </a:solidFill>
-                <a:latin typeface="Times New Roman" panose="02020603050405020304" pitchFamily="18" charset="0"/>
-                <a:cs typeface="Times New Roman" panose="02020603050405020304" pitchFamily="18" charset="0"/>
-              </a:rPr>
-              <a:t>Normed Samples</a:t>
-            </a:r>
-            <a:endParaRPr lang="en-CN" sz="1400" dirty="0">
+            <a:ln w="19050" cap="flat">
               <a:solidFill>
                 <a:schemeClr val="tx1"/>
               </a:solidFill>
-              <a:latin typeface="Times New Roman" panose="02020603050405020304" pitchFamily="18" charset="0"/>
-              <a:cs typeface="Times New Roman" panose="02020603050405020304" pitchFamily="18" charset="0"/>
-            </a:endParaRPr>
-          </a:p>
-        </p:txBody>
-      </p:sp>
-      <p:cxnSp>
-        <p:nvCxnSpPr>
-          <p:cNvPr id="74" name="Straight Arrow Connector 73">
-            <a:extLst>
-              <a:ext uri="{FF2B5EF4-FFF2-40B4-BE49-F238E27FC236}">
-                <a16:creationId xmlns:a16="http://schemas.microsoft.com/office/drawing/2014/main" id="{13450771-F721-E54A-A843-D1E3454AFBE3}"/>
-              </a:ext>
-            </a:extLst>
-          </p:cNvPr>
-          <p:cNvCxnSpPr>
-            <a:cxnSpLocks/>
-            <a:stCxn id="68" idx="2"/>
-            <a:endCxn id="73" idx="0"/>
-          </p:cNvCxnSpPr>
-          <p:nvPr/>
-        </p:nvCxnSpPr>
-        <p:spPr>
-          <a:xfrm>
-            <a:off x="1925729" y="3065363"/>
-            <a:ext cx="0" cy="535499"/>
-          </a:xfrm>
-          <a:prstGeom prst="straightConnector1">
-            <a:avLst/>
-          </a:prstGeom>
-          <a:ln w="19050" cap="flat">
+              <a:prstDash val="solid"/>
+              <a:miter lim="800000"/>
+            </a:ln>
+            <a:effectLst>
+              <a:outerShdw blurRad="50800" dist="38100" dir="2700000" algn="tl" rotWithShape="0">
+                <a:prstClr val="black">
+                  <a:alpha val="40000"/>
+                </a:prstClr>
+              </a:outerShdw>
+            </a:effectLst>
+          </p:spPr>
+          <p:style>
+            <a:lnRef idx="2">
+              <a:schemeClr val="accent1">
+                <a:shade val="50000"/>
+              </a:schemeClr>
+            </a:lnRef>
+            <a:fillRef idx="1">
+              <a:schemeClr val="accent1"/>
+            </a:fillRef>
+            <a:effectRef idx="0">
+              <a:schemeClr val="accent1"/>
+            </a:effectRef>
+            <a:fontRef idx="minor">
+              <a:schemeClr val="lt1"/>
+            </a:fontRef>
+          </p:style>
+          <p:txBody>
+            <a:bodyPr rot="0" spcFirstLastPara="0" vertOverflow="overflow" horzOverflow="overflow" vert="horz" wrap="square" lIns="73152" tIns="73152" rIns="73152" bIns="73152" numCol="1" spcCol="0" rtlCol="0" fromWordArt="0" anchor="ctr" anchorCtr="0" forceAA="0" compatLnSpc="1">
+              <a:prstTxWarp prst="textNoShape">
+                <a:avLst/>
+              </a:prstTxWarp>
+              <a:noAutofit/>
+            </a:bodyPr>
+            <a:lstStyle/>
+            <a:p>
+              <a:pPr algn="ctr"/>
+              <a:r>
+                <a:rPr lang="en-CN" sz="1400" dirty="0">
+                  <a:solidFill>
+                    <a:schemeClr val="tx1"/>
+                  </a:solidFill>
+                  <a:latin typeface="Times New Roman" panose="02020603050405020304" pitchFamily="18" charset="0"/>
+                  <a:cs typeface="Times New Roman" panose="02020603050405020304" pitchFamily="18" charset="0"/>
+                </a:rPr>
+                <a:t>Raw Samples </a:t>
+              </a:r>
+            </a:p>
+            <a:p>
+              <a:pPr algn="ctr"/>
+              <a:r>
+                <a:rPr lang="en-CN" sz="1400" dirty="0">
+                  <a:solidFill>
+                    <a:schemeClr val="tx1"/>
+                  </a:solidFill>
+                  <a:latin typeface="Times New Roman" panose="02020603050405020304" pitchFamily="18" charset="0"/>
+                  <a:cs typeface="Times New Roman" panose="02020603050405020304" pitchFamily="18" charset="0"/>
+                </a:rPr>
+                <a:t>(500 stocks, 606475 samples)</a:t>
+              </a:r>
+            </a:p>
+          </p:txBody>
+        </p:sp>
+        <p:sp>
+          <p:nvSpPr>
+            <p:cNvPr id="87" name="Rounded Rectangle 86">
+              <a:extLst>
+                <a:ext uri="{FF2B5EF4-FFF2-40B4-BE49-F238E27FC236}">
+                  <a16:creationId xmlns:a16="http://schemas.microsoft.com/office/drawing/2014/main" id="{9154EDEF-C6D9-5440-ADF6-483C38C9BC5C}"/>
+                </a:ext>
+              </a:extLst>
+            </p:cNvPr>
+            <p:cNvSpPr/>
+            <p:nvPr/>
+          </p:nvSpPr>
+          <p:spPr>
+            <a:xfrm>
+              <a:off x="6252066" y="2309279"/>
+              <a:ext cx="3020053" cy="540060"/>
+            </a:xfrm>
+            <a:prstGeom prst="roundRect">
+              <a:avLst/>
+            </a:prstGeom>
             <a:solidFill>
-              <a:schemeClr val="tx1"/>
+              <a:schemeClr val="accent6">
+                <a:lumMod val="20000"/>
+                <a:lumOff val="80000"/>
+              </a:schemeClr>
             </a:solidFill>
-            <a:prstDash val="dash"/>
-            <a:miter lim="800000"/>
-            <a:headEnd type="none" w="med" len="med"/>
-            <a:tailEnd type="stealth" w="lg" len="lg"/>
-          </a:ln>
-        </p:spPr>
-        <p:style>
-          <a:lnRef idx="1">
-            <a:schemeClr val="accent1"/>
-          </a:lnRef>
-          <a:fillRef idx="0">
-            <a:schemeClr val="accent1"/>
-          </a:fillRef>
-          <a:effectRef idx="0">
-            <a:schemeClr val="accent1"/>
-          </a:effectRef>
-          <a:fontRef idx="minor">
-            <a:schemeClr val="tx1"/>
-          </a:fontRef>
-        </p:style>
-      </p:cxnSp>
-      <p:sp>
-        <p:nvSpPr>
-          <p:cNvPr id="77" name="TextBox 76">
-            <a:extLst>
-              <a:ext uri="{FF2B5EF4-FFF2-40B4-BE49-F238E27FC236}">
-                <a16:creationId xmlns:a16="http://schemas.microsoft.com/office/drawing/2014/main" id="{CD34986E-0F31-A647-9F27-822D37D6CF13}"/>
-              </a:ext>
-            </a:extLst>
-          </p:cNvPr>
-          <p:cNvSpPr txBox="1"/>
-          <p:nvPr/>
-        </p:nvSpPr>
-        <p:spPr>
-          <a:xfrm>
-            <a:off x="1997647" y="3150373"/>
-            <a:ext cx="1440815" cy="400110"/>
-          </a:xfrm>
-          <a:prstGeom prst="rect">
-            <a:avLst/>
-          </a:prstGeom>
-          <a:noFill/>
-          <a:ln w="6350" cap="flat">
-            <a:noFill/>
-            <a:miter lim="800000"/>
-          </a:ln>
-        </p:spPr>
-        <p:txBody>
-          <a:bodyPr wrap="square">
-            <a:spAutoFit/>
-          </a:bodyPr>
-          <a:lstStyle/>
-          <a:p>
-            <a:pPr algn="ctr"/>
-            <a:r>
-              <a:rPr lang="en-US" sz="1000" i="1" dirty="0">
+            <a:ln w="19050" cap="flat">
+              <a:solidFill>
+                <a:schemeClr val="tx1"/>
+              </a:solidFill>
+              <a:prstDash val="solid"/>
+              <a:miter lim="800000"/>
+            </a:ln>
+            <a:effectLst>
+              <a:outerShdw blurRad="50800" dist="38100" dir="2700000" algn="tl" rotWithShape="0">
+                <a:prstClr val="black">
+                  <a:alpha val="40000"/>
+                </a:prstClr>
+              </a:outerShdw>
+            </a:effectLst>
+          </p:spPr>
+          <p:style>
+            <a:lnRef idx="2">
+              <a:schemeClr val="accent1">
+                <a:shade val="50000"/>
+              </a:schemeClr>
+            </a:lnRef>
+            <a:fillRef idx="1">
+              <a:schemeClr val="accent1"/>
+            </a:fillRef>
+            <a:effectRef idx="0">
+              <a:schemeClr val="accent1"/>
+            </a:effectRef>
+            <a:fontRef idx="minor">
+              <a:schemeClr val="lt1"/>
+            </a:fontRef>
+          </p:style>
+          <p:txBody>
+            <a:bodyPr rot="0" spcFirstLastPara="0" vertOverflow="overflow" horzOverflow="overflow" vert="horz" wrap="square" lIns="73152" tIns="73152" rIns="73152" bIns="73152" numCol="1" spcCol="0" rtlCol="0" fromWordArt="0" anchor="ctr" anchorCtr="0" forceAA="0" compatLnSpc="1">
+              <a:prstTxWarp prst="textNoShape">
+                <a:avLst/>
+              </a:prstTxWarp>
+              <a:noAutofit/>
+            </a:bodyPr>
+            <a:lstStyle/>
+            <a:p>
+              <a:pPr algn="ctr"/>
+              <a:r>
+                <a:rPr lang="en-CN" sz="1400" dirty="0">
+                  <a:solidFill>
+                    <a:schemeClr val="tx1"/>
+                  </a:solidFill>
+                  <a:latin typeface="Times New Roman" panose="02020603050405020304" pitchFamily="18" charset="0"/>
+                  <a:cs typeface="Times New Roman" panose="02020603050405020304" pitchFamily="18" charset="0"/>
+                </a:rPr>
+                <a:t>Slected Samples </a:t>
+              </a:r>
+              <a:r>
+                <a:rPr lang="en-US" altLang="zh-CN" sz="1400" dirty="0">
+                  <a:solidFill>
+                    <a:srgbClr val="C00000"/>
+                  </a:solidFill>
+                  <a:latin typeface="Times New Roman" panose="02020603050405020304" pitchFamily="18" charset="0"/>
+                  <a:cs typeface="Times New Roman" panose="02020603050405020304" pitchFamily="18" charset="0"/>
+                </a:rPr>
+                <a:t>(</a:t>
+              </a:r>
+              <a:r>
+                <a:rPr lang="en-US" altLang="zh-CN" sz="1400" i="1" dirty="0">
+                  <a:solidFill>
+                    <a:srgbClr val="C00000"/>
+                  </a:solidFill>
+                  <a:latin typeface="Times New Roman" panose="02020603050405020304" pitchFamily="18" charset="0"/>
+                  <a:cs typeface="Times New Roman" panose="02020603050405020304" pitchFamily="18" charset="0"/>
+                </a:rPr>
+                <a:t>Fill </a:t>
+              </a:r>
+              <a:r>
+                <a:rPr lang="en-US" altLang="zh-CN" sz="1400" i="1" dirty="0" err="1">
+                  <a:solidFill>
+                    <a:srgbClr val="C00000"/>
+                  </a:solidFill>
+                  <a:latin typeface="Times New Roman" panose="02020603050405020304" pitchFamily="18" charset="0"/>
+                  <a:cs typeface="Times New Roman" panose="02020603050405020304" pitchFamily="18" charset="0"/>
+                </a:rPr>
+                <a:t>NaN</a:t>
+              </a:r>
+              <a:r>
+                <a:rPr lang="en-US" altLang="zh-CN" sz="1400" i="1" dirty="0">
+                  <a:solidFill>
+                    <a:srgbClr val="C00000"/>
+                  </a:solidFill>
+                  <a:latin typeface="Times New Roman" panose="02020603050405020304" pitchFamily="18" charset="0"/>
+                  <a:cs typeface="Times New Roman" panose="02020603050405020304" pitchFamily="18" charset="0"/>
+                </a:rPr>
+                <a:t> by 0</a:t>
+              </a:r>
+              <a:r>
+                <a:rPr lang="en-US" altLang="zh-CN" sz="1400" dirty="0">
+                  <a:solidFill>
+                    <a:srgbClr val="C00000"/>
+                  </a:solidFill>
+                  <a:latin typeface="Times New Roman" panose="02020603050405020304" pitchFamily="18" charset="0"/>
+                  <a:cs typeface="Times New Roman" panose="02020603050405020304" pitchFamily="18" charset="0"/>
+                </a:rPr>
+                <a:t>)</a:t>
+              </a:r>
+              <a:endParaRPr lang="en-CN" sz="1400" dirty="0">
+                <a:solidFill>
+                  <a:srgbClr val="C00000"/>
+                </a:solidFill>
                 <a:latin typeface="Times New Roman" panose="02020603050405020304" pitchFamily="18" charset="0"/>
                 <a:cs typeface="Times New Roman" panose="02020603050405020304" pitchFamily="18" charset="0"/>
-              </a:rPr>
-              <a:t>Cross Sectional</a:t>
-            </a:r>
-          </a:p>
-          <a:p>
-            <a:pPr algn="ctr"/>
-            <a:r>
-              <a:rPr lang="en-US" sz="1000" i="1" dirty="0">
+              </a:endParaRPr>
+            </a:p>
+            <a:p>
+              <a:pPr algn="ctr"/>
+              <a:r>
+                <a:rPr lang="en-CN" sz="1400" dirty="0">
+                  <a:solidFill>
+                    <a:schemeClr val="tx1"/>
+                  </a:solidFill>
+                  <a:latin typeface="Times New Roman" panose="02020603050405020304" pitchFamily="18" charset="0"/>
+                  <a:cs typeface="Times New Roman" panose="02020603050405020304" pitchFamily="18" charset="0"/>
+                </a:rPr>
+                <a:t>(3</a:t>
+              </a:r>
+              <a:r>
+                <a:rPr lang="en-US" altLang="zh-CN" sz="1400" dirty="0">
+                  <a:solidFill>
+                    <a:schemeClr val="tx1"/>
+                  </a:solidFill>
+                  <a:latin typeface="Times New Roman" panose="02020603050405020304" pitchFamily="18" charset="0"/>
+                  <a:cs typeface="Times New Roman" panose="02020603050405020304" pitchFamily="18" charset="0"/>
+                </a:rPr>
+                <a:t>6</a:t>
+              </a:r>
+              <a:r>
+                <a:rPr lang="en-CN" sz="1400" dirty="0">
+                  <a:solidFill>
+                    <a:schemeClr val="tx1"/>
+                  </a:solidFill>
+                  <a:latin typeface="Times New Roman" panose="02020603050405020304" pitchFamily="18" charset="0"/>
+                  <a:cs typeface="Times New Roman" panose="02020603050405020304" pitchFamily="18" charset="0"/>
+                </a:rPr>
+                <a:t>0 stocks, 449765 samples)</a:t>
+              </a:r>
+            </a:p>
+          </p:txBody>
+        </p:sp>
+        <p:sp>
+          <p:nvSpPr>
+            <p:cNvPr id="88" name="Rounded Rectangle 87">
+              <a:extLst>
+                <a:ext uri="{FF2B5EF4-FFF2-40B4-BE49-F238E27FC236}">
+                  <a16:creationId xmlns:a16="http://schemas.microsoft.com/office/drawing/2014/main" id="{70012F67-1B2F-6340-84F2-2B6C34F06419}"/>
+                </a:ext>
+              </a:extLst>
+            </p:cNvPr>
+            <p:cNvSpPr/>
+            <p:nvPr/>
+          </p:nvSpPr>
+          <p:spPr>
+            <a:xfrm>
+              <a:off x="6252066" y="3384838"/>
+              <a:ext cx="3020053" cy="540060"/>
+            </a:xfrm>
+            <a:prstGeom prst="roundRect">
+              <a:avLst/>
+            </a:prstGeom>
+            <a:solidFill>
+              <a:schemeClr val="accent5">
+                <a:lumMod val="20000"/>
+                <a:lumOff val="80000"/>
+              </a:schemeClr>
+            </a:solidFill>
+            <a:ln w="19050" cap="flat">
+              <a:solidFill>
+                <a:schemeClr val="tx1"/>
+              </a:solidFill>
+              <a:prstDash val="solid"/>
+              <a:miter lim="800000"/>
+            </a:ln>
+            <a:effectLst>
+              <a:outerShdw blurRad="50800" dist="38100" dir="2700000" algn="tl" rotWithShape="0">
+                <a:prstClr val="black">
+                  <a:alpha val="40000"/>
+                </a:prstClr>
+              </a:outerShdw>
+            </a:effectLst>
+          </p:spPr>
+          <p:style>
+            <a:lnRef idx="2">
+              <a:schemeClr val="accent1">
+                <a:shade val="50000"/>
+              </a:schemeClr>
+            </a:lnRef>
+            <a:fillRef idx="1">
+              <a:schemeClr val="accent1"/>
+            </a:fillRef>
+            <a:effectRef idx="0">
+              <a:schemeClr val="accent1"/>
+            </a:effectRef>
+            <a:fontRef idx="minor">
+              <a:schemeClr val="lt1"/>
+            </a:fontRef>
+          </p:style>
+          <p:txBody>
+            <a:bodyPr rot="0" spcFirstLastPara="0" vertOverflow="overflow" horzOverflow="overflow" vert="horz" wrap="square" lIns="73152" tIns="73152" rIns="73152" bIns="73152" numCol="1" spcCol="0" rtlCol="0" fromWordArt="0" anchor="ctr" anchorCtr="0" forceAA="0" compatLnSpc="1">
+              <a:prstTxWarp prst="textNoShape">
+                <a:avLst/>
+              </a:prstTxWarp>
+              <a:noAutofit/>
+            </a:bodyPr>
+            <a:lstStyle/>
+            <a:p>
+              <a:pPr algn="ctr"/>
+              <a:r>
+                <a:rPr lang="en-US" sz="1400" b="1" dirty="0">
+                  <a:solidFill>
+                    <a:schemeClr val="tx1"/>
+                  </a:solidFill>
+                  <a:latin typeface="Times New Roman" panose="02020603050405020304" pitchFamily="18" charset="0"/>
+                  <a:cs typeface="Times New Roman" panose="02020603050405020304" pitchFamily="18" charset="0"/>
+                </a:rPr>
+                <a:t>Normed Samples</a:t>
+              </a:r>
+              <a:endParaRPr lang="en-CN" sz="1400" b="1" dirty="0">
+                <a:solidFill>
+                  <a:schemeClr val="tx1"/>
+                </a:solidFill>
                 <a:latin typeface="Times New Roman" panose="02020603050405020304" pitchFamily="18" charset="0"/>
                 <a:cs typeface="Times New Roman" panose="02020603050405020304" pitchFamily="18" charset="0"/>
-              </a:rPr>
-              <a:t>Z-Score Normalization</a:t>
-            </a:r>
-          </a:p>
-        </p:txBody>
-      </p:sp>
-      <p:pic>
-        <p:nvPicPr>
-          <p:cNvPr id="80" name="Picture 79">
-            <a:extLst>
-              <a:ext uri="{FF2B5EF4-FFF2-40B4-BE49-F238E27FC236}">
-                <a16:creationId xmlns:a16="http://schemas.microsoft.com/office/drawing/2014/main" id="{B1782C60-11FF-944F-A797-E51C70CD0507}"/>
-              </a:ext>
-            </a:extLst>
-          </p:cNvPr>
-          <p:cNvPicPr>
-            <a:picLocks noChangeAspect="1"/>
-          </p:cNvPicPr>
-          <p:nvPr/>
-        </p:nvPicPr>
-        <p:blipFill>
-          <a:blip r:embed="rId3">
-            <a:extLst>
-              <a:ext uri="{28A0092B-C50C-407E-A947-70E740481C1C}">
-                <a14:useLocalDpi xmlns:a14="http://schemas.microsoft.com/office/drawing/2010/main" val="0"/>
-              </a:ext>
-            </a:extLst>
-          </a:blip>
-          <a:stretch>
-            <a:fillRect/>
-          </a:stretch>
-        </p:blipFill>
-        <p:spPr>
-          <a:xfrm>
-            <a:off x="613294" y="4216036"/>
-            <a:ext cx="2624869" cy="2015641"/>
-          </a:xfrm>
-          <a:prstGeom prst="rect">
-            <a:avLst/>
-          </a:prstGeom>
-        </p:spPr>
-      </p:pic>
+              </a:endParaRPr>
+            </a:p>
+          </p:txBody>
+        </p:sp>
+        <p:cxnSp>
+          <p:nvCxnSpPr>
+            <p:cNvPr id="89" name="Straight Arrow Connector 88">
+              <a:extLst>
+                <a:ext uri="{FF2B5EF4-FFF2-40B4-BE49-F238E27FC236}">
+                  <a16:creationId xmlns:a16="http://schemas.microsoft.com/office/drawing/2014/main" id="{A8C416A7-1F0E-1843-9D9A-DAC64DD3C0EF}"/>
+                </a:ext>
+              </a:extLst>
+            </p:cNvPr>
+            <p:cNvCxnSpPr>
+              <a:cxnSpLocks/>
+              <a:stCxn id="87" idx="2"/>
+              <a:endCxn id="88" idx="0"/>
+            </p:cNvCxnSpPr>
+            <p:nvPr/>
+          </p:nvCxnSpPr>
+          <p:spPr>
+            <a:xfrm>
+              <a:off x="7762093" y="2849339"/>
+              <a:ext cx="0" cy="535499"/>
+            </a:xfrm>
+            <a:prstGeom prst="straightConnector1">
+              <a:avLst/>
+            </a:prstGeom>
+            <a:ln w="19050" cap="flat">
+              <a:solidFill>
+                <a:schemeClr val="tx1"/>
+              </a:solidFill>
+              <a:prstDash val="dash"/>
+              <a:miter lim="800000"/>
+              <a:headEnd type="none" w="med" len="med"/>
+              <a:tailEnd type="stealth" w="lg" len="lg"/>
+            </a:ln>
+          </p:spPr>
+          <p:style>
+            <a:lnRef idx="1">
+              <a:schemeClr val="accent1"/>
+            </a:lnRef>
+            <a:fillRef idx="0">
+              <a:schemeClr val="accent1"/>
+            </a:fillRef>
+            <a:effectRef idx="0">
+              <a:schemeClr val="accent1"/>
+            </a:effectRef>
+            <a:fontRef idx="minor">
+              <a:schemeClr val="tx1"/>
+            </a:fontRef>
+          </p:style>
+        </p:cxnSp>
+        <p:sp>
+          <p:nvSpPr>
+            <p:cNvPr id="90" name="TextBox 89">
+              <a:extLst>
+                <a:ext uri="{FF2B5EF4-FFF2-40B4-BE49-F238E27FC236}">
+                  <a16:creationId xmlns:a16="http://schemas.microsoft.com/office/drawing/2014/main" id="{70AD0EAD-0BFE-8540-BA57-961419F37781}"/>
+                </a:ext>
+              </a:extLst>
+            </p:cNvPr>
+            <p:cNvSpPr txBox="1"/>
+            <p:nvPr/>
+          </p:nvSpPr>
+          <p:spPr>
+            <a:xfrm>
+              <a:off x="7834011" y="2934349"/>
+              <a:ext cx="1440815" cy="400110"/>
+            </a:xfrm>
+            <a:prstGeom prst="rect">
+              <a:avLst/>
+            </a:prstGeom>
+            <a:noFill/>
+            <a:ln w="6350" cap="flat">
+              <a:noFill/>
+              <a:miter lim="800000"/>
+            </a:ln>
+          </p:spPr>
+          <p:txBody>
+            <a:bodyPr wrap="square">
+              <a:spAutoFit/>
+            </a:bodyPr>
+            <a:lstStyle/>
+            <a:p>
+              <a:pPr algn="ctr"/>
+              <a:r>
+                <a:rPr lang="en-US" sz="1000" i="1" dirty="0">
+                  <a:latin typeface="Times New Roman" panose="02020603050405020304" pitchFamily="18" charset="0"/>
+                  <a:cs typeface="Times New Roman" panose="02020603050405020304" pitchFamily="18" charset="0"/>
+                </a:rPr>
+                <a:t>Cross Sectional</a:t>
+              </a:r>
+            </a:p>
+            <a:p>
+              <a:pPr algn="ctr"/>
+              <a:r>
+                <a:rPr lang="en-US" sz="1000" i="1" dirty="0">
+                  <a:latin typeface="Times New Roman" panose="02020603050405020304" pitchFamily="18" charset="0"/>
+                  <a:cs typeface="Times New Roman" panose="02020603050405020304" pitchFamily="18" charset="0"/>
+                </a:rPr>
+                <a:t>Z-Score Normalization</a:t>
+              </a:r>
+            </a:p>
+          </p:txBody>
+        </p:sp>
+        <p:pic>
+          <p:nvPicPr>
+            <p:cNvPr id="91" name="Picture 90">
+              <a:extLst>
+                <a:ext uri="{FF2B5EF4-FFF2-40B4-BE49-F238E27FC236}">
+                  <a16:creationId xmlns:a16="http://schemas.microsoft.com/office/drawing/2014/main" id="{25A37AC1-F5AE-3F4E-902E-47CC7B421B0A}"/>
+                </a:ext>
+              </a:extLst>
+            </p:cNvPr>
+            <p:cNvPicPr>
+              <a:picLocks noChangeAspect="1"/>
+            </p:cNvPicPr>
+            <p:nvPr/>
+          </p:nvPicPr>
+          <p:blipFill>
+            <a:blip r:embed="rId3">
+              <a:extLst>
+                <a:ext uri="{28A0092B-C50C-407E-A947-70E740481C1C}">
+                  <a14:useLocalDpi xmlns:a14="http://schemas.microsoft.com/office/drawing/2010/main" val="0"/>
+                </a:ext>
+              </a:extLst>
+            </a:blip>
+            <a:stretch>
+              <a:fillRect/>
+            </a:stretch>
+          </p:blipFill>
+          <p:spPr>
+            <a:xfrm>
+              <a:off x="6628831" y="4010078"/>
+              <a:ext cx="2266521" cy="1740465"/>
+            </a:xfrm>
+            <a:prstGeom prst="rect">
+              <a:avLst/>
+            </a:prstGeom>
+          </p:spPr>
+        </p:pic>
+        <p:sp>
+          <p:nvSpPr>
+            <p:cNvPr id="92" name="文本占位符 8">
+              <a:extLst>
+                <a:ext uri="{FF2B5EF4-FFF2-40B4-BE49-F238E27FC236}">
+                  <a16:creationId xmlns:a16="http://schemas.microsoft.com/office/drawing/2014/main" id="{0733D834-9E9B-BF44-BC8C-041A82E6B17B}"/>
+                </a:ext>
+              </a:extLst>
+            </p:cNvPr>
+            <p:cNvSpPr txBox="1">
+              <a:spLocks/>
+            </p:cNvSpPr>
+            <p:nvPr/>
+          </p:nvSpPr>
+          <p:spPr>
+            <a:xfrm>
+              <a:off x="6022085" y="5769407"/>
+              <a:ext cx="3623852" cy="646331"/>
+            </a:xfrm>
+            <a:prstGeom prst="rect">
+              <a:avLst/>
+            </a:prstGeom>
+            <a:noFill/>
+            <a:ln w="6350">
+              <a:noFill/>
+              <a:miter lim="800000"/>
+            </a:ln>
+          </p:spPr>
+          <p:txBody>
+            <a:bodyPr vert="horz" wrap="square" lIns="0" tIns="0" rIns="0" bIns="0" rtlCol="0" anchor="b" anchorCtr="0">
+              <a:spAutoFit/>
+            </a:bodyPr>
+            <a:lstStyle>
+              <a:lvl1pPr marL="0" indent="0" algn="l" defTabSz="957925" rtl="0" eaLnBrk="1" latinLnBrk="0" hangingPunct="1">
+                <a:lnSpc>
+                  <a:spcPct val="90000"/>
+                </a:lnSpc>
+                <a:spcBef>
+                  <a:spcPts val="0"/>
+                </a:spcBef>
+                <a:buClr>
+                  <a:schemeClr val="bg2"/>
+                </a:buClr>
+                <a:buSzPct val="100000"/>
+                <a:buFont typeface="Arial" pitchFamily="34" charset="0"/>
+                <a:buNone/>
+                <a:defRPr sz="1500" kern="1200">
+                  <a:solidFill>
+                    <a:schemeClr val="tx1"/>
+                  </a:solidFill>
+                  <a:latin typeface="Palatino Linotype" panose="02040502050505030304" pitchFamily="18" charset="0"/>
+                  <a:ea typeface="+mn-ea"/>
+                  <a:cs typeface="Arial" pitchFamily="34" charset="0"/>
+                </a:defRPr>
+              </a:lvl1pPr>
+              <a:lvl2pPr marL="191585" indent="0" algn="l" defTabSz="957925" rtl="0" eaLnBrk="1" latinLnBrk="0" hangingPunct="1">
+                <a:lnSpc>
+                  <a:spcPct val="90000"/>
+                </a:lnSpc>
+                <a:spcBef>
+                  <a:spcPts val="943"/>
+                </a:spcBef>
+                <a:buClr>
+                  <a:schemeClr val="bg2"/>
+                </a:buClr>
+                <a:buFont typeface="Arial" pitchFamily="34" charset="0"/>
+                <a:buNone/>
+                <a:defRPr sz="1000" kern="1200">
+                  <a:solidFill>
+                    <a:schemeClr val="tx1"/>
+                  </a:solidFill>
+                  <a:latin typeface="Palatino Linotype" panose="02040502050505030304" pitchFamily="18" charset="0"/>
+                  <a:ea typeface="+mn-ea"/>
+                  <a:cs typeface="Arial" pitchFamily="34" charset="0"/>
+                </a:defRPr>
+              </a:lvl2pPr>
+              <a:lvl3pPr marL="338624" indent="0" algn="l" defTabSz="957925" rtl="0" eaLnBrk="1" latinLnBrk="0" hangingPunct="1">
+                <a:lnSpc>
+                  <a:spcPct val="90000"/>
+                </a:lnSpc>
+                <a:spcBef>
+                  <a:spcPts val="629"/>
+                </a:spcBef>
+                <a:buClr>
+                  <a:schemeClr val="bg2"/>
+                </a:buClr>
+                <a:buFont typeface="Arial" pitchFamily="34" charset="0"/>
+                <a:buNone/>
+                <a:defRPr sz="1000" kern="1200">
+                  <a:solidFill>
+                    <a:schemeClr val="tx1"/>
+                  </a:solidFill>
+                  <a:latin typeface="Palatino Linotype" panose="02040502050505030304" pitchFamily="18" charset="0"/>
+                  <a:ea typeface="+mn-ea"/>
+                  <a:cs typeface="Arial" pitchFamily="34" charset="0"/>
+                </a:defRPr>
+              </a:lvl3pPr>
+              <a:lvl4pPr marL="535156" indent="0" algn="l" defTabSz="957925" rtl="0" eaLnBrk="1" latinLnBrk="0" hangingPunct="1">
+                <a:lnSpc>
+                  <a:spcPct val="90000"/>
+                </a:lnSpc>
+                <a:spcBef>
+                  <a:spcPts val="210"/>
+                </a:spcBef>
+                <a:buClr>
+                  <a:schemeClr val="bg2"/>
+                </a:buClr>
+                <a:buFont typeface="Arial" pitchFamily="34" charset="0"/>
+                <a:buNone/>
+                <a:defRPr sz="1000" kern="1200">
+                  <a:solidFill>
+                    <a:schemeClr val="tx1"/>
+                  </a:solidFill>
+                  <a:latin typeface="Palatino Linotype" panose="02040502050505030304" pitchFamily="18" charset="0"/>
+                  <a:ea typeface="+mn-ea"/>
+                  <a:cs typeface="Arial" pitchFamily="34" charset="0"/>
+                </a:defRPr>
+              </a:lvl4pPr>
+              <a:lvl5pPr marL="686388" indent="0" algn="l" defTabSz="957925" rtl="0" eaLnBrk="1" latinLnBrk="0" hangingPunct="1">
+                <a:lnSpc>
+                  <a:spcPct val="90000"/>
+                </a:lnSpc>
+                <a:spcBef>
+                  <a:spcPts val="105"/>
+                </a:spcBef>
+                <a:buClr>
+                  <a:schemeClr val="bg2"/>
+                </a:buClr>
+                <a:buFont typeface="Arial" pitchFamily="34" charset="0"/>
+                <a:buNone/>
+                <a:defRPr sz="1000" kern="1200">
+                  <a:solidFill>
+                    <a:schemeClr val="tx1"/>
+                  </a:solidFill>
+                  <a:latin typeface="Palatino Linotype" panose="02040502050505030304" pitchFamily="18" charset="0"/>
+                  <a:ea typeface="+mn-ea"/>
+                  <a:cs typeface="Arial" pitchFamily="34" charset="0"/>
+                </a:defRPr>
+              </a:lvl5pPr>
+              <a:lvl6pPr marL="2634295" indent="-239481" algn="l" defTabSz="957925" rtl="0" eaLnBrk="1" latinLnBrk="0" hangingPunct="1">
+                <a:spcBef>
+                  <a:spcPct val="20000"/>
+                </a:spcBef>
+                <a:buFont typeface="Arial" pitchFamily="34" charset="0"/>
+                <a:buChar char="•"/>
+                <a:defRPr sz="2100" kern="1200">
+                  <a:solidFill>
+                    <a:schemeClr val="tx1"/>
+                  </a:solidFill>
+                  <a:latin typeface="+mn-lt"/>
+                  <a:ea typeface="+mn-ea"/>
+                  <a:cs typeface="+mn-cs"/>
+                </a:defRPr>
+              </a:lvl6pPr>
+              <a:lvl7pPr marL="3113258" indent="-239481" algn="l" defTabSz="957925" rtl="0" eaLnBrk="1" latinLnBrk="0" hangingPunct="1">
+                <a:spcBef>
+                  <a:spcPct val="20000"/>
+                </a:spcBef>
+                <a:buFont typeface="Arial" pitchFamily="34" charset="0"/>
+                <a:buChar char="•"/>
+                <a:defRPr sz="2100" kern="1200">
+                  <a:solidFill>
+                    <a:schemeClr val="tx1"/>
+                  </a:solidFill>
+                  <a:latin typeface="+mn-lt"/>
+                  <a:ea typeface="+mn-ea"/>
+                  <a:cs typeface="+mn-cs"/>
+                </a:defRPr>
+              </a:lvl7pPr>
+              <a:lvl8pPr marL="3592220" indent="-239481" algn="l" defTabSz="957925" rtl="0" eaLnBrk="1" latinLnBrk="0" hangingPunct="1">
+                <a:spcBef>
+                  <a:spcPct val="20000"/>
+                </a:spcBef>
+                <a:buFont typeface="Arial" pitchFamily="34" charset="0"/>
+                <a:buChar char="•"/>
+                <a:defRPr sz="2100" kern="1200">
+                  <a:solidFill>
+                    <a:schemeClr val="tx1"/>
+                  </a:solidFill>
+                  <a:latin typeface="+mn-lt"/>
+                  <a:ea typeface="+mn-ea"/>
+                  <a:cs typeface="+mn-cs"/>
+                </a:defRPr>
+              </a:lvl8pPr>
+              <a:lvl9pPr marL="4071183" indent="-239481" algn="l" defTabSz="957925" rtl="0" eaLnBrk="1" latinLnBrk="0" hangingPunct="1">
+                <a:spcBef>
+                  <a:spcPct val="20000"/>
+                </a:spcBef>
+                <a:buFont typeface="Arial" pitchFamily="34" charset="0"/>
+                <a:buChar char="•"/>
+                <a:defRPr sz="2100" kern="1200">
+                  <a:solidFill>
+                    <a:schemeClr val="tx1"/>
+                  </a:solidFill>
+                  <a:latin typeface="+mn-lt"/>
+                  <a:ea typeface="+mn-ea"/>
+                  <a:cs typeface="+mn-cs"/>
+                </a:defRPr>
+              </a:lvl9pPr>
+            </a:lstStyle>
+            <a:p>
+              <a:pPr algn="just">
+                <a:lnSpc>
+                  <a:spcPct val="100000"/>
+                </a:lnSpc>
+              </a:pPr>
+              <a:r>
+                <a:rPr lang="en-CN" sz="1400" b="1" dirty="0"/>
+                <a:t>Fig 3. </a:t>
+              </a:r>
+              <a:r>
+                <a:rPr lang="en-CN" sz="1400" dirty="0"/>
+                <a:t>The</a:t>
+              </a:r>
+              <a:r>
+                <a:rPr lang="zh-CN" altLang="en-US" sz="1400" dirty="0"/>
+                <a:t> </a:t>
+              </a:r>
+              <a:r>
+                <a:rPr lang="en-US" altLang="zh-CN" sz="1400" dirty="0"/>
+                <a:t>Select &amp; Normalize Workflow. We also present the normed data distribution here.</a:t>
+              </a:r>
+              <a:endParaRPr lang="en-US" sz="1400" dirty="0"/>
+            </a:p>
+          </p:txBody>
+        </p:sp>
+      </p:grpSp>
     </p:spTree>
     <p:extLst>
       <p:ext uri="{BB962C8B-B14F-4D97-AF65-F5344CB8AC3E}">
@@ -33266,6 +34550,2453 @@
 </file>
 
 <file path=ppt/slides/slide4.xml><?xml version="1.0" encoding="utf-8"?>
+<p:sld xmlns:a="http://schemas.openxmlformats.org/drawingml/2006/main" xmlns:r="http://schemas.openxmlformats.org/officeDocument/2006/relationships" xmlns:p="http://schemas.openxmlformats.org/presentationml/2006/main">
+  <p:cSld>
+    <p:spTree>
+      <p:nvGrpSpPr>
+        <p:cNvPr id="1" name=""/>
+        <p:cNvGrpSpPr/>
+        <p:nvPr/>
+      </p:nvGrpSpPr>
+      <p:grpSpPr>
+        <a:xfrm>
+          <a:off x="0" y="0"/>
+          <a:ext cx="0" cy="0"/>
+          <a:chOff x="0" y="0"/>
+          <a:chExt cx="0" cy="0"/>
+        </a:xfrm>
+      </p:grpSpPr>
+      <p:sp>
+        <p:nvSpPr>
+          <p:cNvPr id="2" name="标题 1"/>
+          <p:cNvSpPr>
+            <a:spLocks noGrp="1"/>
+          </p:cNvSpPr>
+          <p:nvPr>
+            <p:ph type="title"/>
+          </p:nvPr>
+        </p:nvSpPr>
+        <p:spPr>
+          <a:xfrm>
+            <a:off x="415702" y="369454"/>
+            <a:ext cx="7236804" cy="540060"/>
+          </a:xfrm>
+        </p:spPr>
+        <p:txBody>
+          <a:bodyPr anchor="ctr"/>
+          <a:lstStyle/>
+          <a:p>
+            <a:pPr>
+              <a:lnSpc>
+                <a:spcPct val="100000"/>
+              </a:lnSpc>
+            </a:pPr>
+            <a:r>
+              <a:rPr lang="en-US" dirty="0"/>
+              <a:t>3.2 In-Sample &amp; Out-Sample Modeling</a:t>
+            </a:r>
+          </a:p>
+        </p:txBody>
+      </p:sp>
+      <p:grpSp>
+        <p:nvGrpSpPr>
+          <p:cNvPr id="106" name="Group 105">
+            <a:extLst>
+              <a:ext uri="{FF2B5EF4-FFF2-40B4-BE49-F238E27FC236}">
+                <a16:creationId xmlns:a16="http://schemas.microsoft.com/office/drawing/2014/main" id="{640696F4-2D6B-394C-A2C6-79572340C6AE}"/>
+              </a:ext>
+            </a:extLst>
+          </p:cNvPr>
+          <p:cNvGrpSpPr/>
+          <p:nvPr/>
+        </p:nvGrpSpPr>
+        <p:grpSpPr>
+          <a:xfrm>
+            <a:off x="415702" y="1269554"/>
+            <a:ext cx="9066396" cy="4932548"/>
+            <a:chOff x="530718" y="1161542"/>
+            <a:chExt cx="9066396" cy="4932548"/>
+          </a:xfrm>
+        </p:grpSpPr>
+        <p:sp>
+          <p:nvSpPr>
+            <p:cNvPr id="21" name="Rounded Rectangle 20">
+              <a:extLst>
+                <a:ext uri="{FF2B5EF4-FFF2-40B4-BE49-F238E27FC236}">
+                  <a16:creationId xmlns:a16="http://schemas.microsoft.com/office/drawing/2014/main" id="{8F695562-7FE3-6948-BCC4-C796B12530B2}"/>
+                </a:ext>
+              </a:extLst>
+            </p:cNvPr>
+            <p:cNvSpPr/>
+            <p:nvPr/>
+          </p:nvSpPr>
+          <p:spPr>
+            <a:xfrm>
+              <a:off x="4564114" y="1358001"/>
+              <a:ext cx="2073155" cy="586882"/>
+            </a:xfrm>
+            <a:prstGeom prst="roundRect">
+              <a:avLst/>
+            </a:prstGeom>
+            <a:solidFill>
+              <a:schemeClr val="accent5">
+                <a:lumMod val="20000"/>
+                <a:lumOff val="80000"/>
+              </a:schemeClr>
+            </a:solidFill>
+            <a:ln w="19050" cap="flat">
+              <a:solidFill>
+                <a:schemeClr val="tx1"/>
+              </a:solidFill>
+              <a:prstDash val="solid"/>
+              <a:miter lim="800000"/>
+            </a:ln>
+            <a:effectLst>
+              <a:outerShdw blurRad="50800" dist="38100" dir="2700000" algn="tl" rotWithShape="0">
+                <a:prstClr val="black">
+                  <a:alpha val="40000"/>
+                </a:prstClr>
+              </a:outerShdw>
+            </a:effectLst>
+          </p:spPr>
+          <p:style>
+            <a:lnRef idx="2">
+              <a:schemeClr val="accent1">
+                <a:shade val="50000"/>
+              </a:schemeClr>
+            </a:lnRef>
+            <a:fillRef idx="1">
+              <a:schemeClr val="accent1"/>
+            </a:fillRef>
+            <a:effectRef idx="0">
+              <a:schemeClr val="accent1"/>
+            </a:effectRef>
+            <a:fontRef idx="minor">
+              <a:schemeClr val="lt1"/>
+            </a:fontRef>
+          </p:style>
+          <p:txBody>
+            <a:bodyPr rot="0" spcFirstLastPara="0" vertOverflow="overflow" horzOverflow="overflow" vert="horz" wrap="square" lIns="73152" tIns="73152" rIns="73152" bIns="73152" numCol="1" spcCol="0" rtlCol="0" fromWordArt="0" anchor="ctr" anchorCtr="0" forceAA="0" compatLnSpc="1">
+              <a:prstTxWarp prst="textNoShape">
+                <a:avLst/>
+              </a:prstTxWarp>
+              <a:noAutofit/>
+            </a:bodyPr>
+            <a:lstStyle/>
+            <a:p>
+              <a:pPr algn="ctr"/>
+              <a:r>
+                <a:rPr lang="en-US" sz="1400" b="1" dirty="0">
+                  <a:solidFill>
+                    <a:schemeClr val="tx1"/>
+                  </a:solidFill>
+                  <a:latin typeface="Times New Roman" panose="02020603050405020304" pitchFamily="18" charset="0"/>
+                  <a:cs typeface="Times New Roman" panose="02020603050405020304" pitchFamily="18" charset="0"/>
+                </a:rPr>
+                <a:t>Normed Samples</a:t>
+              </a:r>
+              <a:endParaRPr lang="en-CN" sz="1400" b="1" dirty="0">
+                <a:solidFill>
+                  <a:schemeClr val="tx1"/>
+                </a:solidFill>
+                <a:latin typeface="Times New Roman" panose="02020603050405020304" pitchFamily="18" charset="0"/>
+                <a:cs typeface="Times New Roman" panose="02020603050405020304" pitchFamily="18" charset="0"/>
+              </a:endParaRPr>
+            </a:p>
+          </p:txBody>
+        </p:sp>
+        <p:sp>
+          <p:nvSpPr>
+            <p:cNvPr id="22" name="圆柱体 4">
+              <a:extLst>
+                <a:ext uri="{FF2B5EF4-FFF2-40B4-BE49-F238E27FC236}">
+                  <a16:creationId xmlns:a16="http://schemas.microsoft.com/office/drawing/2014/main" id="{AAFD5A77-5B87-314E-BFD0-1A527C25026C}"/>
+                </a:ext>
+              </a:extLst>
+            </p:cNvPr>
+            <p:cNvSpPr/>
+            <p:nvPr/>
+          </p:nvSpPr>
+          <p:spPr>
+            <a:xfrm>
+              <a:off x="729555" y="1358001"/>
+              <a:ext cx="1190292" cy="586883"/>
+            </a:xfrm>
+            <a:prstGeom prst="can">
+              <a:avLst>
+                <a:gd name="adj" fmla="val 15969"/>
+              </a:avLst>
+            </a:prstGeom>
+            <a:solidFill>
+              <a:schemeClr val="accent5">
+                <a:lumMod val="20000"/>
+                <a:lumOff val="80000"/>
+              </a:schemeClr>
+            </a:solidFill>
+            <a:ln w="19050">
+              <a:solidFill>
+                <a:schemeClr val="tx1"/>
+              </a:solidFill>
+            </a:ln>
+            <a:effectLst>
+              <a:outerShdw blurRad="50800" dist="38100" dir="2700000" algn="tl" rotWithShape="0">
+                <a:prstClr val="black">
+                  <a:alpha val="40000"/>
+                </a:prstClr>
+              </a:outerShdw>
+            </a:effectLst>
+          </p:spPr>
+          <p:style>
+            <a:lnRef idx="2">
+              <a:schemeClr val="accent1">
+                <a:shade val="50000"/>
+              </a:schemeClr>
+            </a:lnRef>
+            <a:fillRef idx="1">
+              <a:schemeClr val="accent1"/>
+            </a:fillRef>
+            <a:effectRef idx="0">
+              <a:schemeClr val="accent1"/>
+            </a:effectRef>
+            <a:fontRef idx="minor">
+              <a:schemeClr val="lt1"/>
+            </a:fontRef>
+          </p:style>
+          <p:txBody>
+            <a:bodyPr rtlCol="0" anchor="ctr"/>
+            <a:lstStyle/>
+            <a:p>
+              <a:pPr algn="ctr" defTabSz="742859"/>
+              <a:r>
+                <a:rPr lang="en-US" altLang="zh-CN" sz="1400" dirty="0">
+                  <a:solidFill>
+                    <a:prstClr val="black"/>
+                  </a:solidFill>
+                  <a:latin typeface="Times New Roman" panose="02020603050405020304" pitchFamily="18" charset="0"/>
+                  <a:ea typeface="等线" panose="02010600030101010101" pitchFamily="2" charset="-122"/>
+                  <a:cs typeface="Times New Roman" panose="02020603050405020304" pitchFamily="18" charset="0"/>
+                </a:rPr>
+                <a:t>Normed </a:t>
+              </a:r>
+            </a:p>
+            <a:p>
+              <a:pPr algn="ctr" defTabSz="742859"/>
+              <a:r>
+                <a:rPr lang="en-US" altLang="zh-CN" sz="1400" dirty="0">
+                  <a:solidFill>
+                    <a:prstClr val="black"/>
+                  </a:solidFill>
+                  <a:latin typeface="Times New Roman" panose="02020603050405020304" pitchFamily="18" charset="0"/>
+                  <a:ea typeface="等线" panose="02010600030101010101" pitchFamily="2" charset="-122"/>
+                  <a:cs typeface="Times New Roman" panose="02020603050405020304" pitchFamily="18" charset="0"/>
+                </a:rPr>
+                <a:t>Factors</a:t>
+              </a:r>
+              <a:endParaRPr lang="zh-CN" altLang="en-US" sz="1400" dirty="0">
+                <a:solidFill>
+                  <a:prstClr val="black"/>
+                </a:solidFill>
+                <a:latin typeface="Times New Roman" panose="02020603050405020304" pitchFamily="18" charset="0"/>
+                <a:ea typeface="等线" panose="02010600030101010101" pitchFamily="2" charset="-122"/>
+                <a:cs typeface="Times New Roman" panose="02020603050405020304" pitchFamily="18" charset="0"/>
+              </a:endParaRPr>
+            </a:p>
+          </p:txBody>
+        </p:sp>
+        <p:sp>
+          <p:nvSpPr>
+            <p:cNvPr id="23" name="圆柱体 4">
+              <a:extLst>
+                <a:ext uri="{FF2B5EF4-FFF2-40B4-BE49-F238E27FC236}">
+                  <a16:creationId xmlns:a16="http://schemas.microsoft.com/office/drawing/2014/main" id="{28F49BF6-34FF-1145-8A1D-E88FD64E5017}"/>
+                </a:ext>
+              </a:extLst>
+            </p:cNvPr>
+            <p:cNvSpPr/>
+            <p:nvPr/>
+          </p:nvSpPr>
+          <p:spPr>
+            <a:xfrm>
+              <a:off x="2176160" y="1358001"/>
+              <a:ext cx="1190292" cy="586883"/>
+            </a:xfrm>
+            <a:prstGeom prst="can">
+              <a:avLst>
+                <a:gd name="adj" fmla="val 15969"/>
+              </a:avLst>
+            </a:prstGeom>
+            <a:solidFill>
+              <a:schemeClr val="accent5">
+                <a:lumMod val="20000"/>
+                <a:lumOff val="80000"/>
+              </a:schemeClr>
+            </a:solidFill>
+            <a:ln w="19050">
+              <a:solidFill>
+                <a:schemeClr val="tx1"/>
+              </a:solidFill>
+            </a:ln>
+            <a:effectLst>
+              <a:outerShdw blurRad="50800" dist="38100" dir="2700000" algn="tl" rotWithShape="0">
+                <a:prstClr val="black">
+                  <a:alpha val="40000"/>
+                </a:prstClr>
+              </a:outerShdw>
+            </a:effectLst>
+          </p:spPr>
+          <p:style>
+            <a:lnRef idx="2">
+              <a:schemeClr val="accent1">
+                <a:shade val="50000"/>
+              </a:schemeClr>
+            </a:lnRef>
+            <a:fillRef idx="1">
+              <a:schemeClr val="accent1"/>
+            </a:fillRef>
+            <a:effectRef idx="0">
+              <a:schemeClr val="accent1"/>
+            </a:effectRef>
+            <a:fontRef idx="minor">
+              <a:schemeClr val="lt1"/>
+            </a:fontRef>
+          </p:style>
+          <p:txBody>
+            <a:bodyPr rtlCol="0" anchor="ctr"/>
+            <a:lstStyle/>
+            <a:p>
+              <a:pPr algn="ctr" defTabSz="742859"/>
+              <a:r>
+                <a:rPr lang="en-US" altLang="zh-CN" sz="1400" dirty="0">
+                  <a:solidFill>
+                    <a:prstClr val="black"/>
+                  </a:solidFill>
+                  <a:latin typeface="Times New Roman" panose="02020603050405020304" pitchFamily="18" charset="0"/>
+                  <a:ea typeface="等线" panose="02010600030101010101" pitchFamily="2" charset="-122"/>
+                  <a:cs typeface="Times New Roman" panose="02020603050405020304" pitchFamily="18" charset="0"/>
+                </a:rPr>
+                <a:t>Daily Return</a:t>
+              </a:r>
+            </a:p>
+            <a:p>
+              <a:pPr algn="ctr" defTabSz="742859"/>
+              <a:r>
+                <a:rPr lang="en-US" altLang="zh-CN" sz="1400" dirty="0">
+                  <a:solidFill>
+                    <a:prstClr val="black"/>
+                  </a:solidFill>
+                  <a:latin typeface="Times New Roman" panose="02020603050405020304" pitchFamily="18" charset="0"/>
+                  <a:ea typeface="等线" panose="02010600030101010101" pitchFamily="2" charset="-122"/>
+                  <a:cs typeface="Times New Roman" panose="02020603050405020304" pitchFamily="18" charset="0"/>
+                </a:rPr>
+                <a:t>Label</a:t>
+              </a:r>
+              <a:endParaRPr lang="zh-CN" altLang="en-US" sz="1400" dirty="0">
+                <a:solidFill>
+                  <a:prstClr val="black"/>
+                </a:solidFill>
+                <a:latin typeface="Times New Roman" panose="02020603050405020304" pitchFamily="18" charset="0"/>
+                <a:ea typeface="等线" panose="02010600030101010101" pitchFamily="2" charset="-122"/>
+                <a:cs typeface="Times New Roman" panose="02020603050405020304" pitchFamily="18" charset="0"/>
+              </a:endParaRPr>
+            </a:p>
+          </p:txBody>
+        </p:sp>
+        <p:sp>
+          <p:nvSpPr>
+            <p:cNvPr id="24" name="Notched Right Arrow 23">
+              <a:extLst>
+                <a:ext uri="{FF2B5EF4-FFF2-40B4-BE49-F238E27FC236}">
+                  <a16:creationId xmlns:a16="http://schemas.microsoft.com/office/drawing/2014/main" id="{A2553A0D-DC3C-6F43-8F6D-139E282AE7E5}"/>
+                </a:ext>
+              </a:extLst>
+            </p:cNvPr>
+            <p:cNvSpPr/>
+            <p:nvPr/>
+          </p:nvSpPr>
+          <p:spPr>
+            <a:xfrm>
+              <a:off x="3747284" y="1412495"/>
+              <a:ext cx="566164" cy="477893"/>
+            </a:xfrm>
+            <a:prstGeom prst="notchedRightArrow">
+              <a:avLst/>
+            </a:prstGeom>
+            <a:solidFill>
+              <a:schemeClr val="accent5">
+                <a:lumMod val="20000"/>
+                <a:lumOff val="80000"/>
+              </a:schemeClr>
+            </a:solidFill>
+            <a:ln w="19050" cap="flat">
+              <a:solidFill>
+                <a:schemeClr val="tx1"/>
+              </a:solidFill>
+              <a:miter lim="800000"/>
+            </a:ln>
+            <a:effectLst>
+              <a:outerShdw blurRad="50800" dist="38100" dir="2700000" algn="tl" rotWithShape="0">
+                <a:prstClr val="black">
+                  <a:alpha val="40000"/>
+                </a:prstClr>
+              </a:outerShdw>
+            </a:effectLst>
+          </p:spPr>
+          <p:style>
+            <a:lnRef idx="2">
+              <a:schemeClr val="accent1">
+                <a:shade val="50000"/>
+              </a:schemeClr>
+            </a:lnRef>
+            <a:fillRef idx="1">
+              <a:schemeClr val="accent1"/>
+            </a:fillRef>
+            <a:effectRef idx="0">
+              <a:schemeClr val="accent1"/>
+            </a:effectRef>
+            <a:fontRef idx="minor">
+              <a:schemeClr val="lt1"/>
+            </a:fontRef>
+          </p:style>
+          <p:txBody>
+            <a:bodyPr rot="0" spcFirstLastPara="0" vertOverflow="overflow" horzOverflow="overflow" vert="horz" wrap="square" lIns="73152" tIns="73152" rIns="73152" bIns="73152" numCol="1" spcCol="0" rtlCol="0" fromWordArt="0" anchor="ctr" anchorCtr="0" forceAA="0" compatLnSpc="1">
+              <a:prstTxWarp prst="textNoShape">
+                <a:avLst/>
+              </a:prstTxWarp>
+              <a:noAutofit/>
+            </a:bodyPr>
+            <a:lstStyle/>
+            <a:p>
+              <a:pPr algn="ctr">
+                <a:lnSpc>
+                  <a:spcPct val="90000"/>
+                </a:lnSpc>
+              </a:pPr>
+              <a:endParaRPr lang="en-CN" sz="1400" dirty="0" err="1">
+                <a:solidFill>
+                  <a:schemeClr val="bg1"/>
+                </a:solidFill>
+                <a:latin typeface="Arial" pitchFamily="34" charset="0"/>
+                <a:cs typeface="Arial" pitchFamily="34" charset="0"/>
+              </a:endParaRPr>
+            </a:p>
+          </p:txBody>
+        </p:sp>
+        <p:sp>
+          <p:nvSpPr>
+            <p:cNvPr id="3" name="TextBox 2">
+              <a:extLst>
+                <a:ext uri="{FF2B5EF4-FFF2-40B4-BE49-F238E27FC236}">
+                  <a16:creationId xmlns:a16="http://schemas.microsoft.com/office/drawing/2014/main" id="{835BFFDB-9A0C-2446-99FC-E57ACF5788FA}"/>
+                </a:ext>
+              </a:extLst>
+            </p:cNvPr>
+            <p:cNvSpPr txBox="1"/>
+            <p:nvPr/>
+          </p:nvSpPr>
+          <p:spPr>
+            <a:xfrm>
+              <a:off x="6891323" y="1540641"/>
+              <a:ext cx="182742" cy="221599"/>
+            </a:xfrm>
+            <a:prstGeom prst="rect">
+              <a:avLst/>
+            </a:prstGeom>
+            <a:noFill/>
+            <a:ln w="6350" cap="flat">
+              <a:noFill/>
+              <a:miter lim="800000"/>
+            </a:ln>
+          </p:spPr>
+          <p:txBody>
+            <a:bodyPr wrap="none" lIns="0" tIns="0" rIns="0" bIns="0" rtlCol="0" anchor="t" anchorCtr="0">
+              <a:spAutoFit/>
+            </a:bodyPr>
+            <a:lstStyle/>
+            <a:p>
+              <a:pPr>
+                <a:lnSpc>
+                  <a:spcPct val="90000"/>
+                </a:lnSpc>
+                <a:spcBef>
+                  <a:spcPts val="600"/>
+                </a:spcBef>
+                <a:buClr>
+                  <a:schemeClr val="bg2"/>
+                </a:buClr>
+              </a:pPr>
+              <a:r>
+                <a:rPr lang="en-US" altLang="zh-CN" sz="1600" b="1" i="1" dirty="0">
+                  <a:latin typeface="Times New Roman" panose="02020603050405020304" pitchFamily="18" charset="0"/>
+                  <a:cs typeface="Times New Roman" panose="02020603050405020304" pitchFamily="18" charset="0"/>
+                </a:rPr>
+                <a:t>or</a:t>
+              </a:r>
+              <a:endParaRPr lang="en-CN" sz="1600" b="1" i="1" dirty="0">
+                <a:latin typeface="Times New Roman" panose="02020603050405020304" pitchFamily="18" charset="0"/>
+                <a:cs typeface="Times New Roman" panose="02020603050405020304" pitchFamily="18" charset="0"/>
+              </a:endParaRPr>
+            </a:p>
+          </p:txBody>
+        </p:sp>
+        <p:sp>
+          <p:nvSpPr>
+            <p:cNvPr id="26" name="Rounded Rectangle 25">
+              <a:extLst>
+                <a:ext uri="{FF2B5EF4-FFF2-40B4-BE49-F238E27FC236}">
+                  <a16:creationId xmlns:a16="http://schemas.microsoft.com/office/drawing/2014/main" id="{EFB0F10E-4D5F-1844-9D46-7CBA8D6B0BAE}"/>
+                </a:ext>
+              </a:extLst>
+            </p:cNvPr>
+            <p:cNvSpPr/>
+            <p:nvPr/>
+          </p:nvSpPr>
+          <p:spPr>
+            <a:xfrm>
+              <a:off x="7324731" y="1358001"/>
+              <a:ext cx="2073154" cy="586882"/>
+            </a:xfrm>
+            <a:prstGeom prst="roundRect">
+              <a:avLst/>
+            </a:prstGeom>
+            <a:solidFill>
+              <a:schemeClr val="accent5">
+                <a:lumMod val="20000"/>
+                <a:lumOff val="80000"/>
+              </a:schemeClr>
+            </a:solidFill>
+            <a:ln w="19050" cap="flat">
+              <a:solidFill>
+                <a:schemeClr val="tx1"/>
+              </a:solidFill>
+              <a:prstDash val="solid"/>
+              <a:miter lim="800000"/>
+            </a:ln>
+            <a:effectLst>
+              <a:outerShdw blurRad="50800" dist="38100" dir="2700000" algn="tl" rotWithShape="0">
+                <a:prstClr val="black">
+                  <a:alpha val="40000"/>
+                </a:prstClr>
+              </a:outerShdw>
+            </a:effectLst>
+          </p:spPr>
+          <p:style>
+            <a:lnRef idx="2">
+              <a:schemeClr val="accent1">
+                <a:shade val="50000"/>
+              </a:schemeClr>
+            </a:lnRef>
+            <a:fillRef idx="1">
+              <a:schemeClr val="accent1"/>
+            </a:fillRef>
+            <a:effectRef idx="0">
+              <a:schemeClr val="accent1"/>
+            </a:effectRef>
+            <a:fontRef idx="minor">
+              <a:schemeClr val="lt1"/>
+            </a:fontRef>
+          </p:style>
+          <p:txBody>
+            <a:bodyPr rot="0" spcFirstLastPara="0" vertOverflow="overflow" horzOverflow="overflow" vert="horz" wrap="square" lIns="73152" tIns="73152" rIns="73152" bIns="73152" numCol="1" spcCol="0" rtlCol="0" fromWordArt="0" anchor="ctr" anchorCtr="0" forceAA="0" compatLnSpc="1">
+              <a:prstTxWarp prst="textNoShape">
+                <a:avLst/>
+              </a:prstTxWarp>
+              <a:noAutofit/>
+            </a:bodyPr>
+            <a:lstStyle/>
+            <a:p>
+              <a:pPr algn="ctr"/>
+              <a:endParaRPr lang="en-CN" sz="1400" b="1" dirty="0">
+                <a:solidFill>
+                  <a:schemeClr val="tx1"/>
+                </a:solidFill>
+                <a:latin typeface="Times New Roman" panose="02020603050405020304" pitchFamily="18" charset="0"/>
+                <a:cs typeface="Times New Roman" panose="02020603050405020304" pitchFamily="18" charset="0"/>
+              </a:endParaRPr>
+            </a:p>
+          </p:txBody>
+        </p:sp>
+        <p:grpSp>
+          <p:nvGrpSpPr>
+            <p:cNvPr id="5" name="Group 4">
+              <a:extLst>
+                <a:ext uri="{FF2B5EF4-FFF2-40B4-BE49-F238E27FC236}">
+                  <a16:creationId xmlns:a16="http://schemas.microsoft.com/office/drawing/2014/main" id="{4FAE2B92-10EF-8545-8433-E63A2D96875A}"/>
+                </a:ext>
+              </a:extLst>
+            </p:cNvPr>
+            <p:cNvGrpSpPr/>
+            <p:nvPr/>
+          </p:nvGrpSpPr>
+          <p:grpSpPr>
+            <a:xfrm>
+              <a:off x="7381422" y="1483917"/>
+              <a:ext cx="1959771" cy="335045"/>
+              <a:chOff x="7333841" y="1474660"/>
+              <a:chExt cx="1959771" cy="335045"/>
+            </a:xfrm>
+          </p:grpSpPr>
+          <p:sp>
+            <p:nvSpPr>
+              <p:cNvPr id="27" name="Rounded Rectangle 26">
+                <a:extLst>
+                  <a:ext uri="{FF2B5EF4-FFF2-40B4-BE49-F238E27FC236}">
+                    <a16:creationId xmlns:a16="http://schemas.microsoft.com/office/drawing/2014/main" id="{630C5B1C-2117-2345-AF19-A8382FD7D0CC}"/>
+                  </a:ext>
+                </a:extLst>
+              </p:cNvPr>
+              <p:cNvSpPr/>
+              <p:nvPr/>
+            </p:nvSpPr>
+            <p:spPr>
+              <a:xfrm>
+                <a:off x="7333841" y="1474662"/>
+                <a:ext cx="619615" cy="335043"/>
+              </a:xfrm>
+              <a:prstGeom prst="roundRect">
+                <a:avLst/>
+              </a:prstGeom>
+              <a:solidFill>
+                <a:schemeClr val="accent5">
+                  <a:lumMod val="40000"/>
+                  <a:lumOff val="60000"/>
+                </a:schemeClr>
+              </a:solidFill>
+              <a:ln w="12700" cap="flat">
+                <a:solidFill>
+                  <a:schemeClr val="tx1"/>
+                </a:solidFill>
+                <a:prstDash val="dash"/>
+                <a:miter lim="800000"/>
+              </a:ln>
+              <a:effectLst>
+                <a:outerShdw blurRad="50800" dist="38100" dir="2700000" algn="tl" rotWithShape="0">
+                  <a:prstClr val="black">
+                    <a:alpha val="40000"/>
+                  </a:prstClr>
+                </a:outerShdw>
+              </a:effectLst>
+            </p:spPr>
+            <p:style>
+              <a:lnRef idx="2">
+                <a:schemeClr val="accent1">
+                  <a:shade val="50000"/>
+                </a:schemeClr>
+              </a:lnRef>
+              <a:fillRef idx="1">
+                <a:schemeClr val="accent1"/>
+              </a:fillRef>
+              <a:effectRef idx="0">
+                <a:schemeClr val="accent1"/>
+              </a:effectRef>
+              <a:fontRef idx="minor">
+                <a:schemeClr val="lt1"/>
+              </a:fontRef>
+            </p:style>
+            <p:txBody>
+              <a:bodyPr rot="0" spcFirstLastPara="0" vertOverflow="overflow" horzOverflow="overflow" vert="horz" wrap="square" lIns="73152" tIns="73152" rIns="73152" bIns="73152" numCol="1" spcCol="0" rtlCol="0" fromWordArt="0" anchor="ctr" anchorCtr="0" forceAA="0" compatLnSpc="1">
+                <a:prstTxWarp prst="textNoShape">
+                  <a:avLst/>
+                </a:prstTxWarp>
+                <a:noAutofit/>
+              </a:bodyPr>
+              <a:lstStyle/>
+              <a:p>
+                <a:pPr algn="ctr"/>
+                <a:r>
+                  <a:rPr lang="en-CN" sz="1400" b="1" dirty="0">
+                    <a:solidFill>
+                      <a:schemeClr val="tx1"/>
+                    </a:solidFill>
+                    <a:latin typeface="Times New Roman" panose="02020603050405020304" pitchFamily="18" charset="0"/>
+                    <a:cs typeface="Times New Roman" panose="02020603050405020304" pitchFamily="18" charset="0"/>
+                  </a:rPr>
+                  <a:t>Train</a:t>
+                </a:r>
+              </a:p>
+            </p:txBody>
+          </p:sp>
+          <p:sp>
+            <p:nvSpPr>
+              <p:cNvPr id="28" name="Rounded Rectangle 27">
+                <a:extLst>
+                  <a:ext uri="{FF2B5EF4-FFF2-40B4-BE49-F238E27FC236}">
+                    <a16:creationId xmlns:a16="http://schemas.microsoft.com/office/drawing/2014/main" id="{C06B033D-6D9A-C040-A966-D54031E87DBE}"/>
+                  </a:ext>
+                </a:extLst>
+              </p:cNvPr>
+              <p:cNvSpPr/>
+              <p:nvPr/>
+            </p:nvSpPr>
+            <p:spPr>
+              <a:xfrm>
+                <a:off x="7998547" y="1474661"/>
+                <a:ext cx="624987" cy="335043"/>
+              </a:xfrm>
+              <a:prstGeom prst="roundRect">
+                <a:avLst/>
+              </a:prstGeom>
+              <a:solidFill>
+                <a:schemeClr val="accent5">
+                  <a:lumMod val="40000"/>
+                  <a:lumOff val="60000"/>
+                </a:schemeClr>
+              </a:solidFill>
+              <a:ln w="12700" cap="flat">
+                <a:solidFill>
+                  <a:schemeClr val="tx1"/>
+                </a:solidFill>
+                <a:prstDash val="dash"/>
+                <a:miter lim="800000"/>
+              </a:ln>
+              <a:effectLst>
+                <a:outerShdw blurRad="50800" dist="38100" dir="2700000" algn="tl" rotWithShape="0">
+                  <a:prstClr val="black">
+                    <a:alpha val="40000"/>
+                  </a:prstClr>
+                </a:outerShdw>
+              </a:effectLst>
+            </p:spPr>
+            <p:style>
+              <a:lnRef idx="2">
+                <a:schemeClr val="accent1">
+                  <a:shade val="50000"/>
+                </a:schemeClr>
+              </a:lnRef>
+              <a:fillRef idx="1">
+                <a:schemeClr val="accent1"/>
+              </a:fillRef>
+              <a:effectRef idx="0">
+                <a:schemeClr val="accent1"/>
+              </a:effectRef>
+              <a:fontRef idx="minor">
+                <a:schemeClr val="lt1"/>
+              </a:fontRef>
+            </p:style>
+            <p:txBody>
+              <a:bodyPr rot="0" spcFirstLastPara="0" vertOverflow="overflow" horzOverflow="overflow" vert="horz" wrap="square" lIns="73152" tIns="73152" rIns="73152" bIns="73152" numCol="1" spcCol="0" rtlCol="0" fromWordArt="0" anchor="ctr" anchorCtr="0" forceAA="0" compatLnSpc="1">
+                <a:prstTxWarp prst="textNoShape">
+                  <a:avLst/>
+                </a:prstTxWarp>
+                <a:noAutofit/>
+              </a:bodyPr>
+              <a:lstStyle/>
+              <a:p>
+                <a:pPr algn="ctr"/>
+                <a:r>
+                  <a:rPr lang="en-CN" sz="1400" b="1" dirty="0">
+                    <a:solidFill>
+                      <a:schemeClr val="tx1"/>
+                    </a:solidFill>
+                    <a:latin typeface="Times New Roman" panose="02020603050405020304" pitchFamily="18" charset="0"/>
+                    <a:cs typeface="Times New Roman" panose="02020603050405020304" pitchFamily="18" charset="0"/>
+                  </a:rPr>
+                  <a:t>Valid</a:t>
+                </a:r>
+              </a:p>
+            </p:txBody>
+          </p:sp>
+          <p:sp>
+            <p:nvSpPr>
+              <p:cNvPr id="29" name="Rounded Rectangle 28">
+                <a:extLst>
+                  <a:ext uri="{FF2B5EF4-FFF2-40B4-BE49-F238E27FC236}">
+                    <a16:creationId xmlns:a16="http://schemas.microsoft.com/office/drawing/2014/main" id="{AE169D38-22F6-6F42-84C9-CCA469581D22}"/>
+                  </a:ext>
+                </a:extLst>
+              </p:cNvPr>
+              <p:cNvSpPr/>
+              <p:nvPr/>
+            </p:nvSpPr>
+            <p:spPr>
+              <a:xfrm>
+                <a:off x="8668625" y="1474660"/>
+                <a:ext cx="624987" cy="335043"/>
+              </a:xfrm>
+              <a:prstGeom prst="roundRect">
+                <a:avLst/>
+              </a:prstGeom>
+              <a:solidFill>
+                <a:schemeClr val="accent5">
+                  <a:lumMod val="40000"/>
+                  <a:lumOff val="60000"/>
+                </a:schemeClr>
+              </a:solidFill>
+              <a:ln w="12700" cap="flat">
+                <a:solidFill>
+                  <a:schemeClr val="tx1"/>
+                </a:solidFill>
+                <a:prstDash val="dash"/>
+                <a:miter lim="800000"/>
+              </a:ln>
+              <a:effectLst>
+                <a:outerShdw blurRad="50800" dist="38100" dir="2700000" algn="tl" rotWithShape="0">
+                  <a:prstClr val="black">
+                    <a:alpha val="40000"/>
+                  </a:prstClr>
+                </a:outerShdw>
+              </a:effectLst>
+            </p:spPr>
+            <p:style>
+              <a:lnRef idx="2">
+                <a:schemeClr val="accent1">
+                  <a:shade val="50000"/>
+                </a:schemeClr>
+              </a:lnRef>
+              <a:fillRef idx="1">
+                <a:schemeClr val="accent1"/>
+              </a:fillRef>
+              <a:effectRef idx="0">
+                <a:schemeClr val="accent1"/>
+              </a:effectRef>
+              <a:fontRef idx="minor">
+                <a:schemeClr val="lt1"/>
+              </a:fontRef>
+            </p:style>
+            <p:txBody>
+              <a:bodyPr rot="0" spcFirstLastPara="0" vertOverflow="overflow" horzOverflow="overflow" vert="horz" wrap="square" lIns="73152" tIns="73152" rIns="73152" bIns="73152" numCol="1" spcCol="0" rtlCol="0" fromWordArt="0" anchor="ctr" anchorCtr="0" forceAA="0" compatLnSpc="1">
+                <a:prstTxWarp prst="textNoShape">
+                  <a:avLst/>
+                </a:prstTxWarp>
+                <a:noAutofit/>
+              </a:bodyPr>
+              <a:lstStyle/>
+              <a:p>
+                <a:pPr algn="ctr"/>
+                <a:r>
+                  <a:rPr lang="en-CN" sz="1400" b="1" dirty="0">
+                    <a:solidFill>
+                      <a:schemeClr val="tx1"/>
+                    </a:solidFill>
+                    <a:latin typeface="Times New Roman" panose="02020603050405020304" pitchFamily="18" charset="0"/>
+                    <a:cs typeface="Times New Roman" panose="02020603050405020304" pitchFamily="18" charset="0"/>
+                  </a:rPr>
+                  <a:t>Test</a:t>
+                </a:r>
+              </a:p>
+            </p:txBody>
+          </p:sp>
+        </p:grpSp>
+        <p:cxnSp>
+          <p:nvCxnSpPr>
+            <p:cNvPr id="40" name="Elbow Connector 39">
+              <a:extLst>
+                <a:ext uri="{FF2B5EF4-FFF2-40B4-BE49-F238E27FC236}">
+                  <a16:creationId xmlns:a16="http://schemas.microsoft.com/office/drawing/2014/main" id="{EBC9DFA8-F34A-4F4B-99BF-E4954E0BDEC4}"/>
+                </a:ext>
+              </a:extLst>
+            </p:cNvPr>
+            <p:cNvCxnSpPr>
+              <a:cxnSpLocks/>
+              <a:stCxn id="23" idx="3"/>
+              <a:endCxn id="33" idx="0"/>
+            </p:cNvCxnSpPr>
+            <p:nvPr/>
+          </p:nvCxnSpPr>
+          <p:spPr>
+            <a:xfrm rot="16200000" flipH="1">
+              <a:off x="3500310" y="1215880"/>
+              <a:ext cx="1291981" cy="2749988"/>
+            </a:xfrm>
+            <a:prstGeom prst="bentConnector3">
+              <a:avLst>
+                <a:gd name="adj1" fmla="val 50000"/>
+              </a:avLst>
+            </a:prstGeom>
+            <a:ln w="19050" cap="flat">
+              <a:solidFill>
+                <a:schemeClr val="bg2"/>
+              </a:solidFill>
+              <a:prstDash val="dash"/>
+              <a:miter lim="800000"/>
+              <a:headEnd type="none" w="lg" len="lg"/>
+              <a:tailEnd type="stealth" w="lg" len="lg"/>
+            </a:ln>
+            <a:effectLst>
+              <a:outerShdw blurRad="50800" dist="38100" dir="2700000" algn="tl" rotWithShape="0">
+                <a:prstClr val="black">
+                  <a:alpha val="40000"/>
+                </a:prstClr>
+              </a:outerShdw>
+            </a:effectLst>
+          </p:spPr>
+          <p:style>
+            <a:lnRef idx="1">
+              <a:schemeClr val="accent1"/>
+            </a:lnRef>
+            <a:fillRef idx="0">
+              <a:schemeClr val="accent1"/>
+            </a:fillRef>
+            <a:effectRef idx="0">
+              <a:schemeClr val="accent1"/>
+            </a:effectRef>
+            <a:fontRef idx="minor">
+              <a:schemeClr val="tx1"/>
+            </a:fontRef>
+          </p:style>
+        </p:cxnSp>
+        <p:cxnSp>
+          <p:nvCxnSpPr>
+            <p:cNvPr id="65" name="Elbow Connector 64">
+              <a:extLst>
+                <a:ext uri="{FF2B5EF4-FFF2-40B4-BE49-F238E27FC236}">
+                  <a16:creationId xmlns:a16="http://schemas.microsoft.com/office/drawing/2014/main" id="{EC9519EA-55C1-AE48-B5B1-C05013E058A0}"/>
+                </a:ext>
+              </a:extLst>
+            </p:cNvPr>
+            <p:cNvCxnSpPr>
+              <a:cxnSpLocks/>
+              <a:stCxn id="23" idx="3"/>
+              <a:endCxn id="54" idx="0"/>
+            </p:cNvCxnSpPr>
+            <p:nvPr/>
+          </p:nvCxnSpPr>
+          <p:spPr>
+            <a:xfrm rot="16200000" flipH="1">
+              <a:off x="4722174" y="-5984"/>
+              <a:ext cx="1295866" cy="5197602"/>
+            </a:xfrm>
+            <a:prstGeom prst="bentConnector3">
+              <a:avLst>
+                <a:gd name="adj1" fmla="val 50000"/>
+              </a:avLst>
+            </a:prstGeom>
+            <a:ln w="19050" cap="flat">
+              <a:solidFill>
+                <a:schemeClr val="bg2"/>
+              </a:solidFill>
+              <a:prstDash val="dash"/>
+              <a:miter lim="800000"/>
+              <a:headEnd type="none" w="lg" len="lg"/>
+              <a:tailEnd type="stealth" w="lg" len="lg"/>
+            </a:ln>
+            <a:effectLst>
+              <a:outerShdw blurRad="50800" dist="38100" dir="2700000" algn="tl" rotWithShape="0">
+                <a:prstClr val="black">
+                  <a:alpha val="40000"/>
+                </a:prstClr>
+              </a:outerShdw>
+            </a:effectLst>
+          </p:spPr>
+          <p:style>
+            <a:lnRef idx="1">
+              <a:schemeClr val="accent1"/>
+            </a:lnRef>
+            <a:fillRef idx="0">
+              <a:schemeClr val="accent1"/>
+            </a:fillRef>
+            <a:effectRef idx="0">
+              <a:schemeClr val="accent1"/>
+            </a:effectRef>
+            <a:fontRef idx="minor">
+              <a:schemeClr val="tx1"/>
+            </a:fontRef>
+          </p:style>
+        </p:cxnSp>
+        <p:sp>
+          <p:nvSpPr>
+            <p:cNvPr id="50" name="Bent Arrow 49">
+              <a:extLst>
+                <a:ext uri="{FF2B5EF4-FFF2-40B4-BE49-F238E27FC236}">
+                  <a16:creationId xmlns:a16="http://schemas.microsoft.com/office/drawing/2014/main" id="{B3E7CF1B-EF80-1E43-9C94-80826FAB1E95}"/>
+                </a:ext>
+              </a:extLst>
+            </p:cNvPr>
+            <p:cNvSpPr/>
+            <p:nvPr/>
+          </p:nvSpPr>
+          <p:spPr>
+            <a:xfrm rot="10800000" flipH="1">
+              <a:off x="1243794" y="2631204"/>
+              <a:ext cx="927572" cy="1389465"/>
+            </a:xfrm>
+            <a:prstGeom prst="bentArrow">
+              <a:avLst>
+                <a:gd name="adj1" fmla="val 20267"/>
+                <a:gd name="adj2" fmla="val 25000"/>
+                <a:gd name="adj3" fmla="val 25000"/>
+                <a:gd name="adj4" fmla="val 43750"/>
+              </a:avLst>
+            </a:prstGeom>
+            <a:gradFill flip="none" rotWithShape="1">
+              <a:gsLst>
+                <a:gs pos="0">
+                  <a:schemeClr val="accent5">
+                    <a:lumMod val="5000"/>
+                    <a:lumOff val="95000"/>
+                  </a:schemeClr>
+                </a:gs>
+                <a:gs pos="74000">
+                  <a:schemeClr val="accent5">
+                    <a:lumMod val="45000"/>
+                    <a:lumOff val="55000"/>
+                  </a:schemeClr>
+                </a:gs>
+                <a:gs pos="83000">
+                  <a:schemeClr val="accent5">
+                    <a:lumMod val="45000"/>
+                    <a:lumOff val="55000"/>
+                  </a:schemeClr>
+                </a:gs>
+                <a:gs pos="100000">
+                  <a:schemeClr val="accent5">
+                    <a:lumMod val="30000"/>
+                    <a:lumOff val="70000"/>
+                  </a:schemeClr>
+                </a:gs>
+              </a:gsLst>
+              <a:lin ang="2700000" scaled="1"/>
+              <a:tileRect/>
+            </a:gradFill>
+            <a:ln w="19050" cap="flat">
+              <a:noFill/>
+              <a:miter lim="800000"/>
+            </a:ln>
+          </p:spPr>
+          <p:style>
+            <a:lnRef idx="2">
+              <a:schemeClr val="accent1">
+                <a:shade val="50000"/>
+              </a:schemeClr>
+            </a:lnRef>
+            <a:fillRef idx="1">
+              <a:schemeClr val="accent1"/>
+            </a:fillRef>
+            <a:effectRef idx="0">
+              <a:schemeClr val="accent1"/>
+            </a:effectRef>
+            <a:fontRef idx="minor">
+              <a:schemeClr val="lt1"/>
+            </a:fontRef>
+          </p:style>
+          <p:txBody>
+            <a:bodyPr rot="0" spcFirstLastPara="0" vertOverflow="overflow" horzOverflow="overflow" vert="horz" wrap="square" lIns="73152" tIns="73152" rIns="73152" bIns="73152" numCol="1" spcCol="0" rtlCol="0" fromWordArt="0" anchor="ctr" anchorCtr="0" forceAA="0" compatLnSpc="1">
+              <a:prstTxWarp prst="textNoShape">
+                <a:avLst/>
+              </a:prstTxWarp>
+              <a:noAutofit/>
+            </a:bodyPr>
+            <a:lstStyle/>
+            <a:p>
+              <a:pPr algn="ctr">
+                <a:lnSpc>
+                  <a:spcPct val="90000"/>
+                </a:lnSpc>
+                <a:spcBef>
+                  <a:spcPts val="900"/>
+                </a:spcBef>
+              </a:pPr>
+              <a:endParaRPr lang="en-CN" sz="1400" dirty="0" err="1">
+                <a:solidFill>
+                  <a:schemeClr val="bg1"/>
+                </a:solidFill>
+                <a:latin typeface="Arial" pitchFamily="34" charset="0"/>
+                <a:cs typeface="Arial" pitchFamily="34" charset="0"/>
+              </a:endParaRPr>
+            </a:p>
+          </p:txBody>
+        </p:sp>
+        <p:sp>
+          <p:nvSpPr>
+            <p:cNvPr id="71" name="TextBox 70">
+              <a:extLst>
+                <a:ext uri="{FF2B5EF4-FFF2-40B4-BE49-F238E27FC236}">
+                  <a16:creationId xmlns:a16="http://schemas.microsoft.com/office/drawing/2014/main" id="{A9BAC3D8-304E-8A4A-A7AC-DB00147ED227}"/>
+                </a:ext>
+              </a:extLst>
+            </p:cNvPr>
+            <p:cNvSpPr txBox="1"/>
+            <p:nvPr/>
+          </p:nvSpPr>
+          <p:spPr>
+            <a:xfrm>
+              <a:off x="6912575" y="2096435"/>
+              <a:ext cx="2684539" cy="492443"/>
+            </a:xfrm>
+            <a:prstGeom prst="rect">
+              <a:avLst/>
+            </a:prstGeom>
+            <a:noFill/>
+            <a:ln w="6350" cap="flat">
+              <a:noFill/>
+              <a:miter lim="800000"/>
+            </a:ln>
+          </p:spPr>
+          <p:txBody>
+            <a:bodyPr wrap="square">
+              <a:spAutoFit/>
+            </a:bodyPr>
+            <a:lstStyle/>
+            <a:p>
+              <a:r>
+                <a:rPr lang="en-US" sz="1300" b="1" i="1" dirty="0">
+                  <a:latin typeface="Times New Roman" panose="02020603050405020304" pitchFamily="18" charset="0"/>
+                  <a:cs typeface="Times New Roman" panose="02020603050405020304" pitchFamily="18" charset="0"/>
+                </a:rPr>
+                <a:t>D</a:t>
+              </a:r>
+              <a:r>
+                <a:rPr lang="en-CN" sz="1300" b="1" i="1" dirty="0">
+                  <a:latin typeface="Times New Roman" panose="02020603050405020304" pitchFamily="18" charset="0"/>
+                  <a:cs typeface="Times New Roman" panose="02020603050405020304" pitchFamily="18" charset="0"/>
+                </a:rPr>
+                <a:t>iscrete</a:t>
+              </a:r>
+              <a:r>
+                <a:rPr lang="en-US" sz="1300" b="1" i="1" dirty="0">
+                  <a:latin typeface="Times New Roman" panose="02020603050405020304" pitchFamily="18" charset="0"/>
+                  <a:cs typeface="Times New Roman" panose="02020603050405020304" pitchFamily="18" charset="0"/>
+                </a:rPr>
+                <a:t>: </a:t>
+              </a:r>
+            </a:p>
+            <a:p>
+              <a:r>
+                <a:rPr lang="en-US" sz="1300" i="1" dirty="0">
+                  <a:latin typeface="Times New Roman" panose="02020603050405020304" pitchFamily="18" charset="0"/>
+                  <a:cs typeface="Times New Roman" panose="02020603050405020304" pitchFamily="18" charset="0"/>
+                </a:rPr>
+                <a:t>0-decrease; 1-no change; 2- increase</a:t>
+              </a:r>
+              <a:endParaRPr lang="en-CN" sz="1300" i="1" dirty="0">
+                <a:latin typeface="Times New Roman" panose="02020603050405020304" pitchFamily="18" charset="0"/>
+                <a:cs typeface="Times New Roman" panose="02020603050405020304" pitchFamily="18" charset="0"/>
+              </a:endParaRPr>
+            </a:p>
+          </p:txBody>
+        </p:sp>
+        <p:sp>
+          <p:nvSpPr>
+            <p:cNvPr id="72" name="TextBox 71">
+              <a:extLst>
+                <a:ext uri="{FF2B5EF4-FFF2-40B4-BE49-F238E27FC236}">
+                  <a16:creationId xmlns:a16="http://schemas.microsoft.com/office/drawing/2014/main" id="{CE2AB9B3-0D7D-284D-B506-2D72733FEC7C}"/>
+                </a:ext>
+              </a:extLst>
+            </p:cNvPr>
+            <p:cNvSpPr txBox="1"/>
+            <p:nvPr/>
+          </p:nvSpPr>
+          <p:spPr>
+            <a:xfrm>
+              <a:off x="4527223" y="2771522"/>
+              <a:ext cx="1003397" cy="292388"/>
+            </a:xfrm>
+            <a:prstGeom prst="rect">
+              <a:avLst/>
+            </a:prstGeom>
+            <a:noFill/>
+            <a:ln w="6350" cap="flat">
+              <a:noFill/>
+              <a:miter lim="800000"/>
+            </a:ln>
+          </p:spPr>
+          <p:txBody>
+            <a:bodyPr wrap="square">
+              <a:spAutoFit/>
+            </a:bodyPr>
+            <a:lstStyle/>
+            <a:p>
+              <a:pPr algn="ctr"/>
+              <a:r>
+                <a:rPr lang="en-US" sz="1300" b="1" i="1" dirty="0">
+                  <a:solidFill>
+                    <a:srgbClr val="C00000"/>
+                  </a:solidFill>
+                  <a:latin typeface="Times New Roman" panose="02020603050405020304" pitchFamily="18" charset="0"/>
+                  <a:cs typeface="Times New Roman" panose="02020603050405020304" pitchFamily="18" charset="0"/>
+                </a:rPr>
+                <a:t>MSE Loss</a:t>
+              </a:r>
+              <a:endParaRPr lang="en-CN" sz="1300" i="1" dirty="0">
+                <a:solidFill>
+                  <a:srgbClr val="C00000"/>
+                </a:solidFill>
+                <a:latin typeface="Times New Roman" panose="02020603050405020304" pitchFamily="18" charset="0"/>
+                <a:cs typeface="Times New Roman" panose="02020603050405020304" pitchFamily="18" charset="0"/>
+              </a:endParaRPr>
+            </a:p>
+          </p:txBody>
+        </p:sp>
+        <p:sp>
+          <p:nvSpPr>
+            <p:cNvPr id="73" name="TextBox 72">
+              <a:extLst>
+                <a:ext uri="{FF2B5EF4-FFF2-40B4-BE49-F238E27FC236}">
+                  <a16:creationId xmlns:a16="http://schemas.microsoft.com/office/drawing/2014/main" id="{1F7F4CA5-453C-0049-B7FF-B4159C7A01CB}"/>
+                </a:ext>
+              </a:extLst>
+            </p:cNvPr>
+            <p:cNvSpPr txBox="1"/>
+            <p:nvPr/>
+          </p:nvSpPr>
+          <p:spPr>
+            <a:xfrm>
+              <a:off x="6966294" y="2771522"/>
+              <a:ext cx="1003398" cy="292388"/>
+            </a:xfrm>
+            <a:prstGeom prst="rect">
+              <a:avLst/>
+            </a:prstGeom>
+            <a:noFill/>
+            <a:ln w="6350" cap="flat">
+              <a:noFill/>
+              <a:miter lim="800000"/>
+            </a:ln>
+          </p:spPr>
+          <p:txBody>
+            <a:bodyPr wrap="square">
+              <a:spAutoFit/>
+            </a:bodyPr>
+            <a:lstStyle/>
+            <a:p>
+              <a:pPr algn="ctr"/>
+              <a:r>
+                <a:rPr lang="en-US" sz="1300" b="1" i="1" dirty="0">
+                  <a:solidFill>
+                    <a:srgbClr val="C00000"/>
+                  </a:solidFill>
+                  <a:latin typeface="Times New Roman" panose="02020603050405020304" pitchFamily="18" charset="0"/>
+                  <a:cs typeface="Times New Roman" panose="02020603050405020304" pitchFamily="18" charset="0"/>
+                </a:rPr>
+                <a:t>CE Loss</a:t>
+              </a:r>
+              <a:endParaRPr lang="en-CN" sz="1300" i="1" dirty="0">
+                <a:solidFill>
+                  <a:srgbClr val="C00000"/>
+                </a:solidFill>
+                <a:latin typeface="Times New Roman" panose="02020603050405020304" pitchFamily="18" charset="0"/>
+                <a:cs typeface="Times New Roman" panose="02020603050405020304" pitchFamily="18" charset="0"/>
+              </a:endParaRPr>
+            </a:p>
+          </p:txBody>
+        </p:sp>
+        <p:grpSp>
+          <p:nvGrpSpPr>
+            <p:cNvPr id="60" name="Group 59">
+              <a:extLst>
+                <a:ext uri="{FF2B5EF4-FFF2-40B4-BE49-F238E27FC236}">
+                  <a16:creationId xmlns:a16="http://schemas.microsoft.com/office/drawing/2014/main" id="{1EC74333-5FDB-FD4E-B392-371ADC972489}"/>
+                </a:ext>
+              </a:extLst>
+            </p:cNvPr>
+            <p:cNvGrpSpPr/>
+            <p:nvPr/>
+          </p:nvGrpSpPr>
+          <p:grpSpPr>
+            <a:xfrm>
+              <a:off x="4527222" y="3236865"/>
+              <a:ext cx="4437717" cy="1569298"/>
+              <a:chOff x="3552764" y="3062689"/>
+              <a:chExt cx="4437717" cy="1569298"/>
+            </a:xfrm>
+          </p:grpSpPr>
+          <p:sp>
+            <p:nvSpPr>
+              <p:cNvPr id="33" name="Rounded Rectangle 32">
+                <a:extLst>
+                  <a:ext uri="{FF2B5EF4-FFF2-40B4-BE49-F238E27FC236}">
+                    <a16:creationId xmlns:a16="http://schemas.microsoft.com/office/drawing/2014/main" id="{B443C575-64EE-4F48-AA6D-3B3B8E090D51}"/>
+                  </a:ext>
+                </a:extLst>
+              </p:cNvPr>
+              <p:cNvSpPr/>
+              <p:nvPr/>
+            </p:nvSpPr>
+            <p:spPr>
+              <a:xfrm>
+                <a:off x="3552765" y="3062689"/>
+                <a:ext cx="1988141" cy="543186"/>
+              </a:xfrm>
+              <a:prstGeom prst="roundRect">
+                <a:avLst>
+                  <a:gd name="adj" fmla="val 10252"/>
+                </a:avLst>
+              </a:prstGeom>
+              <a:solidFill>
+                <a:schemeClr val="tx2">
+                  <a:lumMod val="20000"/>
+                  <a:lumOff val="80000"/>
+                </a:schemeClr>
+              </a:solidFill>
+              <a:ln w="19050" cap="flat">
+                <a:solidFill>
+                  <a:schemeClr val="tx1"/>
+                </a:solidFill>
+                <a:miter lim="800000"/>
+              </a:ln>
+              <a:effectLst>
+                <a:outerShdw blurRad="50800" dist="38100" dir="2700000" algn="tl" rotWithShape="0">
+                  <a:prstClr val="black">
+                    <a:alpha val="40000"/>
+                  </a:prstClr>
+                </a:outerShdw>
+              </a:effectLst>
+            </p:spPr>
+            <p:style>
+              <a:lnRef idx="2">
+                <a:schemeClr val="accent1">
+                  <a:shade val="50000"/>
+                </a:schemeClr>
+              </a:lnRef>
+              <a:fillRef idx="1">
+                <a:schemeClr val="accent1"/>
+              </a:fillRef>
+              <a:effectRef idx="0">
+                <a:schemeClr val="accent1"/>
+              </a:effectRef>
+              <a:fontRef idx="minor">
+                <a:schemeClr val="lt1"/>
+              </a:fontRef>
+            </p:style>
+            <p:txBody>
+              <a:bodyPr rot="0" spcFirstLastPara="0" vertOverflow="overflow" horzOverflow="overflow" vert="horz" wrap="square" lIns="73152" tIns="73152" rIns="73152" bIns="73152" numCol="1" spcCol="0" rtlCol="0" fromWordArt="0" anchor="ctr" anchorCtr="0" forceAA="0" compatLnSpc="1">
+                <a:prstTxWarp prst="textNoShape">
+                  <a:avLst/>
+                </a:prstTxWarp>
+                <a:noAutofit/>
+              </a:bodyPr>
+              <a:lstStyle/>
+              <a:p>
+                <a:pPr algn="ctr"/>
+                <a:r>
+                  <a:rPr lang="en-CN" sz="1400" b="1" dirty="0">
+                    <a:solidFill>
+                      <a:sysClr val="windowText" lastClr="000000"/>
+                    </a:solidFill>
+                    <a:latin typeface="Times New Roman" panose="02020603050405020304" pitchFamily="18" charset="0"/>
+                    <a:cs typeface="Times New Roman" panose="02020603050405020304" pitchFamily="18" charset="0"/>
+                  </a:rPr>
+                  <a:t>Regression Modeling</a:t>
+                </a:r>
+              </a:p>
+            </p:txBody>
+          </p:sp>
+          <p:sp>
+            <p:nvSpPr>
+              <p:cNvPr id="54" name="Rounded Rectangle 53">
+                <a:extLst>
+                  <a:ext uri="{FF2B5EF4-FFF2-40B4-BE49-F238E27FC236}">
+                    <a16:creationId xmlns:a16="http://schemas.microsoft.com/office/drawing/2014/main" id="{9F4C6E23-6731-B342-AF61-199A1D1B4EB2}"/>
+                  </a:ext>
+                </a:extLst>
+              </p:cNvPr>
+              <p:cNvSpPr/>
+              <p:nvPr/>
+            </p:nvSpPr>
+            <p:spPr>
+              <a:xfrm>
+                <a:off x="6000379" y="3066574"/>
+                <a:ext cx="1988141" cy="539301"/>
+              </a:xfrm>
+              <a:prstGeom prst="roundRect">
+                <a:avLst>
+                  <a:gd name="adj" fmla="val 10252"/>
+                </a:avLst>
+              </a:prstGeom>
+              <a:solidFill>
+                <a:schemeClr val="accent1">
+                  <a:lumMod val="20000"/>
+                  <a:lumOff val="80000"/>
+                </a:schemeClr>
+              </a:solidFill>
+              <a:ln w="19050" cap="flat">
+                <a:solidFill>
+                  <a:schemeClr val="tx1"/>
+                </a:solidFill>
+                <a:miter lim="800000"/>
+              </a:ln>
+              <a:effectLst>
+                <a:outerShdw blurRad="50800" dist="38100" dir="2700000" algn="tl" rotWithShape="0">
+                  <a:prstClr val="black">
+                    <a:alpha val="40000"/>
+                  </a:prstClr>
+                </a:outerShdw>
+              </a:effectLst>
+            </p:spPr>
+            <p:style>
+              <a:lnRef idx="2">
+                <a:schemeClr val="accent1">
+                  <a:shade val="50000"/>
+                </a:schemeClr>
+              </a:lnRef>
+              <a:fillRef idx="1">
+                <a:schemeClr val="accent1"/>
+              </a:fillRef>
+              <a:effectRef idx="0">
+                <a:schemeClr val="accent1"/>
+              </a:effectRef>
+              <a:fontRef idx="minor">
+                <a:schemeClr val="lt1"/>
+              </a:fontRef>
+            </p:style>
+            <p:txBody>
+              <a:bodyPr rot="0" spcFirstLastPara="0" vertOverflow="overflow" horzOverflow="overflow" vert="horz" wrap="square" lIns="73152" tIns="73152" rIns="73152" bIns="73152" numCol="1" spcCol="0" rtlCol="0" fromWordArt="0" anchor="ctr" anchorCtr="0" forceAA="0" compatLnSpc="1">
+                <a:prstTxWarp prst="textNoShape">
+                  <a:avLst/>
+                </a:prstTxWarp>
+                <a:noAutofit/>
+              </a:bodyPr>
+              <a:lstStyle/>
+              <a:p>
+                <a:pPr algn="ctr"/>
+                <a:r>
+                  <a:rPr lang="en-CN" sz="1400" b="1" dirty="0">
+                    <a:solidFill>
+                      <a:sysClr val="windowText" lastClr="000000"/>
+                    </a:solidFill>
+                    <a:latin typeface="Times New Roman" panose="02020603050405020304" pitchFamily="18" charset="0"/>
+                    <a:cs typeface="Times New Roman" panose="02020603050405020304" pitchFamily="18" charset="0"/>
+                  </a:rPr>
+                  <a:t>Classification Modeling</a:t>
+                </a:r>
+              </a:p>
+            </p:txBody>
+          </p:sp>
+          <p:sp>
+            <p:nvSpPr>
+              <p:cNvPr id="74" name="Rounded Rectangle 73">
+                <a:extLst>
+                  <a:ext uri="{FF2B5EF4-FFF2-40B4-BE49-F238E27FC236}">
+                    <a16:creationId xmlns:a16="http://schemas.microsoft.com/office/drawing/2014/main" id="{12E7D3BC-1279-A646-986A-BA1E3B435FB5}"/>
+                  </a:ext>
+                </a:extLst>
+              </p:cNvPr>
+              <p:cNvSpPr/>
+              <p:nvPr/>
+            </p:nvSpPr>
+            <p:spPr>
+              <a:xfrm>
+                <a:off x="3552764" y="4088801"/>
+                <a:ext cx="1988141" cy="543186"/>
+              </a:xfrm>
+              <a:prstGeom prst="roundRect">
+                <a:avLst>
+                  <a:gd name="adj" fmla="val 0"/>
+                </a:avLst>
+              </a:prstGeom>
+              <a:solidFill>
+                <a:schemeClr val="tx2">
+                  <a:lumMod val="20000"/>
+                  <a:lumOff val="80000"/>
+                </a:schemeClr>
+              </a:solidFill>
+              <a:ln w="19050" cap="flat">
+                <a:solidFill>
+                  <a:schemeClr val="tx1"/>
+                </a:solidFill>
+                <a:miter lim="800000"/>
+              </a:ln>
+              <a:effectLst>
+                <a:outerShdw blurRad="50800" dist="38100" dir="2700000" algn="tl" rotWithShape="0">
+                  <a:prstClr val="black">
+                    <a:alpha val="40000"/>
+                  </a:prstClr>
+                </a:outerShdw>
+              </a:effectLst>
+            </p:spPr>
+            <p:style>
+              <a:lnRef idx="2">
+                <a:schemeClr val="accent1">
+                  <a:shade val="50000"/>
+                </a:schemeClr>
+              </a:lnRef>
+              <a:fillRef idx="1">
+                <a:schemeClr val="accent1"/>
+              </a:fillRef>
+              <a:effectRef idx="0">
+                <a:schemeClr val="accent1"/>
+              </a:effectRef>
+              <a:fontRef idx="minor">
+                <a:schemeClr val="lt1"/>
+              </a:fontRef>
+            </p:style>
+            <p:txBody>
+              <a:bodyPr rot="0" spcFirstLastPara="0" vertOverflow="overflow" horzOverflow="overflow" vert="horz" wrap="square" lIns="73152" tIns="73152" rIns="73152" bIns="73152" numCol="1" spcCol="0" rtlCol="0" fromWordArt="0" anchor="ctr" anchorCtr="0" forceAA="0" compatLnSpc="1">
+                <a:prstTxWarp prst="textNoShape">
+                  <a:avLst/>
+                </a:prstTxWarp>
+                <a:noAutofit/>
+              </a:bodyPr>
+              <a:lstStyle/>
+              <a:p>
+                <a:pPr algn="ctr"/>
+                <a:r>
+                  <a:rPr lang="en-CN" sz="1400" b="1" dirty="0">
+                    <a:solidFill>
+                      <a:sysClr val="windowText" lastClr="000000"/>
+                    </a:solidFill>
+                    <a:latin typeface="Times New Roman" panose="02020603050405020304" pitchFamily="18" charset="0"/>
+                    <a:cs typeface="Times New Roman" panose="02020603050405020304" pitchFamily="18" charset="0"/>
+                  </a:rPr>
+                  <a:t>Return Prediction</a:t>
+                </a:r>
+              </a:p>
+            </p:txBody>
+          </p:sp>
+          <p:sp>
+            <p:nvSpPr>
+              <p:cNvPr id="75" name="Rounded Rectangle 74">
+                <a:extLst>
+                  <a:ext uri="{FF2B5EF4-FFF2-40B4-BE49-F238E27FC236}">
+                    <a16:creationId xmlns:a16="http://schemas.microsoft.com/office/drawing/2014/main" id="{E6781791-E31B-F844-8620-F9B8E0C1B1AD}"/>
+                  </a:ext>
+                </a:extLst>
+              </p:cNvPr>
+              <p:cNvSpPr/>
+              <p:nvPr/>
+            </p:nvSpPr>
+            <p:spPr>
+              <a:xfrm>
+                <a:off x="6002340" y="4088801"/>
+                <a:ext cx="1988141" cy="543186"/>
+              </a:xfrm>
+              <a:prstGeom prst="roundRect">
+                <a:avLst>
+                  <a:gd name="adj" fmla="val 0"/>
+                </a:avLst>
+              </a:prstGeom>
+              <a:solidFill>
+                <a:schemeClr val="accent1">
+                  <a:lumMod val="20000"/>
+                  <a:lumOff val="80000"/>
+                </a:schemeClr>
+              </a:solidFill>
+              <a:ln w="19050" cap="flat">
+                <a:solidFill>
+                  <a:schemeClr val="tx1"/>
+                </a:solidFill>
+                <a:miter lim="800000"/>
+              </a:ln>
+              <a:effectLst>
+                <a:outerShdw blurRad="50800" dist="38100" dir="2700000" algn="tl" rotWithShape="0">
+                  <a:prstClr val="black">
+                    <a:alpha val="40000"/>
+                  </a:prstClr>
+                </a:outerShdw>
+              </a:effectLst>
+            </p:spPr>
+            <p:style>
+              <a:lnRef idx="2">
+                <a:schemeClr val="accent1">
+                  <a:shade val="50000"/>
+                </a:schemeClr>
+              </a:lnRef>
+              <a:fillRef idx="1">
+                <a:schemeClr val="accent1"/>
+              </a:fillRef>
+              <a:effectRef idx="0">
+                <a:schemeClr val="accent1"/>
+              </a:effectRef>
+              <a:fontRef idx="minor">
+                <a:schemeClr val="lt1"/>
+              </a:fontRef>
+            </p:style>
+            <p:txBody>
+              <a:bodyPr rot="0" spcFirstLastPara="0" vertOverflow="overflow" horzOverflow="overflow" vert="horz" wrap="square" lIns="73152" tIns="73152" rIns="73152" bIns="73152" numCol="1" spcCol="0" rtlCol="0" fromWordArt="0" anchor="ctr" anchorCtr="0" forceAA="0" compatLnSpc="1">
+                <a:prstTxWarp prst="textNoShape">
+                  <a:avLst/>
+                </a:prstTxWarp>
+                <a:noAutofit/>
+              </a:bodyPr>
+              <a:lstStyle/>
+              <a:p>
+                <a:pPr algn="ctr"/>
+                <a:r>
+                  <a:rPr lang="en-CN" sz="1400" b="1" dirty="0">
+                    <a:solidFill>
+                      <a:sysClr val="windowText" lastClr="000000"/>
+                    </a:solidFill>
+                    <a:latin typeface="Times New Roman" panose="02020603050405020304" pitchFamily="18" charset="0"/>
+                    <a:cs typeface="Times New Roman" panose="02020603050405020304" pitchFamily="18" charset="0"/>
+                  </a:rPr>
+                  <a:t>Discrete Prediction</a:t>
+                </a:r>
+              </a:p>
+            </p:txBody>
+          </p:sp>
+        </p:grpSp>
+        <p:sp>
+          <p:nvSpPr>
+            <p:cNvPr id="94" name="Chevron 93">
+              <a:extLst>
+                <a:ext uri="{FF2B5EF4-FFF2-40B4-BE49-F238E27FC236}">
+                  <a16:creationId xmlns:a16="http://schemas.microsoft.com/office/drawing/2014/main" id="{81366AAB-6334-7145-AF60-78D95444D4D1}"/>
+                </a:ext>
+              </a:extLst>
+            </p:cNvPr>
+            <p:cNvSpPr/>
+            <p:nvPr/>
+          </p:nvSpPr>
+          <p:spPr>
+            <a:xfrm rot="5400000">
+              <a:off x="6622372" y="4763437"/>
+              <a:ext cx="254782" cy="688034"/>
+            </a:xfrm>
+            <a:prstGeom prst="chevron">
+              <a:avLst/>
+            </a:prstGeom>
+            <a:solidFill>
+              <a:schemeClr val="accent5">
+                <a:lumMod val="20000"/>
+                <a:lumOff val="80000"/>
+              </a:schemeClr>
+            </a:solidFill>
+            <a:ln w="12700" cap="flat">
+              <a:solidFill>
+                <a:schemeClr val="accent5">
+                  <a:lumMod val="20000"/>
+                  <a:lumOff val="80000"/>
+                </a:schemeClr>
+              </a:solidFill>
+              <a:miter lim="800000"/>
+            </a:ln>
+            <a:effectLst>
+              <a:outerShdw blurRad="50800" dist="38100" dir="2700000" algn="tl" rotWithShape="0">
+                <a:prstClr val="black">
+                  <a:alpha val="40000"/>
+                </a:prstClr>
+              </a:outerShdw>
+            </a:effectLst>
+          </p:spPr>
+          <p:style>
+            <a:lnRef idx="2">
+              <a:schemeClr val="accent1">
+                <a:shade val="50000"/>
+              </a:schemeClr>
+            </a:lnRef>
+            <a:fillRef idx="1">
+              <a:schemeClr val="accent1"/>
+            </a:fillRef>
+            <a:effectRef idx="0">
+              <a:schemeClr val="accent1"/>
+            </a:effectRef>
+            <a:fontRef idx="minor">
+              <a:schemeClr val="lt1"/>
+            </a:fontRef>
+          </p:style>
+          <p:txBody>
+            <a:bodyPr rot="0" spcFirstLastPara="0" vertOverflow="overflow" horzOverflow="overflow" vert="horz" wrap="square" lIns="73152" tIns="73152" rIns="73152" bIns="73152" numCol="1" spcCol="0" rtlCol="0" fromWordArt="0" anchor="ctr" anchorCtr="0" forceAA="0" compatLnSpc="1">
+              <a:prstTxWarp prst="textNoShape">
+                <a:avLst/>
+              </a:prstTxWarp>
+              <a:noAutofit/>
+            </a:bodyPr>
+            <a:lstStyle/>
+            <a:p>
+              <a:pPr algn="ctr">
+                <a:lnSpc>
+                  <a:spcPct val="90000"/>
+                </a:lnSpc>
+              </a:pPr>
+              <a:endParaRPr lang="en-CN" sz="1400" dirty="0" err="1">
+                <a:solidFill>
+                  <a:sysClr val="windowText" lastClr="000000"/>
+                </a:solidFill>
+                <a:latin typeface="Arial" pitchFamily="34" charset="0"/>
+                <a:cs typeface="Arial" pitchFamily="34" charset="0"/>
+              </a:endParaRPr>
+            </a:p>
+          </p:txBody>
+        </p:sp>
+        <p:sp>
+          <p:nvSpPr>
+            <p:cNvPr id="96" name="Rounded Rectangle 95">
+              <a:extLst>
+                <a:ext uri="{FF2B5EF4-FFF2-40B4-BE49-F238E27FC236}">
+                  <a16:creationId xmlns:a16="http://schemas.microsoft.com/office/drawing/2014/main" id="{CF565C7C-5305-0C43-A3FE-803DE74831A8}"/>
+                </a:ext>
+              </a:extLst>
+            </p:cNvPr>
+            <p:cNvSpPr/>
+            <p:nvPr/>
+          </p:nvSpPr>
+          <p:spPr>
+            <a:xfrm>
+              <a:off x="5530620" y="5350748"/>
+              <a:ext cx="2438289" cy="543186"/>
+            </a:xfrm>
+            <a:prstGeom prst="roundRect">
+              <a:avLst>
+                <a:gd name="adj" fmla="val 10252"/>
+              </a:avLst>
+            </a:prstGeom>
+            <a:solidFill>
+              <a:schemeClr val="bg2">
+                <a:lumMod val="20000"/>
+                <a:lumOff val="80000"/>
+              </a:schemeClr>
+            </a:solidFill>
+            <a:ln w="19050" cap="flat">
+              <a:solidFill>
+                <a:schemeClr val="tx1"/>
+              </a:solidFill>
+              <a:miter lim="800000"/>
+            </a:ln>
+            <a:effectLst>
+              <a:outerShdw blurRad="50800" dist="38100" dir="2700000" algn="tl" rotWithShape="0">
+                <a:prstClr val="black">
+                  <a:alpha val="40000"/>
+                </a:prstClr>
+              </a:outerShdw>
+            </a:effectLst>
+          </p:spPr>
+          <p:style>
+            <a:lnRef idx="2">
+              <a:schemeClr val="accent1">
+                <a:shade val="50000"/>
+              </a:schemeClr>
+            </a:lnRef>
+            <a:fillRef idx="1">
+              <a:schemeClr val="accent1"/>
+            </a:fillRef>
+            <a:effectRef idx="0">
+              <a:schemeClr val="accent1"/>
+            </a:effectRef>
+            <a:fontRef idx="minor">
+              <a:schemeClr val="lt1"/>
+            </a:fontRef>
+          </p:style>
+          <p:txBody>
+            <a:bodyPr rot="0" spcFirstLastPara="0" vertOverflow="overflow" horzOverflow="overflow" vert="horz" wrap="square" lIns="73152" tIns="73152" rIns="73152" bIns="73152" numCol="1" spcCol="0" rtlCol="0" fromWordArt="0" anchor="ctr" anchorCtr="0" forceAA="0" compatLnSpc="1">
+              <a:prstTxWarp prst="textNoShape">
+                <a:avLst/>
+              </a:prstTxWarp>
+              <a:noAutofit/>
+            </a:bodyPr>
+            <a:lstStyle/>
+            <a:p>
+              <a:pPr algn="ctr"/>
+              <a:r>
+                <a:rPr lang="en-CN" sz="1400" b="1" i="1" dirty="0">
+                  <a:solidFill>
+                    <a:sysClr val="windowText" lastClr="000000"/>
+                  </a:solidFill>
+                  <a:latin typeface="Times New Roman" panose="02020603050405020304" pitchFamily="18" charset="0"/>
+                  <a:cs typeface="Times New Roman" panose="02020603050405020304" pitchFamily="18" charset="0"/>
+                </a:rPr>
+                <a:t>F1 Score &amp; ACC</a:t>
+              </a:r>
+            </a:p>
+          </p:txBody>
+        </p:sp>
+        <p:cxnSp>
+          <p:nvCxnSpPr>
+            <p:cNvPr id="81" name="Straight Arrow Connector 80">
+              <a:extLst>
+                <a:ext uri="{FF2B5EF4-FFF2-40B4-BE49-F238E27FC236}">
+                  <a16:creationId xmlns:a16="http://schemas.microsoft.com/office/drawing/2014/main" id="{6B895BFF-06B1-3345-860B-A44E7EBF07F6}"/>
+                </a:ext>
+              </a:extLst>
+            </p:cNvPr>
+            <p:cNvCxnSpPr>
+              <a:stCxn id="33" idx="2"/>
+              <a:endCxn id="74" idx="0"/>
+            </p:cNvCxnSpPr>
+            <p:nvPr/>
+          </p:nvCxnSpPr>
+          <p:spPr>
+            <a:xfrm flipH="1">
+              <a:off x="5521293" y="3780051"/>
+              <a:ext cx="1" cy="482926"/>
+            </a:xfrm>
+            <a:prstGeom prst="straightConnector1">
+              <a:avLst/>
+            </a:prstGeom>
+            <a:ln w="19050" cap="flat">
+              <a:solidFill>
+                <a:schemeClr val="tx1"/>
+              </a:solidFill>
+              <a:miter lim="800000"/>
+              <a:headEnd type="none" w="med" len="med"/>
+              <a:tailEnd type="stealth" w="lg" len="lg"/>
+            </a:ln>
+          </p:spPr>
+          <p:style>
+            <a:lnRef idx="1">
+              <a:schemeClr val="accent1"/>
+            </a:lnRef>
+            <a:fillRef idx="0">
+              <a:schemeClr val="accent1"/>
+            </a:fillRef>
+            <a:effectRef idx="0">
+              <a:schemeClr val="accent1"/>
+            </a:effectRef>
+            <a:fontRef idx="minor">
+              <a:schemeClr val="tx1"/>
+            </a:fontRef>
+          </p:style>
+        </p:cxnSp>
+        <p:cxnSp>
+          <p:nvCxnSpPr>
+            <p:cNvPr id="97" name="Straight Arrow Connector 96">
+              <a:extLst>
+                <a:ext uri="{FF2B5EF4-FFF2-40B4-BE49-F238E27FC236}">
+                  <a16:creationId xmlns:a16="http://schemas.microsoft.com/office/drawing/2014/main" id="{5C70DF66-6346-6C4A-9563-3BAB4152653A}"/>
+                </a:ext>
+              </a:extLst>
+            </p:cNvPr>
+            <p:cNvCxnSpPr>
+              <a:cxnSpLocks/>
+              <a:stCxn id="54" idx="2"/>
+              <a:endCxn id="75" idx="0"/>
+            </p:cNvCxnSpPr>
+            <p:nvPr/>
+          </p:nvCxnSpPr>
+          <p:spPr>
+            <a:xfrm>
+              <a:off x="7968908" y="3780051"/>
+              <a:ext cx="1961" cy="482926"/>
+            </a:xfrm>
+            <a:prstGeom prst="straightConnector1">
+              <a:avLst/>
+            </a:prstGeom>
+            <a:ln w="19050" cap="flat">
+              <a:solidFill>
+                <a:schemeClr val="tx1"/>
+              </a:solidFill>
+              <a:miter lim="800000"/>
+              <a:headEnd type="none" w="med" len="med"/>
+              <a:tailEnd type="stealth" w="lg" len="lg"/>
+            </a:ln>
+          </p:spPr>
+          <p:style>
+            <a:lnRef idx="1">
+              <a:schemeClr val="accent1"/>
+            </a:lnRef>
+            <a:fillRef idx="0">
+              <a:schemeClr val="accent1"/>
+            </a:fillRef>
+            <a:effectRef idx="0">
+              <a:schemeClr val="accent1"/>
+            </a:effectRef>
+            <a:fontRef idx="minor">
+              <a:schemeClr val="tx1"/>
+            </a:fontRef>
+          </p:style>
+        </p:cxnSp>
+        <p:sp>
+          <p:nvSpPr>
+            <p:cNvPr id="100" name="Rectangle 99">
+              <a:extLst>
+                <a:ext uri="{FF2B5EF4-FFF2-40B4-BE49-F238E27FC236}">
+                  <a16:creationId xmlns:a16="http://schemas.microsoft.com/office/drawing/2014/main" id="{CF99DE63-F1FA-B84B-9C19-1B0D576A7CA1}"/>
+                </a:ext>
+              </a:extLst>
+            </p:cNvPr>
+            <p:cNvSpPr/>
+            <p:nvPr/>
+          </p:nvSpPr>
+          <p:spPr>
+            <a:xfrm>
+              <a:off x="530718" y="1161542"/>
+              <a:ext cx="9066004" cy="4932548"/>
+            </a:xfrm>
+            <a:prstGeom prst="rect">
+              <a:avLst/>
+            </a:prstGeom>
+            <a:noFill/>
+            <a:ln w="19050" cap="flat">
+              <a:solidFill>
+                <a:schemeClr val="tx1"/>
+              </a:solidFill>
+              <a:prstDash val="dash"/>
+              <a:miter lim="800000"/>
+            </a:ln>
+          </p:spPr>
+          <p:style>
+            <a:lnRef idx="2">
+              <a:schemeClr val="accent1">
+                <a:shade val="50000"/>
+              </a:schemeClr>
+            </a:lnRef>
+            <a:fillRef idx="1">
+              <a:schemeClr val="accent1"/>
+            </a:fillRef>
+            <a:effectRef idx="0">
+              <a:schemeClr val="accent1"/>
+            </a:effectRef>
+            <a:fontRef idx="minor">
+              <a:schemeClr val="lt1"/>
+            </a:fontRef>
+          </p:style>
+          <p:txBody>
+            <a:bodyPr rot="0" spcFirstLastPara="0" vertOverflow="overflow" horzOverflow="overflow" vert="horz" wrap="square" lIns="73152" tIns="73152" rIns="73152" bIns="73152" numCol="1" spcCol="0" rtlCol="0" fromWordArt="0" anchor="ctr" anchorCtr="0" forceAA="0" compatLnSpc="1">
+              <a:prstTxWarp prst="textNoShape">
+                <a:avLst/>
+              </a:prstTxWarp>
+              <a:noAutofit/>
+            </a:bodyPr>
+            <a:lstStyle/>
+            <a:p>
+              <a:pPr algn="ctr">
+                <a:lnSpc>
+                  <a:spcPct val="90000"/>
+                </a:lnSpc>
+                <a:spcBef>
+                  <a:spcPts val="900"/>
+                </a:spcBef>
+              </a:pPr>
+              <a:endParaRPr lang="en-CN" sz="1400" dirty="0" err="1">
+                <a:solidFill>
+                  <a:schemeClr val="bg1"/>
+                </a:solidFill>
+                <a:latin typeface="Arial" pitchFamily="34" charset="0"/>
+                <a:cs typeface="Arial" pitchFamily="34" charset="0"/>
+              </a:endParaRPr>
+            </a:p>
+          </p:txBody>
+        </p:sp>
+        <p:sp>
+          <p:nvSpPr>
+            <p:cNvPr id="104" name="Rounded Rectangle 103">
+              <a:extLst>
+                <a:ext uri="{FF2B5EF4-FFF2-40B4-BE49-F238E27FC236}">
+                  <a16:creationId xmlns:a16="http://schemas.microsoft.com/office/drawing/2014/main" id="{C5DB0606-7B7C-024B-B635-6C7720899E00}"/>
+                </a:ext>
+              </a:extLst>
+            </p:cNvPr>
+            <p:cNvSpPr/>
+            <p:nvPr/>
+          </p:nvSpPr>
+          <p:spPr>
+            <a:xfrm>
+              <a:off x="842595" y="4662488"/>
+              <a:ext cx="2456940" cy="586884"/>
+            </a:xfrm>
+            <a:prstGeom prst="roundRect">
+              <a:avLst>
+                <a:gd name="adj" fmla="val 0"/>
+              </a:avLst>
+            </a:prstGeom>
+            <a:solidFill>
+              <a:schemeClr val="accent5">
+                <a:lumMod val="20000"/>
+                <a:lumOff val="80000"/>
+              </a:schemeClr>
+            </a:solidFill>
+            <a:ln w="19050" cap="flat">
+              <a:solidFill>
+                <a:schemeClr val="tx1"/>
+              </a:solidFill>
+              <a:prstDash val="solid"/>
+              <a:miter lim="800000"/>
+            </a:ln>
+            <a:effectLst/>
+          </p:spPr>
+          <p:style>
+            <a:lnRef idx="2">
+              <a:schemeClr val="accent1">
+                <a:shade val="50000"/>
+              </a:schemeClr>
+            </a:lnRef>
+            <a:fillRef idx="1">
+              <a:schemeClr val="accent1"/>
+            </a:fillRef>
+            <a:effectRef idx="0">
+              <a:schemeClr val="accent1"/>
+            </a:effectRef>
+            <a:fontRef idx="minor">
+              <a:schemeClr val="lt1"/>
+            </a:fontRef>
+          </p:style>
+          <p:txBody>
+            <a:bodyPr rot="0" spcFirstLastPara="0" vertOverflow="overflow" horzOverflow="overflow" vert="horz" wrap="square" lIns="73152" tIns="73152" rIns="73152" bIns="73152" numCol="1" spcCol="0" rtlCol="0" fromWordArt="0" anchor="ctr" anchorCtr="0" forceAA="0" compatLnSpc="1">
+              <a:prstTxWarp prst="textNoShape">
+                <a:avLst/>
+              </a:prstTxWarp>
+              <a:noAutofit/>
+            </a:bodyPr>
+            <a:lstStyle/>
+            <a:p>
+              <a:pPr algn="ctr"/>
+              <a:r>
+                <a:rPr lang="en-US" sz="1400" dirty="0">
+                  <a:solidFill>
+                    <a:schemeClr val="tx1"/>
+                  </a:solidFill>
+                  <a:latin typeface="Times New Roman" panose="02020603050405020304" pitchFamily="18" charset="0"/>
+                  <a:cs typeface="Times New Roman" panose="02020603050405020304" pitchFamily="18" charset="0"/>
+                </a:rPr>
+                <a:t>All Samples to Train/Valid/Test</a:t>
+              </a:r>
+            </a:p>
+            <a:p>
+              <a:pPr algn="ctr"/>
+              <a:r>
+                <a:rPr lang="en-CN" sz="1200" b="0" i="0" u="none" strike="noStrike" dirty="0">
+                  <a:solidFill>
+                    <a:srgbClr val="191B1F"/>
+                  </a:solidFill>
+                  <a:effectLst/>
+                  <a:latin typeface="-apple-system"/>
+                </a:rPr>
+                <a:t>➸</a:t>
+              </a:r>
+              <a:r>
+                <a:rPr lang="en-US" sz="1400" dirty="0">
+                  <a:solidFill>
+                    <a:schemeClr val="tx1"/>
+                  </a:solidFill>
+                  <a:latin typeface="Times New Roman" panose="02020603050405020304" pitchFamily="18" charset="0"/>
+                  <a:cs typeface="Times New Roman" panose="02020603050405020304" pitchFamily="18" charset="0"/>
+                </a:rPr>
+                <a:t> </a:t>
+              </a:r>
+              <a:r>
+                <a:rPr lang="en-US" sz="1400" b="1" dirty="0">
+                  <a:solidFill>
+                    <a:schemeClr val="tx1"/>
+                  </a:solidFill>
+                  <a:latin typeface="Times New Roman" panose="02020603050405020304" pitchFamily="18" charset="0"/>
+                  <a:cs typeface="Times New Roman" panose="02020603050405020304" pitchFamily="18" charset="0"/>
+                </a:rPr>
+                <a:t>In-Sample Modeling</a:t>
+              </a:r>
+              <a:endParaRPr lang="en-CN" sz="1400" b="1" dirty="0">
+                <a:solidFill>
+                  <a:schemeClr val="tx1"/>
+                </a:solidFill>
+                <a:latin typeface="Times New Roman" panose="02020603050405020304" pitchFamily="18" charset="0"/>
+                <a:cs typeface="Times New Roman" panose="02020603050405020304" pitchFamily="18" charset="0"/>
+              </a:endParaRPr>
+            </a:p>
+          </p:txBody>
+        </p:sp>
+        <p:sp>
+          <p:nvSpPr>
+            <p:cNvPr id="105" name="Rounded Rectangle 104">
+              <a:extLst>
+                <a:ext uri="{FF2B5EF4-FFF2-40B4-BE49-F238E27FC236}">
+                  <a16:creationId xmlns:a16="http://schemas.microsoft.com/office/drawing/2014/main" id="{C152BA4E-C2FC-814B-9EE2-330616475EA4}"/>
+                </a:ext>
+              </a:extLst>
+            </p:cNvPr>
+            <p:cNvSpPr/>
+            <p:nvPr/>
+          </p:nvSpPr>
+          <p:spPr>
+            <a:xfrm>
+              <a:off x="842595" y="5316536"/>
+              <a:ext cx="2456942" cy="586884"/>
+            </a:xfrm>
+            <a:prstGeom prst="roundRect">
+              <a:avLst>
+                <a:gd name="adj" fmla="val 0"/>
+              </a:avLst>
+            </a:prstGeom>
+            <a:solidFill>
+              <a:schemeClr val="accent5">
+                <a:lumMod val="40000"/>
+                <a:lumOff val="60000"/>
+              </a:schemeClr>
+            </a:solidFill>
+            <a:ln w="19050" cap="flat">
+              <a:solidFill>
+                <a:schemeClr val="tx1"/>
+              </a:solidFill>
+              <a:prstDash val="solid"/>
+              <a:miter lim="800000"/>
+            </a:ln>
+            <a:effectLst/>
+          </p:spPr>
+          <p:style>
+            <a:lnRef idx="2">
+              <a:schemeClr val="accent1">
+                <a:shade val="50000"/>
+              </a:schemeClr>
+            </a:lnRef>
+            <a:fillRef idx="1">
+              <a:schemeClr val="accent1"/>
+            </a:fillRef>
+            <a:effectRef idx="0">
+              <a:schemeClr val="accent1"/>
+            </a:effectRef>
+            <a:fontRef idx="minor">
+              <a:schemeClr val="lt1"/>
+            </a:fontRef>
+          </p:style>
+          <p:txBody>
+            <a:bodyPr rot="0" spcFirstLastPara="0" vertOverflow="overflow" horzOverflow="overflow" vert="horz" wrap="square" lIns="73152" tIns="73152" rIns="73152" bIns="73152" numCol="1" spcCol="0" rtlCol="0" fromWordArt="0" anchor="ctr" anchorCtr="0" forceAA="0" compatLnSpc="1">
+              <a:prstTxWarp prst="textNoShape">
+                <a:avLst/>
+              </a:prstTxWarp>
+              <a:noAutofit/>
+            </a:bodyPr>
+            <a:lstStyle/>
+            <a:p>
+              <a:pPr algn="ctr"/>
+              <a:r>
+                <a:rPr lang="en-US" sz="1400" dirty="0">
+                  <a:solidFill>
+                    <a:schemeClr val="tx1"/>
+                  </a:solidFill>
+                  <a:latin typeface="Times New Roman" panose="02020603050405020304" pitchFamily="18" charset="0"/>
+                  <a:cs typeface="Times New Roman" panose="02020603050405020304" pitchFamily="18" charset="0"/>
+                </a:rPr>
+                <a:t>Split to Train/Valid/Test</a:t>
+              </a:r>
+            </a:p>
+            <a:p>
+              <a:pPr algn="ctr"/>
+              <a:r>
+                <a:rPr lang="en-CN" sz="1200" b="0" i="0" u="none" strike="noStrike" dirty="0">
+                  <a:solidFill>
+                    <a:srgbClr val="191B1F"/>
+                  </a:solidFill>
+                  <a:effectLst/>
+                  <a:latin typeface="-apple-system"/>
+                </a:rPr>
+                <a:t>➸</a:t>
+              </a:r>
+              <a:r>
+                <a:rPr lang="en-US" sz="1400" dirty="0">
+                  <a:solidFill>
+                    <a:schemeClr val="tx1"/>
+                  </a:solidFill>
+                  <a:latin typeface="Times New Roman" panose="02020603050405020304" pitchFamily="18" charset="0"/>
+                  <a:cs typeface="Times New Roman" panose="02020603050405020304" pitchFamily="18" charset="0"/>
+                </a:rPr>
+                <a:t> </a:t>
+              </a:r>
+              <a:r>
+                <a:rPr lang="en-US" sz="1400" b="1" dirty="0">
+                  <a:solidFill>
+                    <a:schemeClr val="tx1"/>
+                  </a:solidFill>
+                  <a:latin typeface="Times New Roman" panose="02020603050405020304" pitchFamily="18" charset="0"/>
+                  <a:cs typeface="Times New Roman" panose="02020603050405020304" pitchFamily="18" charset="0"/>
+                </a:rPr>
+                <a:t>Out-Sample Modeling</a:t>
+              </a:r>
+              <a:endParaRPr lang="en-CN" sz="1400" b="1" dirty="0">
+                <a:solidFill>
+                  <a:schemeClr val="tx1"/>
+                </a:solidFill>
+                <a:latin typeface="Times New Roman" panose="02020603050405020304" pitchFamily="18" charset="0"/>
+                <a:cs typeface="Times New Roman" panose="02020603050405020304" pitchFamily="18" charset="0"/>
+              </a:endParaRPr>
+            </a:p>
+          </p:txBody>
+        </p:sp>
+      </p:grpSp>
+      <p:sp>
+        <p:nvSpPr>
+          <p:cNvPr id="107" name="文本占位符 8">
+            <a:extLst>
+              <a:ext uri="{FF2B5EF4-FFF2-40B4-BE49-F238E27FC236}">
+                <a16:creationId xmlns:a16="http://schemas.microsoft.com/office/drawing/2014/main" id="{7A2E5D69-9076-4B4C-A1EA-BDDF9C38CBC2}"/>
+              </a:ext>
+            </a:extLst>
+          </p:cNvPr>
+          <p:cNvSpPr txBox="1">
+            <a:spLocks/>
+          </p:cNvSpPr>
+          <p:nvPr/>
+        </p:nvSpPr>
+        <p:spPr>
+          <a:xfrm>
+            <a:off x="1633072" y="6393981"/>
+            <a:ext cx="6631264" cy="215444"/>
+          </a:xfrm>
+          <a:prstGeom prst="rect">
+            <a:avLst/>
+          </a:prstGeom>
+          <a:noFill/>
+          <a:ln w="6350">
+            <a:noFill/>
+            <a:miter lim="800000"/>
+          </a:ln>
+        </p:spPr>
+        <p:txBody>
+          <a:bodyPr vert="horz" wrap="square" lIns="0" tIns="0" rIns="0" bIns="0" rtlCol="0" anchor="b" anchorCtr="0">
+            <a:spAutoFit/>
+          </a:bodyPr>
+          <a:lstStyle>
+            <a:lvl1pPr marL="0" indent="0" algn="l" defTabSz="957925" rtl="0" eaLnBrk="1" latinLnBrk="0" hangingPunct="1">
+              <a:lnSpc>
+                <a:spcPct val="90000"/>
+              </a:lnSpc>
+              <a:spcBef>
+                <a:spcPts val="0"/>
+              </a:spcBef>
+              <a:buClr>
+                <a:schemeClr val="bg2"/>
+              </a:buClr>
+              <a:buSzPct val="100000"/>
+              <a:buFont typeface="Arial" pitchFamily="34" charset="0"/>
+              <a:buNone/>
+              <a:defRPr sz="1500" kern="1200">
+                <a:solidFill>
+                  <a:schemeClr val="tx1"/>
+                </a:solidFill>
+                <a:latin typeface="Palatino Linotype" panose="02040502050505030304" pitchFamily="18" charset="0"/>
+                <a:ea typeface="+mn-ea"/>
+                <a:cs typeface="Arial" pitchFamily="34" charset="0"/>
+              </a:defRPr>
+            </a:lvl1pPr>
+            <a:lvl2pPr marL="191585" indent="0" algn="l" defTabSz="957925" rtl="0" eaLnBrk="1" latinLnBrk="0" hangingPunct="1">
+              <a:lnSpc>
+                <a:spcPct val="90000"/>
+              </a:lnSpc>
+              <a:spcBef>
+                <a:spcPts val="943"/>
+              </a:spcBef>
+              <a:buClr>
+                <a:schemeClr val="bg2"/>
+              </a:buClr>
+              <a:buFont typeface="Arial" pitchFamily="34" charset="0"/>
+              <a:buNone/>
+              <a:defRPr sz="1000" kern="1200">
+                <a:solidFill>
+                  <a:schemeClr val="tx1"/>
+                </a:solidFill>
+                <a:latin typeface="Palatino Linotype" panose="02040502050505030304" pitchFamily="18" charset="0"/>
+                <a:ea typeface="+mn-ea"/>
+                <a:cs typeface="Arial" pitchFamily="34" charset="0"/>
+              </a:defRPr>
+            </a:lvl2pPr>
+            <a:lvl3pPr marL="338624" indent="0" algn="l" defTabSz="957925" rtl="0" eaLnBrk="1" latinLnBrk="0" hangingPunct="1">
+              <a:lnSpc>
+                <a:spcPct val="90000"/>
+              </a:lnSpc>
+              <a:spcBef>
+                <a:spcPts val="629"/>
+              </a:spcBef>
+              <a:buClr>
+                <a:schemeClr val="bg2"/>
+              </a:buClr>
+              <a:buFont typeface="Arial" pitchFamily="34" charset="0"/>
+              <a:buNone/>
+              <a:defRPr sz="1000" kern="1200">
+                <a:solidFill>
+                  <a:schemeClr val="tx1"/>
+                </a:solidFill>
+                <a:latin typeface="Palatino Linotype" panose="02040502050505030304" pitchFamily="18" charset="0"/>
+                <a:ea typeface="+mn-ea"/>
+                <a:cs typeface="Arial" pitchFamily="34" charset="0"/>
+              </a:defRPr>
+            </a:lvl3pPr>
+            <a:lvl4pPr marL="535156" indent="0" algn="l" defTabSz="957925" rtl="0" eaLnBrk="1" latinLnBrk="0" hangingPunct="1">
+              <a:lnSpc>
+                <a:spcPct val="90000"/>
+              </a:lnSpc>
+              <a:spcBef>
+                <a:spcPts val="210"/>
+              </a:spcBef>
+              <a:buClr>
+                <a:schemeClr val="bg2"/>
+              </a:buClr>
+              <a:buFont typeface="Arial" pitchFamily="34" charset="0"/>
+              <a:buNone/>
+              <a:defRPr sz="1000" kern="1200">
+                <a:solidFill>
+                  <a:schemeClr val="tx1"/>
+                </a:solidFill>
+                <a:latin typeface="Palatino Linotype" panose="02040502050505030304" pitchFamily="18" charset="0"/>
+                <a:ea typeface="+mn-ea"/>
+                <a:cs typeface="Arial" pitchFamily="34" charset="0"/>
+              </a:defRPr>
+            </a:lvl4pPr>
+            <a:lvl5pPr marL="686388" indent="0" algn="l" defTabSz="957925" rtl="0" eaLnBrk="1" latinLnBrk="0" hangingPunct="1">
+              <a:lnSpc>
+                <a:spcPct val="90000"/>
+              </a:lnSpc>
+              <a:spcBef>
+                <a:spcPts val="105"/>
+              </a:spcBef>
+              <a:buClr>
+                <a:schemeClr val="bg2"/>
+              </a:buClr>
+              <a:buFont typeface="Arial" pitchFamily="34" charset="0"/>
+              <a:buNone/>
+              <a:defRPr sz="1000" kern="1200">
+                <a:solidFill>
+                  <a:schemeClr val="tx1"/>
+                </a:solidFill>
+                <a:latin typeface="Palatino Linotype" panose="02040502050505030304" pitchFamily="18" charset="0"/>
+                <a:ea typeface="+mn-ea"/>
+                <a:cs typeface="Arial" pitchFamily="34" charset="0"/>
+              </a:defRPr>
+            </a:lvl5pPr>
+            <a:lvl6pPr marL="2634295" indent="-239481" algn="l" defTabSz="957925" rtl="0" eaLnBrk="1" latinLnBrk="0" hangingPunct="1">
+              <a:spcBef>
+                <a:spcPct val="20000"/>
+              </a:spcBef>
+              <a:buFont typeface="Arial" pitchFamily="34" charset="0"/>
+              <a:buChar char="•"/>
+              <a:defRPr sz="2100" kern="1200">
+                <a:solidFill>
+                  <a:schemeClr val="tx1"/>
+                </a:solidFill>
+                <a:latin typeface="+mn-lt"/>
+                <a:ea typeface="+mn-ea"/>
+                <a:cs typeface="+mn-cs"/>
+              </a:defRPr>
+            </a:lvl6pPr>
+            <a:lvl7pPr marL="3113258" indent="-239481" algn="l" defTabSz="957925" rtl="0" eaLnBrk="1" latinLnBrk="0" hangingPunct="1">
+              <a:spcBef>
+                <a:spcPct val="20000"/>
+              </a:spcBef>
+              <a:buFont typeface="Arial" pitchFamily="34" charset="0"/>
+              <a:buChar char="•"/>
+              <a:defRPr sz="2100" kern="1200">
+                <a:solidFill>
+                  <a:schemeClr val="tx1"/>
+                </a:solidFill>
+                <a:latin typeface="+mn-lt"/>
+                <a:ea typeface="+mn-ea"/>
+                <a:cs typeface="+mn-cs"/>
+              </a:defRPr>
+            </a:lvl7pPr>
+            <a:lvl8pPr marL="3592220" indent="-239481" algn="l" defTabSz="957925" rtl="0" eaLnBrk="1" latinLnBrk="0" hangingPunct="1">
+              <a:spcBef>
+                <a:spcPct val="20000"/>
+              </a:spcBef>
+              <a:buFont typeface="Arial" pitchFamily="34" charset="0"/>
+              <a:buChar char="•"/>
+              <a:defRPr sz="2100" kern="1200">
+                <a:solidFill>
+                  <a:schemeClr val="tx1"/>
+                </a:solidFill>
+                <a:latin typeface="+mn-lt"/>
+                <a:ea typeface="+mn-ea"/>
+                <a:cs typeface="+mn-cs"/>
+              </a:defRPr>
+            </a:lvl8pPr>
+            <a:lvl9pPr marL="4071183" indent="-239481" algn="l" defTabSz="957925" rtl="0" eaLnBrk="1" latinLnBrk="0" hangingPunct="1">
+              <a:spcBef>
+                <a:spcPct val="20000"/>
+              </a:spcBef>
+              <a:buFont typeface="Arial" pitchFamily="34" charset="0"/>
+              <a:buChar char="•"/>
+              <a:defRPr sz="2100" kern="1200">
+                <a:solidFill>
+                  <a:schemeClr val="tx1"/>
+                </a:solidFill>
+                <a:latin typeface="+mn-lt"/>
+                <a:ea typeface="+mn-ea"/>
+                <a:cs typeface="+mn-cs"/>
+              </a:defRPr>
+            </a:lvl9pPr>
+          </a:lstStyle>
+          <a:p>
+            <a:pPr algn="ctr">
+              <a:lnSpc>
+                <a:spcPct val="100000"/>
+              </a:lnSpc>
+            </a:pPr>
+            <a:r>
+              <a:rPr lang="en-US" sz="1400" b="1" dirty="0"/>
+              <a:t>Fig </a:t>
+            </a:r>
+            <a:r>
+              <a:rPr lang="en-US" altLang="zh-CN" sz="1400" b="1" dirty="0"/>
+              <a:t>4</a:t>
+            </a:r>
+            <a:r>
+              <a:rPr lang="en-US" sz="1400" b="1" dirty="0"/>
+              <a:t>. </a:t>
+            </a:r>
+            <a:r>
+              <a:rPr lang="en-US" sz="1400" dirty="0"/>
+              <a:t>In</a:t>
+            </a:r>
+            <a:r>
+              <a:rPr lang="en-US" altLang="zh-CN" sz="1400" dirty="0"/>
+              <a:t>-Sample and Out-Sample Modeling Framework</a:t>
+            </a:r>
+            <a:r>
+              <a:rPr lang="en-US" sz="1400" dirty="0"/>
+              <a:t>. </a:t>
+            </a:r>
+          </a:p>
+        </p:txBody>
+      </p:sp>
+      <p:sp>
+        <p:nvSpPr>
+          <p:cNvPr id="108" name="TextBox 107">
+            <a:extLst>
+              <a:ext uri="{FF2B5EF4-FFF2-40B4-BE49-F238E27FC236}">
+                <a16:creationId xmlns:a16="http://schemas.microsoft.com/office/drawing/2014/main" id="{F1212D74-A70A-704B-8A9E-85FC61177B4A}"/>
+              </a:ext>
+            </a:extLst>
+          </p:cNvPr>
+          <p:cNvSpPr txBox="1"/>
+          <p:nvPr/>
+        </p:nvSpPr>
+        <p:spPr>
+          <a:xfrm>
+            <a:off x="7216697" y="5006372"/>
+            <a:ext cx="1274388" cy="430887"/>
+          </a:xfrm>
+          <a:prstGeom prst="rect">
+            <a:avLst/>
+          </a:prstGeom>
+          <a:noFill/>
+          <a:ln w="6350" cap="flat">
+            <a:noFill/>
+            <a:miter lim="800000"/>
+          </a:ln>
+        </p:spPr>
+        <p:txBody>
+          <a:bodyPr wrap="none" lIns="0" tIns="0" rIns="0" bIns="0" rtlCol="0" anchor="t" anchorCtr="0">
+            <a:spAutoFit/>
+          </a:bodyPr>
+          <a:lstStyle/>
+          <a:p>
+            <a:pPr algn="ctr">
+              <a:buClr>
+                <a:schemeClr val="bg2"/>
+              </a:buClr>
+            </a:pPr>
+            <a:r>
+              <a:rPr lang="en-CN" sz="1400" b="1" i="1" dirty="0">
+                <a:solidFill>
+                  <a:schemeClr val="accent5">
+                    <a:lumMod val="50000"/>
+                  </a:schemeClr>
+                </a:solidFill>
+                <a:latin typeface="Times New Roman" panose="02020603050405020304" pitchFamily="18" charset="0"/>
+                <a:cs typeface="Times New Roman" panose="02020603050405020304" pitchFamily="18" charset="0"/>
+              </a:rPr>
+              <a:t>Use Label to</a:t>
+            </a:r>
+          </a:p>
+          <a:p>
+            <a:pPr algn="ctr">
+              <a:buClr>
+                <a:schemeClr val="bg2"/>
+              </a:buClr>
+            </a:pPr>
+            <a:r>
+              <a:rPr lang="en-CN" sz="1400" b="1" i="1" dirty="0">
+                <a:solidFill>
+                  <a:schemeClr val="accent5">
+                    <a:lumMod val="50000"/>
+                  </a:schemeClr>
+                </a:solidFill>
+                <a:latin typeface="Times New Roman" panose="02020603050405020304" pitchFamily="18" charset="0"/>
+                <a:cs typeface="Times New Roman" panose="02020603050405020304" pitchFamily="18" charset="0"/>
+              </a:rPr>
+              <a:t>Compute Metrics</a:t>
+            </a:r>
+          </a:p>
+        </p:txBody>
+      </p:sp>
+    </p:spTree>
+    <p:extLst>
+      <p:ext uri="{BB962C8B-B14F-4D97-AF65-F5344CB8AC3E}">
+        <p14:creationId xmlns:p14="http://schemas.microsoft.com/office/powerpoint/2010/main" val="2596749729"/>
+      </p:ext>
+    </p:extLst>
+  </p:cSld>
+  <p:clrMapOvr>
+    <a:masterClrMapping/>
+  </p:clrMapOvr>
+</p:sld>
+</file>
+
+<file path=ppt/slides/slide5.xml><?xml version="1.0" encoding="utf-8"?>
 <p:sld xmlns:a="http://schemas.openxmlformats.org/drawingml/2006/main" xmlns:r="http://schemas.openxmlformats.org/officeDocument/2006/relationships" xmlns:p="http://schemas.openxmlformats.org/presentationml/2006/main">
   <p:cSld>
     <p:spTree>
@@ -39022,7 +42753,7 @@
 </p:sld>
 </file>
 
-<file path=ppt/slides/slide5.xml><?xml version="1.0" encoding="utf-8"?>
+<file path=ppt/slides/slide6.xml><?xml version="1.0" encoding="utf-8"?>
 <p:sld xmlns:a="http://schemas.openxmlformats.org/drawingml/2006/main" xmlns:r="http://schemas.openxmlformats.org/officeDocument/2006/relationships" xmlns:p="http://schemas.openxmlformats.org/presentationml/2006/main">
   <p:cSld>
     <p:spTree>
@@ -40734,7 +44465,7 @@
 </p:sld>
 </file>
 
-<file path=ppt/slides/slide6.xml><?xml version="1.0" encoding="utf-8"?>
+<file path=ppt/slides/slide7.xml><?xml version="1.0" encoding="utf-8"?>
 <p:sld xmlns:a="http://schemas.openxmlformats.org/drawingml/2006/main" xmlns:r="http://schemas.openxmlformats.org/officeDocument/2006/relationships" xmlns:p="http://schemas.openxmlformats.org/presentationml/2006/main">
   <p:cSld>
     <p:spTree>
@@ -42661,7 +46392,7 @@
 </p:sld>
 </file>
 
-<file path=ppt/slides/slide7.xml><?xml version="1.0" encoding="utf-8"?>
+<file path=ppt/slides/slide8.xml><?xml version="1.0" encoding="utf-8"?>
 <p:sld xmlns:a="http://schemas.openxmlformats.org/drawingml/2006/main" xmlns:r="http://schemas.openxmlformats.org/officeDocument/2006/relationships" xmlns:p="http://schemas.openxmlformats.org/presentationml/2006/main">
   <p:cSld>
     <p:spTree>
@@ -45630,7 +49361,7 @@
 </p:sld>
 </file>
 
-<file path=ppt/slides/slide8.xml><?xml version="1.0" encoding="utf-8"?>
+<file path=ppt/slides/slide9.xml><?xml version="1.0" encoding="utf-8"?>
 <p:sld xmlns:a="http://schemas.openxmlformats.org/drawingml/2006/main" xmlns:r="http://schemas.openxmlformats.org/officeDocument/2006/relationships" xmlns:p="http://schemas.openxmlformats.org/presentationml/2006/main">
   <p:cSld>
     <p:spTree>
@@ -46042,1042 +49773,6 @@
           <a:xfrm>
             <a:off x="5095876" y="1626041"/>
             <a:ext cx="4356100" cy="4682684"/>
-          </a:xfrm>
-          <a:prstGeom prst="rect">
-            <a:avLst/>
-          </a:prstGeom>
-          <a:ln w="12700">
-            <a:solidFill>
-              <a:schemeClr val="bg2"/>
-            </a:solidFill>
-          </a:ln>
-        </p:spPr>
-        <p:txBody>
-          <a:bodyPr wrap="square" lIns="36000" tIns="36000" rIns="36000" bIns="36000"/>
-          <a:lstStyle>
-            <a:lvl1pPr marL="0" indent="0" algn="l" defTabSz="957263" rtl="0" eaLnBrk="1" fontAlgn="base" hangingPunct="1">
-              <a:lnSpc>
-                <a:spcPct val="100000"/>
-              </a:lnSpc>
-              <a:spcBef>
-                <a:spcPts val="400"/>
-              </a:spcBef>
-              <a:spcAft>
-                <a:spcPts val="0"/>
-              </a:spcAft>
-              <a:buFont typeface="Arial" charset="0"/>
-              <a:defRPr lang="en-US" sz="1400" kern="1200">
-                <a:solidFill>
-                  <a:schemeClr val="tx2"/>
-                </a:solidFill>
-                <a:latin typeface="+mn-lt"/>
-                <a:ea typeface="+mn-ea"/>
-                <a:cs typeface="+mn-cs"/>
-              </a:defRPr>
-            </a:lvl1pPr>
-            <a:lvl2pPr marL="180000" indent="-180000" algn="l" defTabSz="957263" rtl="0" eaLnBrk="1" fontAlgn="base" hangingPunct="1">
-              <a:lnSpc>
-                <a:spcPct val="100000"/>
-              </a:lnSpc>
-              <a:spcBef>
-                <a:spcPts val="400"/>
-              </a:spcBef>
-              <a:spcAft>
-                <a:spcPts val="0"/>
-              </a:spcAft>
-              <a:buFont typeface="Arial" charset="0"/>
-              <a:buChar char="•"/>
-              <a:defRPr lang="en-US" sz="1400" kern="1200">
-                <a:solidFill>
-                  <a:schemeClr val="tx2"/>
-                </a:solidFill>
-                <a:latin typeface="+mn-lt"/>
-                <a:ea typeface="+mj-ea"/>
-                <a:cs typeface="+mj-cs"/>
-              </a:defRPr>
-            </a:lvl2pPr>
-            <a:lvl3pPr marL="360000" indent="-180000" algn="l" defTabSz="957263" rtl="0" eaLnBrk="1" fontAlgn="base" hangingPunct="1">
-              <a:lnSpc>
-                <a:spcPct val="100000"/>
-              </a:lnSpc>
-              <a:spcBef>
-                <a:spcPts val="400"/>
-              </a:spcBef>
-              <a:spcAft>
-                <a:spcPts val="0"/>
-              </a:spcAft>
-              <a:buFont typeface="Arial" charset="0"/>
-              <a:buChar char="‒"/>
-              <a:defRPr lang="en-US" sz="1200" kern="1200">
-                <a:solidFill>
-                  <a:schemeClr val="tx2"/>
-                </a:solidFill>
-                <a:latin typeface="+mn-lt"/>
-                <a:ea typeface="+mj-ea"/>
-                <a:cs typeface="+mj-cs"/>
-              </a:defRPr>
-            </a:lvl3pPr>
-            <a:lvl4pPr marL="540000" indent="-180000" algn="l" defTabSz="957263" rtl="0" eaLnBrk="1" fontAlgn="base" hangingPunct="1">
-              <a:lnSpc>
-                <a:spcPct val="100000"/>
-              </a:lnSpc>
-              <a:spcBef>
-                <a:spcPts val="400"/>
-              </a:spcBef>
-              <a:spcAft>
-                <a:spcPts val="0"/>
-              </a:spcAft>
-              <a:buFont typeface="Arial" charset="0"/>
-              <a:buChar char="•"/>
-              <a:defRPr lang="en-US" sz="1200" kern="1200">
-                <a:solidFill>
-                  <a:schemeClr val="tx2"/>
-                </a:solidFill>
-                <a:latin typeface="+mn-lt"/>
-                <a:ea typeface="+mj-ea"/>
-                <a:cs typeface="+mj-cs"/>
-              </a:defRPr>
-            </a:lvl4pPr>
-            <a:lvl5pPr marL="720000" indent="-179388" algn="l" defTabSz="957263" rtl="0" eaLnBrk="1" fontAlgn="base" hangingPunct="1">
-              <a:lnSpc>
-                <a:spcPct val="100000"/>
-              </a:lnSpc>
-              <a:spcBef>
-                <a:spcPts val="400"/>
-              </a:spcBef>
-              <a:spcAft>
-                <a:spcPts val="0"/>
-              </a:spcAft>
-              <a:buFont typeface="Arial" charset="0"/>
-              <a:buChar char="‒"/>
-              <a:defRPr lang="en-GB" sz="1200" kern="1200">
-                <a:solidFill>
-                  <a:schemeClr val="tx2"/>
-                </a:solidFill>
-                <a:latin typeface="+mn-lt"/>
-                <a:ea typeface="+mj-ea"/>
-                <a:cs typeface="+mj-cs"/>
-              </a:defRPr>
-            </a:lvl5pPr>
-            <a:lvl6pPr marL="900000" indent="-180000" algn="l" defTabSz="859512" rtl="0" eaLnBrk="1" latinLnBrk="0" hangingPunct="1">
-              <a:lnSpc>
-                <a:spcPct val="100000"/>
-              </a:lnSpc>
-              <a:spcBef>
-                <a:spcPts val="400"/>
-              </a:spcBef>
-              <a:spcAft>
-                <a:spcPts val="0"/>
-              </a:spcAft>
-              <a:buFont typeface="Arial" pitchFamily="34" charset="0"/>
-              <a:buChar char="•"/>
-              <a:defRPr sz="1200" kern="1200" baseline="0">
-                <a:solidFill>
-                  <a:schemeClr val="accent1"/>
-                </a:solidFill>
-                <a:latin typeface="+mn-lt"/>
-                <a:ea typeface="+mn-ea"/>
-                <a:cs typeface="+mn-cs"/>
-              </a:defRPr>
-            </a:lvl6pPr>
-            <a:lvl7pPr marL="1080000" indent="-180000" algn="l" defTabSz="859512" rtl="0" eaLnBrk="1" latinLnBrk="0" hangingPunct="1">
-              <a:lnSpc>
-                <a:spcPct val="100000"/>
-              </a:lnSpc>
-              <a:spcBef>
-                <a:spcPts val="400"/>
-              </a:spcBef>
-              <a:spcAft>
-                <a:spcPts val="0"/>
-              </a:spcAft>
-              <a:buFont typeface="Arial" pitchFamily="34" charset="0"/>
-              <a:buChar char="‒"/>
-              <a:defRPr sz="1200" kern="1200">
-                <a:solidFill>
-                  <a:schemeClr val="accent1"/>
-                </a:solidFill>
-                <a:latin typeface="+mn-lt"/>
-                <a:ea typeface="+mn-ea"/>
-                <a:cs typeface="+mn-cs"/>
-              </a:defRPr>
-            </a:lvl7pPr>
-            <a:lvl8pPr marL="1260000" indent="-180000" algn="l" defTabSz="859512" rtl="0" eaLnBrk="1" latinLnBrk="0" hangingPunct="1">
-              <a:lnSpc>
-                <a:spcPct val="100000"/>
-              </a:lnSpc>
-              <a:spcBef>
-                <a:spcPts val="400"/>
-              </a:spcBef>
-              <a:spcAft>
-                <a:spcPts val="0"/>
-              </a:spcAft>
-              <a:buFont typeface="Arial" pitchFamily="34" charset="0"/>
-              <a:buChar char="•"/>
-              <a:defRPr sz="1200" kern="1200">
-                <a:solidFill>
-                  <a:schemeClr val="accent1"/>
-                </a:solidFill>
-                <a:latin typeface="+mn-lt"/>
-                <a:ea typeface="+mn-ea"/>
-                <a:cs typeface="+mn-cs"/>
-              </a:defRPr>
-            </a:lvl8pPr>
-            <a:lvl9pPr marL="1440000" indent="-180000" algn="l" defTabSz="859512" rtl="0" eaLnBrk="1" latinLnBrk="0" hangingPunct="1">
-              <a:lnSpc>
-                <a:spcPct val="100000"/>
-              </a:lnSpc>
-              <a:spcBef>
-                <a:spcPts val="400"/>
-              </a:spcBef>
-              <a:spcAft>
-                <a:spcPts val="0"/>
-              </a:spcAft>
-              <a:buFont typeface="Arial" pitchFamily="34" charset="0"/>
-              <a:buChar char="‒"/>
-              <a:defRPr sz="1200" kern="1200">
-                <a:solidFill>
-                  <a:schemeClr val="accent1"/>
-                </a:solidFill>
-                <a:latin typeface="+mn-lt"/>
-                <a:ea typeface="+mn-ea"/>
-                <a:cs typeface="+mn-cs"/>
-              </a:defRPr>
-            </a:lvl9pPr>
-          </a:lstStyle>
-          <a:p>
-            <a:r>
-              <a:rPr lang="en-US" dirty="0">
-                <a:solidFill>
-                  <a:schemeClr val="tx1"/>
-                </a:solidFill>
-                <a:latin typeface="Palatino Linotype" panose="02040502050505030304" pitchFamily="18" charset="0"/>
-              </a:rPr>
-              <a:t>Paragraph (if not needed, delete)</a:t>
-            </a:r>
-          </a:p>
-          <a:p>
-            <a:pPr lvl="1"/>
-            <a:r>
-              <a:rPr lang="en-US" dirty="0">
-                <a:solidFill>
-                  <a:schemeClr val="tx1"/>
-                </a:solidFill>
-                <a:latin typeface="Palatino Linotype" panose="02040502050505030304" pitchFamily="18" charset="0"/>
-              </a:rPr>
-              <a:t>Bullet</a:t>
-            </a:r>
-          </a:p>
-          <a:p>
-            <a:pPr lvl="2"/>
-            <a:r>
-              <a:rPr lang="en-US" dirty="0">
-                <a:solidFill>
-                  <a:schemeClr val="tx1"/>
-                </a:solidFill>
-                <a:latin typeface="Palatino Linotype" panose="02040502050505030304" pitchFamily="18" charset="0"/>
-              </a:rPr>
-              <a:t>Dash</a:t>
-            </a:r>
-          </a:p>
-          <a:p>
-            <a:pPr lvl="3"/>
-            <a:r>
-              <a:rPr lang="en-US" dirty="0">
-                <a:solidFill>
-                  <a:schemeClr val="tx1"/>
-                </a:solidFill>
-                <a:latin typeface="Palatino Linotype" panose="02040502050505030304" pitchFamily="18" charset="0"/>
-              </a:rPr>
-              <a:t>Sub bullet</a:t>
-            </a:r>
-          </a:p>
-        </p:txBody>
-      </p:sp>
-    </p:spTree>
-    <p:extLst>
-      <p:ext uri="{BB962C8B-B14F-4D97-AF65-F5344CB8AC3E}">
-        <p14:creationId xmlns:p14="http://schemas.microsoft.com/office/powerpoint/2010/main" val="2874297807"/>
-      </p:ext>
-    </p:extLst>
-  </p:cSld>
-  <p:clrMapOvr>
-    <a:masterClrMapping/>
-  </p:clrMapOvr>
-</p:sld>
-</file>
-
-<file path=ppt/slides/slide9.xml><?xml version="1.0" encoding="utf-8"?>
-<p:sld xmlns:a="http://schemas.openxmlformats.org/drawingml/2006/main" xmlns:r="http://schemas.openxmlformats.org/officeDocument/2006/relationships" xmlns:p="http://schemas.openxmlformats.org/presentationml/2006/main">
-  <p:cSld>
-    <p:spTree>
-      <p:nvGrpSpPr>
-        <p:cNvPr id="1" name=""/>
-        <p:cNvGrpSpPr/>
-        <p:nvPr/>
-      </p:nvGrpSpPr>
-      <p:grpSpPr>
-        <a:xfrm>
-          <a:off x="0" y="0"/>
-          <a:ext cx="0" cy="0"/>
-          <a:chOff x="0" y="0"/>
-          <a:chExt cx="0" cy="0"/>
-        </a:xfrm>
-      </p:grpSpPr>
-      <p:sp>
-        <p:nvSpPr>
-          <p:cNvPr id="2" name="标题 1"/>
-          <p:cNvSpPr>
-            <a:spLocks noGrp="1"/>
-          </p:cNvSpPr>
-          <p:nvPr>
-            <p:ph type="title"/>
-          </p:nvPr>
-        </p:nvSpPr>
-        <p:spPr/>
-        <p:txBody>
-          <a:bodyPr/>
-          <a:lstStyle/>
-          <a:p>
-            <a:r>
-              <a:rPr lang="en-US" dirty="0"/>
-              <a:t>Text boxes – three to a slide, with paragraph, bullet, and dash points</a:t>
-            </a:r>
-          </a:p>
-        </p:txBody>
-      </p:sp>
-      <p:sp>
-        <p:nvSpPr>
-          <p:cNvPr id="3" name="Text Placeholder 12"/>
-          <p:cNvSpPr>
-            <a:spLocks/>
-          </p:cNvSpPr>
-          <p:nvPr>
-            <p:custDataLst>
-              <p:tags r:id="rId1"/>
-            </p:custDataLst>
-          </p:nvPr>
-        </p:nvSpPr>
-        <p:spPr bwMode="auto">
-          <a:xfrm>
-            <a:off x="396875" y="1123950"/>
-            <a:ext cx="353751" cy="215444"/>
-          </a:xfrm>
-          <a:prstGeom prst="rect">
-            <a:avLst/>
-          </a:prstGeom>
-          <a:noFill/>
-          <a:ln w="9525">
-            <a:noFill/>
-            <a:miter lim="800000"/>
-            <a:headEnd/>
-            <a:tailEnd/>
-          </a:ln>
-        </p:spPr>
-        <p:txBody>
-          <a:bodyPr wrap="none" lIns="0" tIns="0" rIns="0" bIns="0">
-            <a:spAutoFit/>
-          </a:bodyPr>
-          <a:lstStyle/>
-          <a:p>
-            <a:pPr defTabSz="1019175">
-              <a:spcAft>
-                <a:spcPts val="0"/>
-              </a:spcAft>
-            </a:pPr>
-            <a:r>
-              <a:rPr lang="en-US" sz="1400" b="1" dirty="0">
-                <a:latin typeface="Palatino Linotype" panose="02040502050505030304" pitchFamily="18" charset="0"/>
-              </a:rPr>
-              <a:t>Text</a:t>
-            </a:r>
-          </a:p>
-        </p:txBody>
-      </p:sp>
-      <p:sp>
-        <p:nvSpPr>
-          <p:cNvPr id="5" name="Text Box 10"/>
-          <p:cNvSpPr txBox="1">
-            <a:spLocks noChangeArrowheads="1"/>
-          </p:cNvSpPr>
-          <p:nvPr>
-            <p:custDataLst>
-              <p:tags r:id="rId2"/>
-            </p:custDataLst>
-          </p:nvPr>
-        </p:nvSpPr>
-        <p:spPr bwMode="auto">
-          <a:xfrm>
-            <a:off x="450850" y="1376361"/>
-            <a:ext cx="2880000" cy="249678"/>
-          </a:xfrm>
-          <a:prstGeom prst="rect">
-            <a:avLst/>
-          </a:prstGeom>
-          <a:solidFill>
-            <a:schemeClr val="bg2"/>
-          </a:solidFill>
-          <a:ln w="12700" algn="ctr">
-            <a:solidFill>
-              <a:schemeClr val="bg2"/>
-            </a:solidFill>
-            <a:miter lim="800000"/>
-            <a:headEnd/>
-            <a:tailEnd type="none" w="sm" len="med"/>
-          </a:ln>
-        </p:spPr>
-        <p:txBody>
-          <a:bodyPr lIns="36000" tIns="36000" rIns="36000" bIns="36000" anchor="ctr" anchorCtr="1"/>
-          <a:lstStyle/>
-          <a:p>
-            <a:pPr algn="ctr" defTabSz="957263"/>
-            <a:r>
-              <a:rPr lang="en-US" sz="1400" b="1" dirty="0">
-                <a:solidFill>
-                  <a:schemeClr val="bg1"/>
-                </a:solidFill>
-                <a:latin typeface="Palatino Linotype" panose="02040502050505030304" pitchFamily="18" charset="0"/>
-              </a:rPr>
-              <a:t>Text</a:t>
-            </a:r>
-          </a:p>
-        </p:txBody>
-      </p:sp>
-      <p:sp>
-        <p:nvSpPr>
-          <p:cNvPr id="6" name="Text Placeholder 5"/>
-          <p:cNvSpPr txBox="1">
-            <a:spLocks/>
-          </p:cNvSpPr>
-          <p:nvPr/>
-        </p:nvSpPr>
-        <p:spPr>
-          <a:xfrm>
-            <a:off x="450849" y="1626041"/>
-            <a:ext cx="2880000" cy="4682684"/>
-          </a:xfrm>
-          <a:prstGeom prst="rect">
-            <a:avLst/>
-          </a:prstGeom>
-          <a:ln w="12700">
-            <a:solidFill>
-              <a:schemeClr val="bg2"/>
-            </a:solidFill>
-          </a:ln>
-        </p:spPr>
-        <p:txBody>
-          <a:bodyPr wrap="square" lIns="36000" tIns="36000" rIns="36000" bIns="36000"/>
-          <a:lstStyle>
-            <a:lvl1pPr marL="0" indent="0" algn="l" defTabSz="957263" rtl="0" eaLnBrk="1" fontAlgn="base" hangingPunct="1">
-              <a:lnSpc>
-                <a:spcPct val="100000"/>
-              </a:lnSpc>
-              <a:spcBef>
-                <a:spcPts val="400"/>
-              </a:spcBef>
-              <a:spcAft>
-                <a:spcPts val="0"/>
-              </a:spcAft>
-              <a:buFont typeface="Arial" charset="0"/>
-              <a:defRPr lang="en-US" sz="1400" kern="1200">
-                <a:solidFill>
-                  <a:schemeClr val="tx2"/>
-                </a:solidFill>
-                <a:latin typeface="+mn-lt"/>
-                <a:ea typeface="+mn-ea"/>
-                <a:cs typeface="+mn-cs"/>
-              </a:defRPr>
-            </a:lvl1pPr>
-            <a:lvl2pPr marL="180000" indent="-180000" algn="l" defTabSz="957263" rtl="0" eaLnBrk="1" fontAlgn="base" hangingPunct="1">
-              <a:lnSpc>
-                <a:spcPct val="100000"/>
-              </a:lnSpc>
-              <a:spcBef>
-                <a:spcPts val="400"/>
-              </a:spcBef>
-              <a:spcAft>
-                <a:spcPts val="0"/>
-              </a:spcAft>
-              <a:buFont typeface="Arial" charset="0"/>
-              <a:buChar char="•"/>
-              <a:defRPr lang="en-US" sz="1400" kern="1200">
-                <a:solidFill>
-                  <a:schemeClr val="tx2"/>
-                </a:solidFill>
-                <a:latin typeface="+mn-lt"/>
-                <a:ea typeface="+mj-ea"/>
-                <a:cs typeface="+mj-cs"/>
-              </a:defRPr>
-            </a:lvl2pPr>
-            <a:lvl3pPr marL="360000" indent="-180000" algn="l" defTabSz="957263" rtl="0" eaLnBrk="1" fontAlgn="base" hangingPunct="1">
-              <a:lnSpc>
-                <a:spcPct val="100000"/>
-              </a:lnSpc>
-              <a:spcBef>
-                <a:spcPts val="400"/>
-              </a:spcBef>
-              <a:spcAft>
-                <a:spcPts val="0"/>
-              </a:spcAft>
-              <a:buFont typeface="Arial" charset="0"/>
-              <a:buChar char="‒"/>
-              <a:defRPr lang="en-US" sz="1200" kern="1200">
-                <a:solidFill>
-                  <a:schemeClr val="tx2"/>
-                </a:solidFill>
-                <a:latin typeface="+mn-lt"/>
-                <a:ea typeface="+mj-ea"/>
-                <a:cs typeface="+mj-cs"/>
-              </a:defRPr>
-            </a:lvl3pPr>
-            <a:lvl4pPr marL="540000" indent="-180000" algn="l" defTabSz="957263" rtl="0" eaLnBrk="1" fontAlgn="base" hangingPunct="1">
-              <a:lnSpc>
-                <a:spcPct val="100000"/>
-              </a:lnSpc>
-              <a:spcBef>
-                <a:spcPts val="400"/>
-              </a:spcBef>
-              <a:spcAft>
-                <a:spcPts val="0"/>
-              </a:spcAft>
-              <a:buFont typeface="Arial" charset="0"/>
-              <a:buChar char="•"/>
-              <a:defRPr lang="en-US" sz="1200" kern="1200">
-                <a:solidFill>
-                  <a:schemeClr val="tx2"/>
-                </a:solidFill>
-                <a:latin typeface="+mn-lt"/>
-                <a:ea typeface="+mj-ea"/>
-                <a:cs typeface="+mj-cs"/>
-              </a:defRPr>
-            </a:lvl4pPr>
-            <a:lvl5pPr marL="720000" indent="-179388" algn="l" defTabSz="957263" rtl="0" eaLnBrk="1" fontAlgn="base" hangingPunct="1">
-              <a:lnSpc>
-                <a:spcPct val="100000"/>
-              </a:lnSpc>
-              <a:spcBef>
-                <a:spcPts val="400"/>
-              </a:spcBef>
-              <a:spcAft>
-                <a:spcPts val="0"/>
-              </a:spcAft>
-              <a:buFont typeface="Arial" charset="0"/>
-              <a:buChar char="‒"/>
-              <a:defRPr lang="en-GB" sz="1200" kern="1200">
-                <a:solidFill>
-                  <a:schemeClr val="tx2"/>
-                </a:solidFill>
-                <a:latin typeface="+mn-lt"/>
-                <a:ea typeface="+mj-ea"/>
-                <a:cs typeface="+mj-cs"/>
-              </a:defRPr>
-            </a:lvl5pPr>
-            <a:lvl6pPr marL="900000" indent="-180000" algn="l" defTabSz="859512" rtl="0" eaLnBrk="1" latinLnBrk="0" hangingPunct="1">
-              <a:lnSpc>
-                <a:spcPct val="100000"/>
-              </a:lnSpc>
-              <a:spcBef>
-                <a:spcPts val="400"/>
-              </a:spcBef>
-              <a:spcAft>
-                <a:spcPts val="0"/>
-              </a:spcAft>
-              <a:buFont typeface="Arial" pitchFamily="34" charset="0"/>
-              <a:buChar char="•"/>
-              <a:defRPr sz="1200" kern="1200" baseline="0">
-                <a:solidFill>
-                  <a:schemeClr val="accent1"/>
-                </a:solidFill>
-                <a:latin typeface="+mn-lt"/>
-                <a:ea typeface="+mn-ea"/>
-                <a:cs typeface="+mn-cs"/>
-              </a:defRPr>
-            </a:lvl6pPr>
-            <a:lvl7pPr marL="1080000" indent="-180000" algn="l" defTabSz="859512" rtl="0" eaLnBrk="1" latinLnBrk="0" hangingPunct="1">
-              <a:lnSpc>
-                <a:spcPct val="100000"/>
-              </a:lnSpc>
-              <a:spcBef>
-                <a:spcPts val="400"/>
-              </a:spcBef>
-              <a:spcAft>
-                <a:spcPts val="0"/>
-              </a:spcAft>
-              <a:buFont typeface="Arial" pitchFamily="34" charset="0"/>
-              <a:buChar char="‒"/>
-              <a:defRPr sz="1200" kern="1200">
-                <a:solidFill>
-                  <a:schemeClr val="accent1"/>
-                </a:solidFill>
-                <a:latin typeface="+mn-lt"/>
-                <a:ea typeface="+mn-ea"/>
-                <a:cs typeface="+mn-cs"/>
-              </a:defRPr>
-            </a:lvl7pPr>
-            <a:lvl8pPr marL="1260000" indent="-180000" algn="l" defTabSz="859512" rtl="0" eaLnBrk="1" latinLnBrk="0" hangingPunct="1">
-              <a:lnSpc>
-                <a:spcPct val="100000"/>
-              </a:lnSpc>
-              <a:spcBef>
-                <a:spcPts val="400"/>
-              </a:spcBef>
-              <a:spcAft>
-                <a:spcPts val="0"/>
-              </a:spcAft>
-              <a:buFont typeface="Arial" pitchFamily="34" charset="0"/>
-              <a:buChar char="•"/>
-              <a:defRPr sz="1200" kern="1200">
-                <a:solidFill>
-                  <a:schemeClr val="accent1"/>
-                </a:solidFill>
-                <a:latin typeface="+mn-lt"/>
-                <a:ea typeface="+mn-ea"/>
-                <a:cs typeface="+mn-cs"/>
-              </a:defRPr>
-            </a:lvl8pPr>
-            <a:lvl9pPr marL="1440000" indent="-180000" algn="l" defTabSz="859512" rtl="0" eaLnBrk="1" latinLnBrk="0" hangingPunct="1">
-              <a:lnSpc>
-                <a:spcPct val="100000"/>
-              </a:lnSpc>
-              <a:spcBef>
-                <a:spcPts val="400"/>
-              </a:spcBef>
-              <a:spcAft>
-                <a:spcPts val="0"/>
-              </a:spcAft>
-              <a:buFont typeface="Arial" pitchFamily="34" charset="0"/>
-              <a:buChar char="‒"/>
-              <a:defRPr sz="1200" kern="1200">
-                <a:solidFill>
-                  <a:schemeClr val="accent1"/>
-                </a:solidFill>
-                <a:latin typeface="+mn-lt"/>
-                <a:ea typeface="+mn-ea"/>
-                <a:cs typeface="+mn-cs"/>
-              </a:defRPr>
-            </a:lvl9pPr>
-          </a:lstStyle>
-          <a:p>
-            <a:r>
-              <a:rPr lang="en-US" dirty="0">
-                <a:solidFill>
-                  <a:schemeClr val="tx1"/>
-                </a:solidFill>
-                <a:latin typeface="Palatino Linotype" panose="02040502050505030304" pitchFamily="18" charset="0"/>
-              </a:rPr>
-              <a:t>Paragraph (if not needed, delete)</a:t>
-            </a:r>
-          </a:p>
-          <a:p>
-            <a:pPr lvl="1"/>
-            <a:r>
-              <a:rPr lang="en-US" dirty="0">
-                <a:solidFill>
-                  <a:schemeClr val="tx1"/>
-                </a:solidFill>
-                <a:latin typeface="Palatino Linotype" panose="02040502050505030304" pitchFamily="18" charset="0"/>
-              </a:rPr>
-              <a:t>Bullet</a:t>
-            </a:r>
-          </a:p>
-          <a:p>
-            <a:pPr lvl="2"/>
-            <a:r>
-              <a:rPr lang="en-US" dirty="0">
-                <a:solidFill>
-                  <a:schemeClr val="tx1"/>
-                </a:solidFill>
-                <a:latin typeface="Palatino Linotype" panose="02040502050505030304" pitchFamily="18" charset="0"/>
-              </a:rPr>
-              <a:t>Dash</a:t>
-            </a:r>
-          </a:p>
-          <a:p>
-            <a:pPr lvl="3"/>
-            <a:r>
-              <a:rPr lang="en-US" dirty="0">
-                <a:solidFill>
-                  <a:schemeClr val="tx1"/>
-                </a:solidFill>
-                <a:latin typeface="Palatino Linotype" panose="02040502050505030304" pitchFamily="18" charset="0"/>
-              </a:rPr>
-              <a:t>Sub bullet</a:t>
-            </a:r>
-          </a:p>
-        </p:txBody>
-      </p:sp>
-      <p:sp>
-        <p:nvSpPr>
-          <p:cNvPr id="8" name="Text Box 10"/>
-          <p:cNvSpPr txBox="1">
-            <a:spLocks noChangeArrowheads="1"/>
-          </p:cNvSpPr>
-          <p:nvPr>
-            <p:custDataLst>
-              <p:tags r:id="rId3"/>
-            </p:custDataLst>
-          </p:nvPr>
-        </p:nvSpPr>
-        <p:spPr bwMode="auto">
-          <a:xfrm>
-            <a:off x="3511778" y="1376361"/>
-            <a:ext cx="2880000" cy="249678"/>
-          </a:xfrm>
-          <a:prstGeom prst="rect">
-            <a:avLst/>
-          </a:prstGeom>
-          <a:solidFill>
-            <a:schemeClr val="bg2"/>
-          </a:solidFill>
-          <a:ln w="12700" algn="ctr">
-            <a:solidFill>
-              <a:schemeClr val="bg2"/>
-            </a:solidFill>
-            <a:miter lim="800000"/>
-            <a:headEnd/>
-            <a:tailEnd type="none" w="sm" len="med"/>
-          </a:ln>
-        </p:spPr>
-        <p:txBody>
-          <a:bodyPr lIns="36000" tIns="36000" rIns="36000" bIns="36000" anchor="ctr" anchorCtr="1"/>
-          <a:lstStyle/>
-          <a:p>
-            <a:pPr algn="ctr" defTabSz="957263"/>
-            <a:r>
-              <a:rPr lang="en-US" sz="1400" b="1">
-                <a:solidFill>
-                  <a:schemeClr val="bg1"/>
-                </a:solidFill>
-                <a:latin typeface="Palatino Linotype" panose="02040502050505030304" pitchFamily="18" charset="0"/>
-              </a:rPr>
-              <a:t>Text</a:t>
-            </a:r>
-          </a:p>
-        </p:txBody>
-      </p:sp>
-      <p:sp>
-        <p:nvSpPr>
-          <p:cNvPr id="9" name="Text Placeholder 5"/>
-          <p:cNvSpPr txBox="1">
-            <a:spLocks/>
-          </p:cNvSpPr>
-          <p:nvPr/>
-        </p:nvSpPr>
-        <p:spPr>
-          <a:xfrm>
-            <a:off x="3511777" y="1626041"/>
-            <a:ext cx="2880000" cy="4682684"/>
-          </a:xfrm>
-          <a:prstGeom prst="rect">
-            <a:avLst/>
-          </a:prstGeom>
-          <a:ln w="12700">
-            <a:solidFill>
-              <a:schemeClr val="bg2"/>
-            </a:solidFill>
-          </a:ln>
-        </p:spPr>
-        <p:txBody>
-          <a:bodyPr wrap="square" lIns="36000" tIns="36000" rIns="36000" bIns="36000"/>
-          <a:lstStyle>
-            <a:lvl1pPr marL="0" indent="0" algn="l" defTabSz="957263" rtl="0" eaLnBrk="1" fontAlgn="base" hangingPunct="1">
-              <a:lnSpc>
-                <a:spcPct val="100000"/>
-              </a:lnSpc>
-              <a:spcBef>
-                <a:spcPts val="400"/>
-              </a:spcBef>
-              <a:spcAft>
-                <a:spcPts val="0"/>
-              </a:spcAft>
-              <a:buFont typeface="Arial" charset="0"/>
-              <a:defRPr lang="en-US" sz="1400" kern="1200">
-                <a:solidFill>
-                  <a:schemeClr val="tx2"/>
-                </a:solidFill>
-                <a:latin typeface="+mn-lt"/>
-                <a:ea typeface="+mn-ea"/>
-                <a:cs typeface="+mn-cs"/>
-              </a:defRPr>
-            </a:lvl1pPr>
-            <a:lvl2pPr marL="180000" indent="-180000" algn="l" defTabSz="957263" rtl="0" eaLnBrk="1" fontAlgn="base" hangingPunct="1">
-              <a:lnSpc>
-                <a:spcPct val="100000"/>
-              </a:lnSpc>
-              <a:spcBef>
-                <a:spcPts val="400"/>
-              </a:spcBef>
-              <a:spcAft>
-                <a:spcPts val="0"/>
-              </a:spcAft>
-              <a:buFont typeface="Arial" charset="0"/>
-              <a:buChar char="•"/>
-              <a:defRPr lang="en-US" sz="1400" kern="1200">
-                <a:solidFill>
-                  <a:schemeClr val="tx2"/>
-                </a:solidFill>
-                <a:latin typeface="+mn-lt"/>
-                <a:ea typeface="+mj-ea"/>
-                <a:cs typeface="+mj-cs"/>
-              </a:defRPr>
-            </a:lvl2pPr>
-            <a:lvl3pPr marL="360000" indent="-180000" algn="l" defTabSz="957263" rtl="0" eaLnBrk="1" fontAlgn="base" hangingPunct="1">
-              <a:lnSpc>
-                <a:spcPct val="100000"/>
-              </a:lnSpc>
-              <a:spcBef>
-                <a:spcPts val="400"/>
-              </a:spcBef>
-              <a:spcAft>
-                <a:spcPts val="0"/>
-              </a:spcAft>
-              <a:buFont typeface="Arial" charset="0"/>
-              <a:buChar char="‒"/>
-              <a:defRPr lang="en-US" sz="1200" kern="1200">
-                <a:solidFill>
-                  <a:schemeClr val="tx2"/>
-                </a:solidFill>
-                <a:latin typeface="+mn-lt"/>
-                <a:ea typeface="+mj-ea"/>
-                <a:cs typeface="+mj-cs"/>
-              </a:defRPr>
-            </a:lvl3pPr>
-            <a:lvl4pPr marL="540000" indent="-180000" algn="l" defTabSz="957263" rtl="0" eaLnBrk="1" fontAlgn="base" hangingPunct="1">
-              <a:lnSpc>
-                <a:spcPct val="100000"/>
-              </a:lnSpc>
-              <a:spcBef>
-                <a:spcPts val="400"/>
-              </a:spcBef>
-              <a:spcAft>
-                <a:spcPts val="0"/>
-              </a:spcAft>
-              <a:buFont typeface="Arial" charset="0"/>
-              <a:buChar char="•"/>
-              <a:defRPr lang="en-US" sz="1200" kern="1200">
-                <a:solidFill>
-                  <a:schemeClr val="tx2"/>
-                </a:solidFill>
-                <a:latin typeface="+mn-lt"/>
-                <a:ea typeface="+mj-ea"/>
-                <a:cs typeface="+mj-cs"/>
-              </a:defRPr>
-            </a:lvl4pPr>
-            <a:lvl5pPr marL="720000" indent="-179388" algn="l" defTabSz="957263" rtl="0" eaLnBrk="1" fontAlgn="base" hangingPunct="1">
-              <a:lnSpc>
-                <a:spcPct val="100000"/>
-              </a:lnSpc>
-              <a:spcBef>
-                <a:spcPts val="400"/>
-              </a:spcBef>
-              <a:spcAft>
-                <a:spcPts val="0"/>
-              </a:spcAft>
-              <a:buFont typeface="Arial" charset="0"/>
-              <a:buChar char="‒"/>
-              <a:defRPr lang="en-GB" sz="1200" kern="1200">
-                <a:solidFill>
-                  <a:schemeClr val="tx2"/>
-                </a:solidFill>
-                <a:latin typeface="+mn-lt"/>
-                <a:ea typeface="+mj-ea"/>
-                <a:cs typeface="+mj-cs"/>
-              </a:defRPr>
-            </a:lvl5pPr>
-            <a:lvl6pPr marL="900000" indent="-180000" algn="l" defTabSz="859512" rtl="0" eaLnBrk="1" latinLnBrk="0" hangingPunct="1">
-              <a:lnSpc>
-                <a:spcPct val="100000"/>
-              </a:lnSpc>
-              <a:spcBef>
-                <a:spcPts val="400"/>
-              </a:spcBef>
-              <a:spcAft>
-                <a:spcPts val="0"/>
-              </a:spcAft>
-              <a:buFont typeface="Arial" pitchFamily="34" charset="0"/>
-              <a:buChar char="•"/>
-              <a:defRPr sz="1200" kern="1200" baseline="0">
-                <a:solidFill>
-                  <a:schemeClr val="accent1"/>
-                </a:solidFill>
-                <a:latin typeface="+mn-lt"/>
-                <a:ea typeface="+mn-ea"/>
-                <a:cs typeface="+mn-cs"/>
-              </a:defRPr>
-            </a:lvl6pPr>
-            <a:lvl7pPr marL="1080000" indent="-180000" algn="l" defTabSz="859512" rtl="0" eaLnBrk="1" latinLnBrk="0" hangingPunct="1">
-              <a:lnSpc>
-                <a:spcPct val="100000"/>
-              </a:lnSpc>
-              <a:spcBef>
-                <a:spcPts val="400"/>
-              </a:spcBef>
-              <a:spcAft>
-                <a:spcPts val="0"/>
-              </a:spcAft>
-              <a:buFont typeface="Arial" pitchFamily="34" charset="0"/>
-              <a:buChar char="‒"/>
-              <a:defRPr sz="1200" kern="1200">
-                <a:solidFill>
-                  <a:schemeClr val="accent1"/>
-                </a:solidFill>
-                <a:latin typeface="+mn-lt"/>
-                <a:ea typeface="+mn-ea"/>
-                <a:cs typeface="+mn-cs"/>
-              </a:defRPr>
-            </a:lvl7pPr>
-            <a:lvl8pPr marL="1260000" indent="-180000" algn="l" defTabSz="859512" rtl="0" eaLnBrk="1" latinLnBrk="0" hangingPunct="1">
-              <a:lnSpc>
-                <a:spcPct val="100000"/>
-              </a:lnSpc>
-              <a:spcBef>
-                <a:spcPts val="400"/>
-              </a:spcBef>
-              <a:spcAft>
-                <a:spcPts val="0"/>
-              </a:spcAft>
-              <a:buFont typeface="Arial" pitchFamily="34" charset="0"/>
-              <a:buChar char="•"/>
-              <a:defRPr sz="1200" kern="1200">
-                <a:solidFill>
-                  <a:schemeClr val="accent1"/>
-                </a:solidFill>
-                <a:latin typeface="+mn-lt"/>
-                <a:ea typeface="+mn-ea"/>
-                <a:cs typeface="+mn-cs"/>
-              </a:defRPr>
-            </a:lvl8pPr>
-            <a:lvl9pPr marL="1440000" indent="-180000" algn="l" defTabSz="859512" rtl="0" eaLnBrk="1" latinLnBrk="0" hangingPunct="1">
-              <a:lnSpc>
-                <a:spcPct val="100000"/>
-              </a:lnSpc>
-              <a:spcBef>
-                <a:spcPts val="400"/>
-              </a:spcBef>
-              <a:spcAft>
-                <a:spcPts val="0"/>
-              </a:spcAft>
-              <a:buFont typeface="Arial" pitchFamily="34" charset="0"/>
-              <a:buChar char="‒"/>
-              <a:defRPr sz="1200" kern="1200">
-                <a:solidFill>
-                  <a:schemeClr val="accent1"/>
-                </a:solidFill>
-                <a:latin typeface="+mn-lt"/>
-                <a:ea typeface="+mn-ea"/>
-                <a:cs typeface="+mn-cs"/>
-              </a:defRPr>
-            </a:lvl9pPr>
-          </a:lstStyle>
-          <a:p>
-            <a:r>
-              <a:rPr lang="en-US" dirty="0">
-                <a:solidFill>
-                  <a:schemeClr val="tx1"/>
-                </a:solidFill>
-                <a:latin typeface="Palatino Linotype" panose="02040502050505030304" pitchFamily="18" charset="0"/>
-              </a:rPr>
-              <a:t>Paragraph (if not needed, delete)</a:t>
-            </a:r>
-          </a:p>
-          <a:p>
-            <a:pPr lvl="1"/>
-            <a:r>
-              <a:rPr lang="en-US" dirty="0">
-                <a:solidFill>
-                  <a:schemeClr val="tx1"/>
-                </a:solidFill>
-                <a:latin typeface="Palatino Linotype" panose="02040502050505030304" pitchFamily="18" charset="0"/>
-              </a:rPr>
-              <a:t>Bullet</a:t>
-            </a:r>
-          </a:p>
-          <a:p>
-            <a:pPr lvl="2"/>
-            <a:r>
-              <a:rPr lang="en-US" dirty="0">
-                <a:solidFill>
-                  <a:schemeClr val="tx1"/>
-                </a:solidFill>
-                <a:latin typeface="Palatino Linotype" panose="02040502050505030304" pitchFamily="18" charset="0"/>
-              </a:rPr>
-              <a:t>Dash</a:t>
-            </a:r>
-          </a:p>
-          <a:p>
-            <a:pPr lvl="3"/>
-            <a:r>
-              <a:rPr lang="en-US" dirty="0">
-                <a:solidFill>
-                  <a:schemeClr val="tx1"/>
-                </a:solidFill>
-                <a:latin typeface="Palatino Linotype" panose="02040502050505030304" pitchFamily="18" charset="0"/>
-              </a:rPr>
-              <a:t>Sub bullet</a:t>
-            </a:r>
-          </a:p>
-        </p:txBody>
-      </p:sp>
-      <p:sp>
-        <p:nvSpPr>
-          <p:cNvPr id="11" name="Text Box 10"/>
-          <p:cNvSpPr txBox="1">
-            <a:spLocks noChangeArrowheads="1"/>
-          </p:cNvSpPr>
-          <p:nvPr>
-            <p:custDataLst>
-              <p:tags r:id="rId4"/>
-            </p:custDataLst>
-          </p:nvPr>
-        </p:nvSpPr>
-        <p:spPr bwMode="auto">
-          <a:xfrm>
-            <a:off x="6572706" y="1376361"/>
-            <a:ext cx="2880000" cy="249678"/>
-          </a:xfrm>
-          <a:prstGeom prst="rect">
-            <a:avLst/>
-          </a:prstGeom>
-          <a:solidFill>
-            <a:schemeClr val="bg2"/>
-          </a:solidFill>
-          <a:ln w="12700" algn="ctr">
-            <a:solidFill>
-              <a:schemeClr val="bg2"/>
-            </a:solidFill>
-            <a:miter lim="800000"/>
-            <a:headEnd/>
-            <a:tailEnd type="none" w="sm" len="med"/>
-          </a:ln>
-        </p:spPr>
-        <p:txBody>
-          <a:bodyPr lIns="36000" tIns="36000" rIns="36000" bIns="36000" anchor="ctr" anchorCtr="1"/>
-          <a:lstStyle/>
-          <a:p>
-            <a:pPr algn="ctr" defTabSz="957263"/>
-            <a:r>
-              <a:rPr lang="en-US" sz="1400" b="1">
-                <a:solidFill>
-                  <a:schemeClr val="bg1"/>
-                </a:solidFill>
-                <a:latin typeface="Palatino Linotype" panose="02040502050505030304" pitchFamily="18" charset="0"/>
-              </a:rPr>
-              <a:t>Text</a:t>
-            </a:r>
-          </a:p>
-        </p:txBody>
-      </p:sp>
-      <p:sp>
-        <p:nvSpPr>
-          <p:cNvPr id="12" name="Text Placeholder 5"/>
-          <p:cNvSpPr txBox="1">
-            <a:spLocks/>
-          </p:cNvSpPr>
-          <p:nvPr/>
-        </p:nvSpPr>
-        <p:spPr>
-          <a:xfrm>
-            <a:off x="6572705" y="1626041"/>
-            <a:ext cx="2880000" cy="4682684"/>
           </a:xfrm>
           <a:prstGeom prst="rect">
             <a:avLst/>
